--- a/Slide_JavaLab/Esercizi riscaldamento.pptx
+++ b/Slide_JavaLab/Esercizi riscaldamento.pptx
@@ -1,29 +1,129 @@
 
 <file path=ppt/presentation.xml><?xml version="1.0" encoding="utf-8"?>
-<p:presentation xmlns:a="http://schemas.openxmlformats.org/drawingml/2006/main" xmlns:p="http://schemas.openxmlformats.org/presentationml/2006/main" xmlns:r="http://schemas.openxmlformats.org/officeDocument/2006/relationships" xmlns:p14="http://schemas.microsoft.com/office/powerpoint/2010/main" xmlns:p15="http://schemas.microsoft.com/office/powerpoint/2012/main" xmlns:mc="http://schemas.openxmlformats.org/markup-compatibility/2006">
+<p:presentation xmlns:a="http://schemas.openxmlformats.org/drawingml/2006/main" xmlns:r="http://schemas.openxmlformats.org/officeDocument/2006/relationships" xmlns:p="http://schemas.openxmlformats.org/presentationml/2006/main">
   <p:sldMasterIdLst>
-    <p:sldMasterId id="2147483648" r:id="rId2"/>
-    <p:sldMasterId id="2147483661" r:id="rId3"/>
-    <p:sldMasterId id="2147483674" r:id="rId4"/>
+    <p:sldMasterId id="2147483648" r:id="rId1"/>
+    <p:sldMasterId id="2147483661" r:id="rId2"/>
+    <p:sldMasterId id="2147483674" r:id="rId3"/>
   </p:sldMasterIdLst>
   <p:sldIdLst>
-    <p:sldId id="256" r:id="rId5"/>
-    <p:sldId id="257" r:id="rId6"/>
-    <p:sldId id="258" r:id="rId7"/>
-    <p:sldId id="259" r:id="rId8"/>
-    <p:sldId id="260" r:id="rId9"/>
-    <p:sldId id="261" r:id="rId10"/>
-    <p:sldId id="262" r:id="rId11"/>
-    <p:sldId id="263" r:id="rId12"/>
-    <p:sldId id="264" r:id="rId13"/>
+    <p:sldId id="256" r:id="rId4"/>
+    <p:sldId id="257" r:id="rId5"/>
+    <p:sldId id="258" r:id="rId6"/>
+    <p:sldId id="259" r:id="rId7"/>
+    <p:sldId id="260" r:id="rId8"/>
+    <p:sldId id="261" r:id="rId9"/>
+    <p:sldId id="262" r:id="rId10"/>
+    <p:sldId id="263" r:id="rId11"/>
+    <p:sldId id="264" r:id="rId12"/>
   </p:sldIdLst>
   <p:sldSz cx="13004800" cy="9753600"/>
-  <p:notesSz cx="7559675" cy="10691812"/>
+  <p:notesSz cx="7559675" cy="10691813"/>
+  <p:defaultTextStyle>
+    <a:defPPr>
+      <a:defRPr lang="it-IT"/>
+    </a:defPPr>
+    <a:lvl1pPr marL="0" algn="l" defTabSz="914400" rtl="0" eaLnBrk="1" latinLnBrk="0" hangingPunct="1">
+      <a:defRPr sz="1800" kern="1200">
+        <a:solidFill>
+          <a:schemeClr val="tx1"/>
+        </a:solidFill>
+        <a:latin typeface="+mn-lt"/>
+        <a:ea typeface="+mn-ea"/>
+        <a:cs typeface="+mn-cs"/>
+      </a:defRPr>
+    </a:lvl1pPr>
+    <a:lvl2pPr marL="457200" algn="l" defTabSz="914400" rtl="0" eaLnBrk="1" latinLnBrk="0" hangingPunct="1">
+      <a:defRPr sz="1800" kern="1200">
+        <a:solidFill>
+          <a:schemeClr val="tx1"/>
+        </a:solidFill>
+        <a:latin typeface="+mn-lt"/>
+        <a:ea typeface="+mn-ea"/>
+        <a:cs typeface="+mn-cs"/>
+      </a:defRPr>
+    </a:lvl2pPr>
+    <a:lvl3pPr marL="914400" algn="l" defTabSz="914400" rtl="0" eaLnBrk="1" latinLnBrk="0" hangingPunct="1">
+      <a:defRPr sz="1800" kern="1200">
+        <a:solidFill>
+          <a:schemeClr val="tx1"/>
+        </a:solidFill>
+        <a:latin typeface="+mn-lt"/>
+        <a:ea typeface="+mn-ea"/>
+        <a:cs typeface="+mn-cs"/>
+      </a:defRPr>
+    </a:lvl3pPr>
+    <a:lvl4pPr marL="1371600" algn="l" defTabSz="914400" rtl="0" eaLnBrk="1" latinLnBrk="0" hangingPunct="1">
+      <a:defRPr sz="1800" kern="1200">
+        <a:solidFill>
+          <a:schemeClr val="tx1"/>
+        </a:solidFill>
+        <a:latin typeface="+mn-lt"/>
+        <a:ea typeface="+mn-ea"/>
+        <a:cs typeface="+mn-cs"/>
+      </a:defRPr>
+    </a:lvl4pPr>
+    <a:lvl5pPr marL="1828800" algn="l" defTabSz="914400" rtl="0" eaLnBrk="1" latinLnBrk="0" hangingPunct="1">
+      <a:defRPr sz="1800" kern="1200">
+        <a:solidFill>
+          <a:schemeClr val="tx1"/>
+        </a:solidFill>
+        <a:latin typeface="+mn-lt"/>
+        <a:ea typeface="+mn-ea"/>
+        <a:cs typeface="+mn-cs"/>
+      </a:defRPr>
+    </a:lvl5pPr>
+    <a:lvl6pPr marL="2286000" algn="l" defTabSz="914400" rtl="0" eaLnBrk="1" latinLnBrk="0" hangingPunct="1">
+      <a:defRPr sz="1800" kern="1200">
+        <a:solidFill>
+          <a:schemeClr val="tx1"/>
+        </a:solidFill>
+        <a:latin typeface="+mn-lt"/>
+        <a:ea typeface="+mn-ea"/>
+        <a:cs typeface="+mn-cs"/>
+      </a:defRPr>
+    </a:lvl6pPr>
+    <a:lvl7pPr marL="2743200" algn="l" defTabSz="914400" rtl="0" eaLnBrk="1" latinLnBrk="0" hangingPunct="1">
+      <a:defRPr sz="1800" kern="1200">
+        <a:solidFill>
+          <a:schemeClr val="tx1"/>
+        </a:solidFill>
+        <a:latin typeface="+mn-lt"/>
+        <a:ea typeface="+mn-ea"/>
+        <a:cs typeface="+mn-cs"/>
+      </a:defRPr>
+    </a:lvl7pPr>
+    <a:lvl8pPr marL="3200400" algn="l" defTabSz="914400" rtl="0" eaLnBrk="1" latinLnBrk="0" hangingPunct="1">
+      <a:defRPr sz="1800" kern="1200">
+        <a:solidFill>
+          <a:schemeClr val="tx1"/>
+        </a:solidFill>
+        <a:latin typeface="+mn-lt"/>
+        <a:ea typeface="+mn-ea"/>
+        <a:cs typeface="+mn-cs"/>
+      </a:defRPr>
+    </a:lvl8pPr>
+    <a:lvl9pPr marL="3657600" algn="l" defTabSz="914400" rtl="0" eaLnBrk="1" latinLnBrk="0" hangingPunct="1">
+      <a:defRPr sz="1800" kern="1200">
+        <a:solidFill>
+          <a:schemeClr val="tx1"/>
+        </a:solidFill>
+        <a:latin typeface="+mn-lt"/>
+        <a:ea typeface="+mn-ea"/>
+        <a:cs typeface="+mn-cs"/>
+      </a:defRPr>
+    </a:lvl9pPr>
+  </p:defaultTextStyle>
+  <p:extLst>
+    <p:ext uri="{EFAFB233-063F-42B5-8137-9DF3F51BA10A}">
+      <p15:sldGuideLst xmlns:p15="http://schemas.microsoft.com/office/powerpoint/2012/main"/>
+    </p:ext>
+  </p:extLst>
 </p:presentation>
 </file>
 
 <file path=ppt/slideLayouts/slideLayout1.xml><?xml version="1.0" encoding="utf-8"?>
-<p:sldLayout xmlns:a="http://schemas.openxmlformats.org/drawingml/2006/main" xmlns:p="http://schemas.openxmlformats.org/presentationml/2006/main" xmlns:r="http://schemas.openxmlformats.org/officeDocument/2006/relationships" xmlns:p14="http://schemas.microsoft.com/office/powerpoint/2010/main" xmlns:p15="http://schemas.microsoft.com/office/powerpoint/2012/main" xmlns:mc="http://schemas.openxmlformats.org/markup-compatibility/2006" type="blank" preserve="1">
+<p:sldLayout xmlns:a="http://schemas.openxmlformats.org/drawingml/2006/main" xmlns:r="http://schemas.openxmlformats.org/officeDocument/2006/relationships" xmlns:p="http://schemas.openxmlformats.org/presentationml/2006/main" type="blank" preserve="1">
   <p:cSld name="Blank Slide">
     <p:spTree>
       <p:nvGrpSpPr>
@@ -41,11 +141,14 @@
       </p:grpSpPr>
     </p:spTree>
   </p:cSld>
+  <p:clrMapOvr>
+    <a:masterClrMapping/>
+  </p:clrMapOvr>
 </p:sldLayout>
 </file>
 
 <file path=ppt/slideLayouts/slideLayout10.xml><?xml version="1.0" encoding="utf-8"?>
-<p:sldLayout xmlns:a="http://schemas.openxmlformats.org/drawingml/2006/main" xmlns:p="http://schemas.openxmlformats.org/presentationml/2006/main" xmlns:r="http://schemas.openxmlformats.org/officeDocument/2006/relationships" xmlns:p14="http://schemas.microsoft.com/office/powerpoint/2010/main" xmlns:p15="http://schemas.microsoft.com/office/powerpoint/2012/main" xmlns:mc="http://schemas.openxmlformats.org/markup-compatibility/2006" type="objOverTx" preserve="1">
+<p:sldLayout xmlns:a="http://schemas.openxmlformats.org/drawingml/2006/main" xmlns:r="http://schemas.openxmlformats.org/officeDocument/2006/relationships" xmlns:p="http://schemas.openxmlformats.org/presentationml/2006/main" type="objOverTx" preserve="1">
   <p:cSld name="Title, Content over Content">
     <p:spTree>
       <p:nvGrpSpPr>
@@ -81,9 +184,10 @@
           </a:prstGeom>
         </p:spPr>
         <p:txBody>
-          <a:bodyPr lIns="0" rIns="0" tIns="0" bIns="0" anchor="ctr"/>
-          <a:p>
-            <a:endParaRPr b="0" lang="it-IT" sz="1800" spc="-1" strike="noStrike">
+          <a:bodyPr lIns="0" tIns="0" rIns="0" bIns="0" anchor="ctr"/>
+          <a:lstStyle/>
+          <a:p>
+            <a:endParaRPr lang="it-IT" sz="1800" b="0" strike="noStrike" spc="-1">
               <a:solidFill>
                 <a:srgbClr val="000000"/>
               </a:solidFill>
@@ -112,11 +216,12 @@
           </a:prstGeom>
         </p:spPr>
         <p:txBody>
-          <a:bodyPr lIns="0" rIns="0" tIns="0" bIns="0">
+          <a:bodyPr lIns="0" tIns="0" rIns="0" bIns="0">
             <a:normAutofit/>
           </a:bodyPr>
-          <a:p>
-            <a:endParaRPr b="0" lang="it-IT" sz="2800" spc="-1" strike="noStrike">
+          <a:lstStyle/>
+          <a:p>
+            <a:endParaRPr lang="it-IT" sz="2800" b="0" strike="noStrike" spc="-1">
               <a:solidFill>
                 <a:srgbClr val="000000"/>
               </a:solidFill>
@@ -145,11 +250,12 @@
           </a:prstGeom>
         </p:spPr>
         <p:txBody>
-          <a:bodyPr lIns="0" rIns="0" tIns="0" bIns="0">
+          <a:bodyPr lIns="0" tIns="0" rIns="0" bIns="0">
             <a:normAutofit/>
           </a:bodyPr>
-          <a:p>
-            <a:endParaRPr b="0" lang="it-IT" sz="2800" spc="-1" strike="noStrike">
+          <a:lstStyle/>
+          <a:p>
+            <a:endParaRPr lang="it-IT" sz="2800" b="0" strike="noStrike" spc="-1">
               <a:solidFill>
                 <a:srgbClr val="000000"/>
               </a:solidFill>
@@ -160,11 +266,14 @@
       </p:sp>
     </p:spTree>
   </p:cSld>
+  <p:clrMapOvr>
+    <a:masterClrMapping/>
+  </p:clrMapOvr>
 </p:sldLayout>
 </file>
 
 <file path=ppt/slideLayouts/slideLayout11.xml><?xml version="1.0" encoding="utf-8"?>
-<p:sldLayout xmlns:a="http://schemas.openxmlformats.org/drawingml/2006/main" xmlns:p="http://schemas.openxmlformats.org/presentationml/2006/main" xmlns:r="http://schemas.openxmlformats.org/officeDocument/2006/relationships" xmlns:p14="http://schemas.microsoft.com/office/powerpoint/2010/main" xmlns:p15="http://schemas.microsoft.com/office/powerpoint/2012/main" xmlns:mc="http://schemas.openxmlformats.org/markup-compatibility/2006" type="fourObj" preserve="1">
+<p:sldLayout xmlns:a="http://schemas.openxmlformats.org/drawingml/2006/main" xmlns:r="http://schemas.openxmlformats.org/officeDocument/2006/relationships" xmlns:p="http://schemas.openxmlformats.org/presentationml/2006/main" type="fourObj" preserve="1">
   <p:cSld name="Title, 4 Content">
     <p:spTree>
       <p:nvGrpSpPr>
@@ -200,9 +309,10 @@
           </a:prstGeom>
         </p:spPr>
         <p:txBody>
-          <a:bodyPr lIns="0" rIns="0" tIns="0" bIns="0" anchor="ctr"/>
-          <a:p>
-            <a:endParaRPr b="0" lang="it-IT" sz="1800" spc="-1" strike="noStrike">
+          <a:bodyPr lIns="0" tIns="0" rIns="0" bIns="0" anchor="ctr"/>
+          <a:lstStyle/>
+          <a:p>
+            <a:endParaRPr lang="it-IT" sz="1800" b="0" strike="noStrike" spc="-1">
               <a:solidFill>
                 <a:srgbClr val="000000"/>
               </a:solidFill>
@@ -231,11 +341,12 @@
           </a:prstGeom>
         </p:spPr>
         <p:txBody>
-          <a:bodyPr lIns="0" rIns="0" tIns="0" bIns="0">
+          <a:bodyPr lIns="0" tIns="0" rIns="0" bIns="0">
             <a:normAutofit/>
           </a:bodyPr>
-          <a:p>
-            <a:endParaRPr b="0" lang="it-IT" sz="2800" spc="-1" strike="noStrike">
+          <a:lstStyle/>
+          <a:p>
+            <a:endParaRPr lang="it-IT" sz="2800" b="0" strike="noStrike" spc="-1">
               <a:solidFill>
                 <a:srgbClr val="000000"/>
               </a:solidFill>
@@ -264,11 +375,12 @@
           </a:prstGeom>
         </p:spPr>
         <p:txBody>
-          <a:bodyPr lIns="0" rIns="0" tIns="0" bIns="0">
+          <a:bodyPr lIns="0" tIns="0" rIns="0" bIns="0">
             <a:normAutofit/>
           </a:bodyPr>
-          <a:p>
-            <a:endParaRPr b="0" lang="it-IT" sz="2800" spc="-1" strike="noStrike">
+          <a:lstStyle/>
+          <a:p>
+            <a:endParaRPr lang="it-IT" sz="2800" b="0" strike="noStrike" spc="-1">
               <a:solidFill>
                 <a:srgbClr val="000000"/>
               </a:solidFill>
@@ -297,11 +409,12 @@
           </a:prstGeom>
         </p:spPr>
         <p:txBody>
-          <a:bodyPr lIns="0" rIns="0" tIns="0" bIns="0">
+          <a:bodyPr lIns="0" tIns="0" rIns="0" bIns="0">
             <a:normAutofit/>
           </a:bodyPr>
-          <a:p>
-            <a:endParaRPr b="0" lang="it-IT" sz="2800" spc="-1" strike="noStrike">
+          <a:lstStyle/>
+          <a:p>
+            <a:endParaRPr lang="it-IT" sz="2800" b="0" strike="noStrike" spc="-1">
               <a:solidFill>
                 <a:srgbClr val="000000"/>
               </a:solidFill>
@@ -330,11 +443,12 @@
           </a:prstGeom>
         </p:spPr>
         <p:txBody>
-          <a:bodyPr lIns="0" rIns="0" tIns="0" bIns="0">
+          <a:bodyPr lIns="0" tIns="0" rIns="0" bIns="0">
             <a:normAutofit/>
           </a:bodyPr>
-          <a:p>
-            <a:endParaRPr b="0" lang="it-IT" sz="2800" spc="-1" strike="noStrike">
+          <a:lstStyle/>
+          <a:p>
+            <a:endParaRPr lang="it-IT" sz="2800" b="0" strike="noStrike" spc="-1">
               <a:solidFill>
                 <a:srgbClr val="000000"/>
               </a:solidFill>
@@ -345,11 +459,14 @@
       </p:sp>
     </p:spTree>
   </p:cSld>
+  <p:clrMapOvr>
+    <a:masterClrMapping/>
+  </p:clrMapOvr>
 </p:sldLayout>
 </file>
 
 <file path=ppt/slideLayouts/slideLayout12.xml><?xml version="1.0" encoding="utf-8"?>
-<p:sldLayout xmlns:a="http://schemas.openxmlformats.org/drawingml/2006/main" xmlns:p="http://schemas.openxmlformats.org/presentationml/2006/main" xmlns:r="http://schemas.openxmlformats.org/officeDocument/2006/relationships" xmlns:p14="http://schemas.microsoft.com/office/powerpoint/2010/main" xmlns:p15="http://schemas.microsoft.com/office/powerpoint/2012/main" xmlns:mc="http://schemas.openxmlformats.org/markup-compatibility/2006" type="blank" preserve="1">
+<p:sldLayout xmlns:a="http://schemas.openxmlformats.org/drawingml/2006/main" xmlns:r="http://schemas.openxmlformats.org/officeDocument/2006/relationships" xmlns:p="http://schemas.openxmlformats.org/presentationml/2006/main" type="blank" preserve="1">
   <p:cSld name="Title, 6 Content">
     <p:spTree>
       <p:nvGrpSpPr>
@@ -385,9 +502,10 @@
           </a:prstGeom>
         </p:spPr>
         <p:txBody>
-          <a:bodyPr lIns="0" rIns="0" tIns="0" bIns="0" anchor="ctr"/>
-          <a:p>
-            <a:endParaRPr b="0" lang="it-IT" sz="1800" spc="-1" strike="noStrike">
+          <a:bodyPr lIns="0" tIns="0" rIns="0" bIns="0" anchor="ctr"/>
+          <a:lstStyle/>
+          <a:p>
+            <a:endParaRPr lang="it-IT" sz="1800" b="0" strike="noStrike" spc="-1">
               <a:solidFill>
                 <a:srgbClr val="000000"/>
               </a:solidFill>
@@ -416,11 +534,12 @@
           </a:prstGeom>
         </p:spPr>
         <p:txBody>
-          <a:bodyPr lIns="0" rIns="0" tIns="0" bIns="0">
+          <a:bodyPr lIns="0" tIns="0" rIns="0" bIns="0">
             <a:normAutofit/>
           </a:bodyPr>
-          <a:p>
-            <a:endParaRPr b="0" lang="it-IT" sz="2800" spc="-1" strike="noStrike">
+          <a:lstStyle/>
+          <a:p>
+            <a:endParaRPr lang="it-IT" sz="2800" b="0" strike="noStrike" spc="-1">
               <a:solidFill>
                 <a:srgbClr val="000000"/>
               </a:solidFill>
@@ -449,11 +568,12 @@
           </a:prstGeom>
         </p:spPr>
         <p:txBody>
-          <a:bodyPr lIns="0" rIns="0" tIns="0" bIns="0">
+          <a:bodyPr lIns="0" tIns="0" rIns="0" bIns="0">
             <a:normAutofit/>
           </a:bodyPr>
-          <a:p>
-            <a:endParaRPr b="0" lang="it-IT" sz="2800" spc="-1" strike="noStrike">
+          <a:lstStyle/>
+          <a:p>
+            <a:endParaRPr lang="it-IT" sz="2800" b="0" strike="noStrike" spc="-1">
               <a:solidFill>
                 <a:srgbClr val="000000"/>
               </a:solidFill>
@@ -482,11 +602,12 @@
           </a:prstGeom>
         </p:spPr>
         <p:txBody>
-          <a:bodyPr lIns="0" rIns="0" tIns="0" bIns="0">
+          <a:bodyPr lIns="0" tIns="0" rIns="0" bIns="0">
             <a:normAutofit/>
           </a:bodyPr>
-          <a:p>
-            <a:endParaRPr b="0" lang="it-IT" sz="2800" spc="-1" strike="noStrike">
+          <a:lstStyle/>
+          <a:p>
+            <a:endParaRPr lang="it-IT" sz="2800" b="0" strike="noStrike" spc="-1">
               <a:solidFill>
                 <a:srgbClr val="000000"/>
               </a:solidFill>
@@ -515,11 +636,12 @@
           </a:prstGeom>
         </p:spPr>
         <p:txBody>
-          <a:bodyPr lIns="0" rIns="0" tIns="0" bIns="0">
+          <a:bodyPr lIns="0" tIns="0" rIns="0" bIns="0">
             <a:normAutofit/>
           </a:bodyPr>
-          <a:p>
-            <a:endParaRPr b="0" lang="it-IT" sz="2800" spc="-1" strike="noStrike">
+          <a:lstStyle/>
+          <a:p>
+            <a:endParaRPr lang="it-IT" sz="2800" b="0" strike="noStrike" spc="-1">
               <a:solidFill>
                 <a:srgbClr val="000000"/>
               </a:solidFill>
@@ -548,11 +670,12 @@
           </a:prstGeom>
         </p:spPr>
         <p:txBody>
-          <a:bodyPr lIns="0" rIns="0" tIns="0" bIns="0">
+          <a:bodyPr lIns="0" tIns="0" rIns="0" bIns="0">
             <a:normAutofit/>
           </a:bodyPr>
-          <a:p>
-            <a:endParaRPr b="0" lang="it-IT" sz="2800" spc="-1" strike="noStrike">
+          <a:lstStyle/>
+          <a:p>
+            <a:endParaRPr lang="it-IT" sz="2800" b="0" strike="noStrike" spc="-1">
               <a:solidFill>
                 <a:srgbClr val="000000"/>
               </a:solidFill>
@@ -581,11 +704,12 @@
           </a:prstGeom>
         </p:spPr>
         <p:txBody>
-          <a:bodyPr lIns="0" rIns="0" tIns="0" bIns="0">
+          <a:bodyPr lIns="0" tIns="0" rIns="0" bIns="0">
             <a:normAutofit/>
           </a:bodyPr>
-          <a:p>
-            <a:endParaRPr b="0" lang="it-IT" sz="2800" spc="-1" strike="noStrike">
+          <a:lstStyle/>
+          <a:p>
+            <a:endParaRPr lang="it-IT" sz="2800" b="0" strike="noStrike" spc="-1">
               <a:solidFill>
                 <a:srgbClr val="000000"/>
               </a:solidFill>
@@ -596,11 +720,14 @@
       </p:sp>
     </p:spTree>
   </p:cSld>
+  <p:clrMapOvr>
+    <a:masterClrMapping/>
+  </p:clrMapOvr>
 </p:sldLayout>
 </file>
 
 <file path=ppt/slideLayouts/slideLayout13.xml><?xml version="1.0" encoding="utf-8"?>
-<p:sldLayout xmlns:a="http://schemas.openxmlformats.org/drawingml/2006/main" xmlns:p="http://schemas.openxmlformats.org/presentationml/2006/main" xmlns:r="http://schemas.openxmlformats.org/officeDocument/2006/relationships" xmlns:p14="http://schemas.microsoft.com/office/powerpoint/2010/main" xmlns:p15="http://schemas.microsoft.com/office/powerpoint/2012/main" xmlns:mc="http://schemas.openxmlformats.org/markup-compatibility/2006" type="blank" preserve="1">
+<p:sldLayout xmlns:a="http://schemas.openxmlformats.org/drawingml/2006/main" xmlns:r="http://schemas.openxmlformats.org/officeDocument/2006/relationships" xmlns:p="http://schemas.openxmlformats.org/presentationml/2006/main" type="blank" preserve="1">
   <p:cSld name="Blank Slide">
     <p:spTree>
       <p:nvGrpSpPr>
@@ -618,11 +745,14 @@
       </p:grpSpPr>
     </p:spTree>
   </p:cSld>
+  <p:clrMapOvr>
+    <a:masterClrMapping/>
+  </p:clrMapOvr>
 </p:sldLayout>
 </file>
 
 <file path=ppt/slideLayouts/slideLayout14.xml><?xml version="1.0" encoding="utf-8"?>
-<p:sldLayout xmlns:a="http://schemas.openxmlformats.org/drawingml/2006/main" xmlns:p="http://schemas.openxmlformats.org/presentationml/2006/main" xmlns:r="http://schemas.openxmlformats.org/officeDocument/2006/relationships" xmlns:p14="http://schemas.microsoft.com/office/powerpoint/2010/main" xmlns:p15="http://schemas.microsoft.com/office/powerpoint/2012/main" xmlns:mc="http://schemas.openxmlformats.org/markup-compatibility/2006" type="tx" preserve="1">
+<p:sldLayout xmlns:a="http://schemas.openxmlformats.org/drawingml/2006/main" xmlns:r="http://schemas.openxmlformats.org/officeDocument/2006/relationships" xmlns:p="http://schemas.openxmlformats.org/presentationml/2006/main" type="tx" preserve="1">
   <p:cSld name="Title Slide">
     <p:spTree>
       <p:nvGrpSpPr>
@@ -658,9 +788,10 @@
           </a:prstGeom>
         </p:spPr>
         <p:txBody>
-          <a:bodyPr lIns="0" rIns="0" tIns="0" bIns="0" anchor="ctr"/>
-          <a:p>
-            <a:endParaRPr b="0" lang="it-IT" sz="1800" spc="-1" strike="noStrike">
+          <a:bodyPr lIns="0" tIns="0" rIns="0" bIns="0" anchor="ctr"/>
+          <a:lstStyle/>
+          <a:p>
+            <a:endParaRPr lang="it-IT" sz="1800" b="0" strike="noStrike" spc="-1">
               <a:solidFill>
                 <a:srgbClr val="000000"/>
               </a:solidFill>
@@ -689,10 +820,11 @@
           </a:prstGeom>
         </p:spPr>
         <p:txBody>
-          <a:bodyPr lIns="0" rIns="0" tIns="0" bIns="0" anchor="ctr"/>
+          <a:bodyPr lIns="0" tIns="0" rIns="0" bIns="0" anchor="ctr"/>
+          <a:lstStyle/>
           <a:p>
             <a:pPr algn="ctr"/>
-            <a:endParaRPr b="0" lang="it-IT" sz="3200" spc="-1" strike="noStrike">
+            <a:endParaRPr lang="it-IT" sz="3200" b="0" strike="noStrike" spc="-1">
               <a:latin typeface="Arial"/>
             </a:endParaRPr>
           </a:p>
@@ -700,11 +832,14 @@
       </p:sp>
     </p:spTree>
   </p:cSld>
+  <p:clrMapOvr>
+    <a:masterClrMapping/>
+  </p:clrMapOvr>
 </p:sldLayout>
 </file>
 
 <file path=ppt/slideLayouts/slideLayout15.xml><?xml version="1.0" encoding="utf-8"?>
-<p:sldLayout xmlns:a="http://schemas.openxmlformats.org/drawingml/2006/main" xmlns:p="http://schemas.openxmlformats.org/presentationml/2006/main" xmlns:r="http://schemas.openxmlformats.org/officeDocument/2006/relationships" xmlns:p14="http://schemas.microsoft.com/office/powerpoint/2010/main" xmlns:p15="http://schemas.microsoft.com/office/powerpoint/2012/main" xmlns:mc="http://schemas.openxmlformats.org/markup-compatibility/2006" type="obj" preserve="1">
+<p:sldLayout xmlns:a="http://schemas.openxmlformats.org/drawingml/2006/main" xmlns:r="http://schemas.openxmlformats.org/officeDocument/2006/relationships" xmlns:p="http://schemas.openxmlformats.org/presentationml/2006/main" type="obj" preserve="1">
   <p:cSld name="Title, Content">
     <p:spTree>
       <p:nvGrpSpPr>
@@ -740,9 +875,10 @@
           </a:prstGeom>
         </p:spPr>
         <p:txBody>
-          <a:bodyPr lIns="0" rIns="0" tIns="0" bIns="0" anchor="ctr"/>
-          <a:p>
-            <a:endParaRPr b="0" lang="it-IT" sz="1800" spc="-1" strike="noStrike">
+          <a:bodyPr lIns="0" tIns="0" rIns="0" bIns="0" anchor="ctr"/>
+          <a:lstStyle/>
+          <a:p>
+            <a:endParaRPr lang="it-IT" sz="1800" b="0" strike="noStrike" spc="-1">
               <a:solidFill>
                 <a:srgbClr val="000000"/>
               </a:solidFill>
@@ -771,11 +907,12 @@
           </a:prstGeom>
         </p:spPr>
         <p:txBody>
-          <a:bodyPr lIns="0" rIns="0" tIns="0" bIns="0">
+          <a:bodyPr lIns="0" tIns="0" rIns="0" bIns="0">
             <a:normAutofit/>
           </a:bodyPr>
-          <a:p>
-            <a:endParaRPr b="0" lang="it-IT" sz="2800" spc="-1" strike="noStrike">
+          <a:lstStyle/>
+          <a:p>
+            <a:endParaRPr lang="it-IT" sz="2800" b="0" strike="noStrike" spc="-1">
               <a:solidFill>
                 <a:srgbClr val="000000"/>
               </a:solidFill>
@@ -786,11 +923,14 @@
       </p:sp>
     </p:spTree>
   </p:cSld>
+  <p:clrMapOvr>
+    <a:masterClrMapping/>
+  </p:clrMapOvr>
 </p:sldLayout>
 </file>
 
 <file path=ppt/slideLayouts/slideLayout16.xml><?xml version="1.0" encoding="utf-8"?>
-<p:sldLayout xmlns:a="http://schemas.openxmlformats.org/drawingml/2006/main" xmlns:p="http://schemas.openxmlformats.org/presentationml/2006/main" xmlns:r="http://schemas.openxmlformats.org/officeDocument/2006/relationships" xmlns:p14="http://schemas.microsoft.com/office/powerpoint/2010/main" xmlns:p15="http://schemas.microsoft.com/office/powerpoint/2012/main" xmlns:mc="http://schemas.openxmlformats.org/markup-compatibility/2006" type="twoObj" preserve="1">
+<p:sldLayout xmlns:a="http://schemas.openxmlformats.org/drawingml/2006/main" xmlns:r="http://schemas.openxmlformats.org/officeDocument/2006/relationships" xmlns:p="http://schemas.openxmlformats.org/presentationml/2006/main" type="twoObj" preserve="1">
   <p:cSld name="Title, 2 Content">
     <p:spTree>
       <p:nvGrpSpPr>
@@ -826,9 +966,10 @@
           </a:prstGeom>
         </p:spPr>
         <p:txBody>
-          <a:bodyPr lIns="0" rIns="0" tIns="0" bIns="0" anchor="ctr"/>
-          <a:p>
-            <a:endParaRPr b="0" lang="it-IT" sz="1800" spc="-1" strike="noStrike">
+          <a:bodyPr lIns="0" tIns="0" rIns="0" bIns="0" anchor="ctr"/>
+          <a:lstStyle/>
+          <a:p>
+            <a:endParaRPr lang="it-IT" sz="1800" b="0" strike="noStrike" spc="-1">
               <a:solidFill>
                 <a:srgbClr val="000000"/>
               </a:solidFill>
@@ -857,11 +998,12 @@
           </a:prstGeom>
         </p:spPr>
         <p:txBody>
-          <a:bodyPr lIns="0" rIns="0" tIns="0" bIns="0">
+          <a:bodyPr lIns="0" tIns="0" rIns="0" bIns="0">
             <a:normAutofit/>
           </a:bodyPr>
-          <a:p>
-            <a:endParaRPr b="0" lang="it-IT" sz="2800" spc="-1" strike="noStrike">
+          <a:lstStyle/>
+          <a:p>
+            <a:endParaRPr lang="it-IT" sz="2800" b="0" strike="noStrike" spc="-1">
               <a:solidFill>
                 <a:srgbClr val="000000"/>
               </a:solidFill>
@@ -890,11 +1032,12 @@
           </a:prstGeom>
         </p:spPr>
         <p:txBody>
-          <a:bodyPr lIns="0" rIns="0" tIns="0" bIns="0">
+          <a:bodyPr lIns="0" tIns="0" rIns="0" bIns="0">
             <a:normAutofit/>
           </a:bodyPr>
-          <a:p>
-            <a:endParaRPr b="0" lang="it-IT" sz="2800" spc="-1" strike="noStrike">
+          <a:lstStyle/>
+          <a:p>
+            <a:endParaRPr lang="it-IT" sz="2800" b="0" strike="noStrike" spc="-1">
               <a:solidFill>
                 <a:srgbClr val="000000"/>
               </a:solidFill>
@@ -905,11 +1048,14 @@
       </p:sp>
     </p:spTree>
   </p:cSld>
+  <p:clrMapOvr>
+    <a:masterClrMapping/>
+  </p:clrMapOvr>
 </p:sldLayout>
 </file>
 
 <file path=ppt/slideLayouts/slideLayout17.xml><?xml version="1.0" encoding="utf-8"?>
-<p:sldLayout xmlns:a="http://schemas.openxmlformats.org/drawingml/2006/main" xmlns:p="http://schemas.openxmlformats.org/presentationml/2006/main" xmlns:r="http://schemas.openxmlformats.org/officeDocument/2006/relationships" xmlns:p14="http://schemas.microsoft.com/office/powerpoint/2010/main" xmlns:p15="http://schemas.microsoft.com/office/powerpoint/2012/main" xmlns:mc="http://schemas.openxmlformats.org/markup-compatibility/2006" type="titleOnly" preserve="1">
+<p:sldLayout xmlns:a="http://schemas.openxmlformats.org/drawingml/2006/main" xmlns:r="http://schemas.openxmlformats.org/officeDocument/2006/relationships" xmlns:p="http://schemas.openxmlformats.org/presentationml/2006/main" type="titleOnly" preserve="1">
   <p:cSld name="Title Only">
     <p:spTree>
       <p:nvGrpSpPr>
@@ -945,9 +1091,10 @@
           </a:prstGeom>
         </p:spPr>
         <p:txBody>
-          <a:bodyPr lIns="0" rIns="0" tIns="0" bIns="0" anchor="ctr"/>
-          <a:p>
-            <a:endParaRPr b="0" lang="it-IT" sz="1800" spc="-1" strike="noStrike">
+          <a:bodyPr lIns="0" tIns="0" rIns="0" bIns="0" anchor="ctr"/>
+          <a:lstStyle/>
+          <a:p>
+            <a:endParaRPr lang="it-IT" sz="1800" b="0" strike="noStrike" spc="-1">
               <a:solidFill>
                 <a:srgbClr val="000000"/>
               </a:solidFill>
@@ -958,11 +1105,14 @@
       </p:sp>
     </p:spTree>
   </p:cSld>
+  <p:clrMapOvr>
+    <a:masterClrMapping/>
+  </p:clrMapOvr>
 </p:sldLayout>
 </file>
 
 <file path=ppt/slideLayouts/slideLayout18.xml><?xml version="1.0" encoding="utf-8"?>
-<p:sldLayout xmlns:a="http://schemas.openxmlformats.org/drawingml/2006/main" xmlns:p="http://schemas.openxmlformats.org/presentationml/2006/main" xmlns:r="http://schemas.openxmlformats.org/officeDocument/2006/relationships" xmlns:p14="http://schemas.microsoft.com/office/powerpoint/2010/main" xmlns:p15="http://schemas.microsoft.com/office/powerpoint/2012/main" xmlns:mc="http://schemas.openxmlformats.org/markup-compatibility/2006" type="objOnly" preserve="1">
+<p:sldLayout xmlns:a="http://schemas.openxmlformats.org/drawingml/2006/main" xmlns:r="http://schemas.openxmlformats.org/officeDocument/2006/relationships" xmlns:p="http://schemas.openxmlformats.org/presentationml/2006/main" type="objOnly" preserve="1">
   <p:cSld name="Centered Text">
     <p:spTree>
       <p:nvGrpSpPr>
@@ -998,10 +1148,11 @@
           </a:prstGeom>
         </p:spPr>
         <p:txBody>
-          <a:bodyPr lIns="0" rIns="0" tIns="0" bIns="0" anchor="ctr"/>
+          <a:bodyPr lIns="0" tIns="0" rIns="0" bIns="0" anchor="ctr"/>
+          <a:lstStyle/>
           <a:p>
             <a:pPr algn="ctr"/>
-            <a:endParaRPr b="0" lang="it-IT" sz="3200" spc="-1" strike="noStrike">
+            <a:endParaRPr lang="it-IT" sz="3200" b="0" strike="noStrike" spc="-1">
               <a:latin typeface="Arial"/>
             </a:endParaRPr>
           </a:p>
@@ -1009,11 +1160,14 @@
       </p:sp>
     </p:spTree>
   </p:cSld>
+  <p:clrMapOvr>
+    <a:masterClrMapping/>
+  </p:clrMapOvr>
 </p:sldLayout>
 </file>
 
 <file path=ppt/slideLayouts/slideLayout19.xml><?xml version="1.0" encoding="utf-8"?>
-<p:sldLayout xmlns:a="http://schemas.openxmlformats.org/drawingml/2006/main" xmlns:p="http://schemas.openxmlformats.org/presentationml/2006/main" xmlns:r="http://schemas.openxmlformats.org/officeDocument/2006/relationships" xmlns:p14="http://schemas.microsoft.com/office/powerpoint/2010/main" xmlns:p15="http://schemas.microsoft.com/office/powerpoint/2012/main" xmlns:mc="http://schemas.openxmlformats.org/markup-compatibility/2006" type="twoObjAndObj" preserve="1">
+<p:sldLayout xmlns:a="http://schemas.openxmlformats.org/drawingml/2006/main" xmlns:r="http://schemas.openxmlformats.org/officeDocument/2006/relationships" xmlns:p="http://schemas.openxmlformats.org/presentationml/2006/main" type="twoObjAndObj" preserve="1">
   <p:cSld name="Title, 2 Content and Content">
     <p:spTree>
       <p:nvGrpSpPr>
@@ -1049,9 +1203,10 @@
           </a:prstGeom>
         </p:spPr>
         <p:txBody>
-          <a:bodyPr lIns="0" rIns="0" tIns="0" bIns="0" anchor="ctr"/>
-          <a:p>
-            <a:endParaRPr b="0" lang="it-IT" sz="1800" spc="-1" strike="noStrike">
+          <a:bodyPr lIns="0" tIns="0" rIns="0" bIns="0" anchor="ctr"/>
+          <a:lstStyle/>
+          <a:p>
+            <a:endParaRPr lang="it-IT" sz="1800" b="0" strike="noStrike" spc="-1">
               <a:solidFill>
                 <a:srgbClr val="000000"/>
               </a:solidFill>
@@ -1080,11 +1235,12 @@
           </a:prstGeom>
         </p:spPr>
         <p:txBody>
-          <a:bodyPr lIns="0" rIns="0" tIns="0" bIns="0">
+          <a:bodyPr lIns="0" tIns="0" rIns="0" bIns="0">
             <a:normAutofit/>
           </a:bodyPr>
-          <a:p>
-            <a:endParaRPr b="0" lang="it-IT" sz="2800" spc="-1" strike="noStrike">
+          <a:lstStyle/>
+          <a:p>
+            <a:endParaRPr lang="it-IT" sz="2800" b="0" strike="noStrike" spc="-1">
               <a:solidFill>
                 <a:srgbClr val="000000"/>
               </a:solidFill>
@@ -1113,11 +1269,12 @@
           </a:prstGeom>
         </p:spPr>
         <p:txBody>
-          <a:bodyPr lIns="0" rIns="0" tIns="0" bIns="0">
+          <a:bodyPr lIns="0" tIns="0" rIns="0" bIns="0">
             <a:normAutofit/>
           </a:bodyPr>
-          <a:p>
-            <a:endParaRPr b="0" lang="it-IT" sz="2800" spc="-1" strike="noStrike">
+          <a:lstStyle/>
+          <a:p>
+            <a:endParaRPr lang="it-IT" sz="2800" b="0" strike="noStrike" spc="-1">
               <a:solidFill>
                 <a:srgbClr val="000000"/>
               </a:solidFill>
@@ -1146,11 +1303,12 @@
           </a:prstGeom>
         </p:spPr>
         <p:txBody>
-          <a:bodyPr lIns="0" rIns="0" tIns="0" bIns="0">
+          <a:bodyPr lIns="0" tIns="0" rIns="0" bIns="0">
             <a:normAutofit/>
           </a:bodyPr>
-          <a:p>
-            <a:endParaRPr b="0" lang="it-IT" sz="2800" spc="-1" strike="noStrike">
+          <a:lstStyle/>
+          <a:p>
+            <a:endParaRPr lang="it-IT" sz="2800" b="0" strike="noStrike" spc="-1">
               <a:solidFill>
                 <a:srgbClr val="000000"/>
               </a:solidFill>
@@ -1161,11 +1319,14 @@
       </p:sp>
     </p:spTree>
   </p:cSld>
+  <p:clrMapOvr>
+    <a:masterClrMapping/>
+  </p:clrMapOvr>
 </p:sldLayout>
 </file>
 
 <file path=ppt/slideLayouts/slideLayout2.xml><?xml version="1.0" encoding="utf-8"?>
-<p:sldLayout xmlns:a="http://schemas.openxmlformats.org/drawingml/2006/main" xmlns:p="http://schemas.openxmlformats.org/presentationml/2006/main" xmlns:r="http://schemas.openxmlformats.org/officeDocument/2006/relationships" xmlns:p14="http://schemas.microsoft.com/office/powerpoint/2010/main" xmlns:p15="http://schemas.microsoft.com/office/powerpoint/2012/main" xmlns:mc="http://schemas.openxmlformats.org/markup-compatibility/2006" type="tx" preserve="1">
+<p:sldLayout xmlns:a="http://schemas.openxmlformats.org/drawingml/2006/main" xmlns:r="http://schemas.openxmlformats.org/officeDocument/2006/relationships" xmlns:p="http://schemas.openxmlformats.org/presentationml/2006/main" type="tx" preserve="1">
   <p:cSld name="Title Slide">
     <p:spTree>
       <p:nvGrpSpPr>
@@ -1201,9 +1362,10 @@
           </a:prstGeom>
         </p:spPr>
         <p:txBody>
-          <a:bodyPr lIns="0" rIns="0" tIns="0" bIns="0" anchor="ctr"/>
-          <a:p>
-            <a:endParaRPr b="0" lang="it-IT" sz="1800" spc="-1" strike="noStrike">
+          <a:bodyPr lIns="0" tIns="0" rIns="0" bIns="0" anchor="ctr"/>
+          <a:lstStyle/>
+          <a:p>
+            <a:endParaRPr lang="it-IT" sz="1800" b="0" strike="noStrike" spc="-1">
               <a:solidFill>
                 <a:srgbClr val="000000"/>
               </a:solidFill>
@@ -1232,10 +1394,11 @@
           </a:prstGeom>
         </p:spPr>
         <p:txBody>
-          <a:bodyPr lIns="0" rIns="0" tIns="0" bIns="0" anchor="ctr"/>
+          <a:bodyPr lIns="0" tIns="0" rIns="0" bIns="0" anchor="ctr"/>
+          <a:lstStyle/>
           <a:p>
             <a:pPr algn="ctr"/>
-            <a:endParaRPr b="0" lang="it-IT" sz="3200" spc="-1" strike="noStrike">
+            <a:endParaRPr lang="it-IT" sz="3200" b="0" strike="noStrike" spc="-1">
               <a:latin typeface="Arial"/>
             </a:endParaRPr>
           </a:p>
@@ -1243,11 +1406,14 @@
       </p:sp>
     </p:spTree>
   </p:cSld>
+  <p:clrMapOvr>
+    <a:masterClrMapping/>
+  </p:clrMapOvr>
 </p:sldLayout>
 </file>
 
 <file path=ppt/slideLayouts/slideLayout20.xml><?xml version="1.0" encoding="utf-8"?>
-<p:sldLayout xmlns:a="http://schemas.openxmlformats.org/drawingml/2006/main" xmlns:p="http://schemas.openxmlformats.org/presentationml/2006/main" xmlns:r="http://schemas.openxmlformats.org/officeDocument/2006/relationships" xmlns:p14="http://schemas.microsoft.com/office/powerpoint/2010/main" xmlns:p15="http://schemas.microsoft.com/office/powerpoint/2012/main" xmlns:mc="http://schemas.openxmlformats.org/markup-compatibility/2006" type="objAndTwoObj" preserve="1">
+<p:sldLayout xmlns:a="http://schemas.openxmlformats.org/drawingml/2006/main" xmlns:r="http://schemas.openxmlformats.org/officeDocument/2006/relationships" xmlns:p="http://schemas.openxmlformats.org/presentationml/2006/main" type="objAndTwoObj" preserve="1">
   <p:cSld name="Title Content and 2 Content">
     <p:spTree>
       <p:nvGrpSpPr>
@@ -1283,9 +1449,10 @@
           </a:prstGeom>
         </p:spPr>
         <p:txBody>
-          <a:bodyPr lIns="0" rIns="0" tIns="0" bIns="0" anchor="ctr"/>
-          <a:p>
-            <a:endParaRPr b="0" lang="it-IT" sz="1800" spc="-1" strike="noStrike">
+          <a:bodyPr lIns="0" tIns="0" rIns="0" bIns="0" anchor="ctr"/>
+          <a:lstStyle/>
+          <a:p>
+            <a:endParaRPr lang="it-IT" sz="1800" b="0" strike="noStrike" spc="-1">
               <a:solidFill>
                 <a:srgbClr val="000000"/>
               </a:solidFill>
@@ -1314,11 +1481,12 @@
           </a:prstGeom>
         </p:spPr>
         <p:txBody>
-          <a:bodyPr lIns="0" rIns="0" tIns="0" bIns="0">
+          <a:bodyPr lIns="0" tIns="0" rIns="0" bIns="0">
             <a:normAutofit/>
           </a:bodyPr>
-          <a:p>
-            <a:endParaRPr b="0" lang="it-IT" sz="2800" spc="-1" strike="noStrike">
+          <a:lstStyle/>
+          <a:p>
+            <a:endParaRPr lang="it-IT" sz="2800" b="0" strike="noStrike" spc="-1">
               <a:solidFill>
                 <a:srgbClr val="000000"/>
               </a:solidFill>
@@ -1347,11 +1515,12 @@
           </a:prstGeom>
         </p:spPr>
         <p:txBody>
-          <a:bodyPr lIns="0" rIns="0" tIns="0" bIns="0">
+          <a:bodyPr lIns="0" tIns="0" rIns="0" bIns="0">
             <a:normAutofit/>
           </a:bodyPr>
-          <a:p>
-            <a:endParaRPr b="0" lang="it-IT" sz="2800" spc="-1" strike="noStrike">
+          <a:lstStyle/>
+          <a:p>
+            <a:endParaRPr lang="it-IT" sz="2800" b="0" strike="noStrike" spc="-1">
               <a:solidFill>
                 <a:srgbClr val="000000"/>
               </a:solidFill>
@@ -1380,11 +1549,12 @@
           </a:prstGeom>
         </p:spPr>
         <p:txBody>
-          <a:bodyPr lIns="0" rIns="0" tIns="0" bIns="0">
+          <a:bodyPr lIns="0" tIns="0" rIns="0" bIns="0">
             <a:normAutofit/>
           </a:bodyPr>
-          <a:p>
-            <a:endParaRPr b="0" lang="it-IT" sz="2800" spc="-1" strike="noStrike">
+          <a:lstStyle/>
+          <a:p>
+            <a:endParaRPr lang="it-IT" sz="2800" b="0" strike="noStrike" spc="-1">
               <a:solidFill>
                 <a:srgbClr val="000000"/>
               </a:solidFill>
@@ -1395,11 +1565,14 @@
       </p:sp>
     </p:spTree>
   </p:cSld>
+  <p:clrMapOvr>
+    <a:masterClrMapping/>
+  </p:clrMapOvr>
 </p:sldLayout>
 </file>
 
 <file path=ppt/slideLayouts/slideLayout21.xml><?xml version="1.0" encoding="utf-8"?>
-<p:sldLayout xmlns:a="http://schemas.openxmlformats.org/drawingml/2006/main" xmlns:p="http://schemas.openxmlformats.org/presentationml/2006/main" xmlns:r="http://schemas.openxmlformats.org/officeDocument/2006/relationships" xmlns:p14="http://schemas.microsoft.com/office/powerpoint/2010/main" xmlns:p15="http://schemas.microsoft.com/office/powerpoint/2012/main" xmlns:mc="http://schemas.openxmlformats.org/markup-compatibility/2006" type="twoObjOverTx" preserve="1">
+<p:sldLayout xmlns:a="http://schemas.openxmlformats.org/drawingml/2006/main" xmlns:r="http://schemas.openxmlformats.org/officeDocument/2006/relationships" xmlns:p="http://schemas.openxmlformats.org/presentationml/2006/main" type="twoObjOverTx" preserve="1">
   <p:cSld name="Title, 2 Content over Content">
     <p:spTree>
       <p:nvGrpSpPr>
@@ -1435,9 +1608,10 @@
           </a:prstGeom>
         </p:spPr>
         <p:txBody>
-          <a:bodyPr lIns="0" rIns="0" tIns="0" bIns="0" anchor="ctr"/>
-          <a:p>
-            <a:endParaRPr b="0" lang="it-IT" sz="1800" spc="-1" strike="noStrike">
+          <a:bodyPr lIns="0" tIns="0" rIns="0" bIns="0" anchor="ctr"/>
+          <a:lstStyle/>
+          <a:p>
+            <a:endParaRPr lang="it-IT" sz="1800" b="0" strike="noStrike" spc="-1">
               <a:solidFill>
                 <a:srgbClr val="000000"/>
               </a:solidFill>
@@ -1466,11 +1640,12 @@
           </a:prstGeom>
         </p:spPr>
         <p:txBody>
-          <a:bodyPr lIns="0" rIns="0" tIns="0" bIns="0">
+          <a:bodyPr lIns="0" tIns="0" rIns="0" bIns="0">
             <a:normAutofit/>
           </a:bodyPr>
-          <a:p>
-            <a:endParaRPr b="0" lang="it-IT" sz="2800" spc="-1" strike="noStrike">
+          <a:lstStyle/>
+          <a:p>
+            <a:endParaRPr lang="it-IT" sz="2800" b="0" strike="noStrike" spc="-1">
               <a:solidFill>
                 <a:srgbClr val="000000"/>
               </a:solidFill>
@@ -1499,11 +1674,12 @@
           </a:prstGeom>
         </p:spPr>
         <p:txBody>
-          <a:bodyPr lIns="0" rIns="0" tIns="0" bIns="0">
+          <a:bodyPr lIns="0" tIns="0" rIns="0" bIns="0">
             <a:normAutofit/>
           </a:bodyPr>
-          <a:p>
-            <a:endParaRPr b="0" lang="it-IT" sz="2800" spc="-1" strike="noStrike">
+          <a:lstStyle/>
+          <a:p>
+            <a:endParaRPr lang="it-IT" sz="2800" b="0" strike="noStrike" spc="-1">
               <a:solidFill>
                 <a:srgbClr val="000000"/>
               </a:solidFill>
@@ -1532,11 +1708,12 @@
           </a:prstGeom>
         </p:spPr>
         <p:txBody>
-          <a:bodyPr lIns="0" rIns="0" tIns="0" bIns="0">
+          <a:bodyPr lIns="0" tIns="0" rIns="0" bIns="0">
             <a:normAutofit/>
           </a:bodyPr>
-          <a:p>
-            <a:endParaRPr b="0" lang="it-IT" sz="2800" spc="-1" strike="noStrike">
+          <a:lstStyle/>
+          <a:p>
+            <a:endParaRPr lang="it-IT" sz="2800" b="0" strike="noStrike" spc="-1">
               <a:solidFill>
                 <a:srgbClr val="000000"/>
               </a:solidFill>
@@ -1547,11 +1724,14 @@
       </p:sp>
     </p:spTree>
   </p:cSld>
+  <p:clrMapOvr>
+    <a:masterClrMapping/>
+  </p:clrMapOvr>
 </p:sldLayout>
 </file>
 
 <file path=ppt/slideLayouts/slideLayout22.xml><?xml version="1.0" encoding="utf-8"?>
-<p:sldLayout xmlns:a="http://schemas.openxmlformats.org/drawingml/2006/main" xmlns:p="http://schemas.openxmlformats.org/presentationml/2006/main" xmlns:r="http://schemas.openxmlformats.org/officeDocument/2006/relationships" xmlns:p14="http://schemas.microsoft.com/office/powerpoint/2010/main" xmlns:p15="http://schemas.microsoft.com/office/powerpoint/2012/main" xmlns:mc="http://schemas.openxmlformats.org/markup-compatibility/2006" type="objOverTx" preserve="1">
+<p:sldLayout xmlns:a="http://schemas.openxmlformats.org/drawingml/2006/main" xmlns:r="http://schemas.openxmlformats.org/officeDocument/2006/relationships" xmlns:p="http://schemas.openxmlformats.org/presentationml/2006/main" type="objOverTx" preserve="1">
   <p:cSld name="Title, Content over Content">
     <p:spTree>
       <p:nvGrpSpPr>
@@ -1587,9 +1767,10 @@
           </a:prstGeom>
         </p:spPr>
         <p:txBody>
-          <a:bodyPr lIns="0" rIns="0" tIns="0" bIns="0" anchor="ctr"/>
-          <a:p>
-            <a:endParaRPr b="0" lang="it-IT" sz="1800" spc="-1" strike="noStrike">
+          <a:bodyPr lIns="0" tIns="0" rIns="0" bIns="0" anchor="ctr"/>
+          <a:lstStyle/>
+          <a:p>
+            <a:endParaRPr lang="it-IT" sz="1800" b="0" strike="noStrike" spc="-1">
               <a:solidFill>
                 <a:srgbClr val="000000"/>
               </a:solidFill>
@@ -1618,11 +1799,12 @@
           </a:prstGeom>
         </p:spPr>
         <p:txBody>
-          <a:bodyPr lIns="0" rIns="0" tIns="0" bIns="0">
+          <a:bodyPr lIns="0" tIns="0" rIns="0" bIns="0">
             <a:normAutofit/>
           </a:bodyPr>
-          <a:p>
-            <a:endParaRPr b="0" lang="it-IT" sz="2800" spc="-1" strike="noStrike">
+          <a:lstStyle/>
+          <a:p>
+            <a:endParaRPr lang="it-IT" sz="2800" b="0" strike="noStrike" spc="-1">
               <a:solidFill>
                 <a:srgbClr val="000000"/>
               </a:solidFill>
@@ -1651,11 +1833,12 @@
           </a:prstGeom>
         </p:spPr>
         <p:txBody>
-          <a:bodyPr lIns="0" rIns="0" tIns="0" bIns="0">
+          <a:bodyPr lIns="0" tIns="0" rIns="0" bIns="0">
             <a:normAutofit/>
           </a:bodyPr>
-          <a:p>
-            <a:endParaRPr b="0" lang="it-IT" sz="2800" spc="-1" strike="noStrike">
+          <a:lstStyle/>
+          <a:p>
+            <a:endParaRPr lang="it-IT" sz="2800" b="0" strike="noStrike" spc="-1">
               <a:solidFill>
                 <a:srgbClr val="000000"/>
               </a:solidFill>
@@ -1666,11 +1849,14 @@
       </p:sp>
     </p:spTree>
   </p:cSld>
+  <p:clrMapOvr>
+    <a:masterClrMapping/>
+  </p:clrMapOvr>
 </p:sldLayout>
 </file>
 
 <file path=ppt/slideLayouts/slideLayout23.xml><?xml version="1.0" encoding="utf-8"?>
-<p:sldLayout xmlns:a="http://schemas.openxmlformats.org/drawingml/2006/main" xmlns:p="http://schemas.openxmlformats.org/presentationml/2006/main" xmlns:r="http://schemas.openxmlformats.org/officeDocument/2006/relationships" xmlns:p14="http://schemas.microsoft.com/office/powerpoint/2010/main" xmlns:p15="http://schemas.microsoft.com/office/powerpoint/2012/main" xmlns:mc="http://schemas.openxmlformats.org/markup-compatibility/2006" type="fourObj" preserve="1">
+<p:sldLayout xmlns:a="http://schemas.openxmlformats.org/drawingml/2006/main" xmlns:r="http://schemas.openxmlformats.org/officeDocument/2006/relationships" xmlns:p="http://schemas.openxmlformats.org/presentationml/2006/main" type="fourObj" preserve="1">
   <p:cSld name="Title, 4 Content">
     <p:spTree>
       <p:nvGrpSpPr>
@@ -1706,9 +1892,10 @@
           </a:prstGeom>
         </p:spPr>
         <p:txBody>
-          <a:bodyPr lIns="0" rIns="0" tIns="0" bIns="0" anchor="ctr"/>
-          <a:p>
-            <a:endParaRPr b="0" lang="it-IT" sz="1800" spc="-1" strike="noStrike">
+          <a:bodyPr lIns="0" tIns="0" rIns="0" bIns="0" anchor="ctr"/>
+          <a:lstStyle/>
+          <a:p>
+            <a:endParaRPr lang="it-IT" sz="1800" b="0" strike="noStrike" spc="-1">
               <a:solidFill>
                 <a:srgbClr val="000000"/>
               </a:solidFill>
@@ -1737,11 +1924,12 @@
           </a:prstGeom>
         </p:spPr>
         <p:txBody>
-          <a:bodyPr lIns="0" rIns="0" tIns="0" bIns="0">
+          <a:bodyPr lIns="0" tIns="0" rIns="0" bIns="0">
             <a:normAutofit/>
           </a:bodyPr>
-          <a:p>
-            <a:endParaRPr b="0" lang="it-IT" sz="2800" spc="-1" strike="noStrike">
+          <a:lstStyle/>
+          <a:p>
+            <a:endParaRPr lang="it-IT" sz="2800" b="0" strike="noStrike" spc="-1">
               <a:solidFill>
                 <a:srgbClr val="000000"/>
               </a:solidFill>
@@ -1770,11 +1958,12 @@
           </a:prstGeom>
         </p:spPr>
         <p:txBody>
-          <a:bodyPr lIns="0" rIns="0" tIns="0" bIns="0">
+          <a:bodyPr lIns="0" tIns="0" rIns="0" bIns="0">
             <a:normAutofit/>
           </a:bodyPr>
-          <a:p>
-            <a:endParaRPr b="0" lang="it-IT" sz="2800" spc="-1" strike="noStrike">
+          <a:lstStyle/>
+          <a:p>
+            <a:endParaRPr lang="it-IT" sz="2800" b="0" strike="noStrike" spc="-1">
               <a:solidFill>
                 <a:srgbClr val="000000"/>
               </a:solidFill>
@@ -1803,11 +1992,12 @@
           </a:prstGeom>
         </p:spPr>
         <p:txBody>
-          <a:bodyPr lIns="0" rIns="0" tIns="0" bIns="0">
+          <a:bodyPr lIns="0" tIns="0" rIns="0" bIns="0">
             <a:normAutofit/>
           </a:bodyPr>
-          <a:p>
-            <a:endParaRPr b="0" lang="it-IT" sz="2800" spc="-1" strike="noStrike">
+          <a:lstStyle/>
+          <a:p>
+            <a:endParaRPr lang="it-IT" sz="2800" b="0" strike="noStrike" spc="-1">
               <a:solidFill>
                 <a:srgbClr val="000000"/>
               </a:solidFill>
@@ -1836,11 +2026,12 @@
           </a:prstGeom>
         </p:spPr>
         <p:txBody>
-          <a:bodyPr lIns="0" rIns="0" tIns="0" bIns="0">
+          <a:bodyPr lIns="0" tIns="0" rIns="0" bIns="0">
             <a:normAutofit/>
           </a:bodyPr>
-          <a:p>
-            <a:endParaRPr b="0" lang="it-IT" sz="2800" spc="-1" strike="noStrike">
+          <a:lstStyle/>
+          <a:p>
+            <a:endParaRPr lang="it-IT" sz="2800" b="0" strike="noStrike" spc="-1">
               <a:solidFill>
                 <a:srgbClr val="000000"/>
               </a:solidFill>
@@ -1851,11 +2042,14 @@
       </p:sp>
     </p:spTree>
   </p:cSld>
+  <p:clrMapOvr>
+    <a:masterClrMapping/>
+  </p:clrMapOvr>
 </p:sldLayout>
 </file>
 
 <file path=ppt/slideLayouts/slideLayout24.xml><?xml version="1.0" encoding="utf-8"?>
-<p:sldLayout xmlns:a="http://schemas.openxmlformats.org/drawingml/2006/main" xmlns:p="http://schemas.openxmlformats.org/presentationml/2006/main" xmlns:r="http://schemas.openxmlformats.org/officeDocument/2006/relationships" xmlns:p14="http://schemas.microsoft.com/office/powerpoint/2010/main" xmlns:p15="http://schemas.microsoft.com/office/powerpoint/2012/main" xmlns:mc="http://schemas.openxmlformats.org/markup-compatibility/2006" type="blank" preserve="1">
+<p:sldLayout xmlns:a="http://schemas.openxmlformats.org/drawingml/2006/main" xmlns:r="http://schemas.openxmlformats.org/officeDocument/2006/relationships" xmlns:p="http://schemas.openxmlformats.org/presentationml/2006/main" type="blank" preserve="1">
   <p:cSld name="Title, 6 Content">
     <p:spTree>
       <p:nvGrpSpPr>
@@ -1891,9 +2085,10 @@
           </a:prstGeom>
         </p:spPr>
         <p:txBody>
-          <a:bodyPr lIns="0" rIns="0" tIns="0" bIns="0" anchor="ctr"/>
-          <a:p>
-            <a:endParaRPr b="0" lang="it-IT" sz="1800" spc="-1" strike="noStrike">
+          <a:bodyPr lIns="0" tIns="0" rIns="0" bIns="0" anchor="ctr"/>
+          <a:lstStyle/>
+          <a:p>
+            <a:endParaRPr lang="it-IT" sz="1800" b="0" strike="noStrike" spc="-1">
               <a:solidFill>
                 <a:srgbClr val="000000"/>
               </a:solidFill>
@@ -1922,11 +2117,12 @@
           </a:prstGeom>
         </p:spPr>
         <p:txBody>
-          <a:bodyPr lIns="0" rIns="0" tIns="0" bIns="0">
+          <a:bodyPr lIns="0" tIns="0" rIns="0" bIns="0">
             <a:normAutofit/>
           </a:bodyPr>
-          <a:p>
-            <a:endParaRPr b="0" lang="it-IT" sz="2800" spc="-1" strike="noStrike">
+          <a:lstStyle/>
+          <a:p>
+            <a:endParaRPr lang="it-IT" sz="2800" b="0" strike="noStrike" spc="-1">
               <a:solidFill>
                 <a:srgbClr val="000000"/>
               </a:solidFill>
@@ -1955,11 +2151,12 @@
           </a:prstGeom>
         </p:spPr>
         <p:txBody>
-          <a:bodyPr lIns="0" rIns="0" tIns="0" bIns="0">
+          <a:bodyPr lIns="0" tIns="0" rIns="0" bIns="0">
             <a:normAutofit/>
           </a:bodyPr>
-          <a:p>
-            <a:endParaRPr b="0" lang="it-IT" sz="2800" spc="-1" strike="noStrike">
+          <a:lstStyle/>
+          <a:p>
+            <a:endParaRPr lang="it-IT" sz="2800" b="0" strike="noStrike" spc="-1">
               <a:solidFill>
                 <a:srgbClr val="000000"/>
               </a:solidFill>
@@ -1988,11 +2185,12 @@
           </a:prstGeom>
         </p:spPr>
         <p:txBody>
-          <a:bodyPr lIns="0" rIns="0" tIns="0" bIns="0">
+          <a:bodyPr lIns="0" tIns="0" rIns="0" bIns="0">
             <a:normAutofit/>
           </a:bodyPr>
-          <a:p>
-            <a:endParaRPr b="0" lang="it-IT" sz="2800" spc="-1" strike="noStrike">
+          <a:lstStyle/>
+          <a:p>
+            <a:endParaRPr lang="it-IT" sz="2800" b="0" strike="noStrike" spc="-1">
               <a:solidFill>
                 <a:srgbClr val="000000"/>
               </a:solidFill>
@@ -2021,11 +2219,12 @@
           </a:prstGeom>
         </p:spPr>
         <p:txBody>
-          <a:bodyPr lIns="0" rIns="0" tIns="0" bIns="0">
+          <a:bodyPr lIns="0" tIns="0" rIns="0" bIns="0">
             <a:normAutofit/>
           </a:bodyPr>
-          <a:p>
-            <a:endParaRPr b="0" lang="it-IT" sz="2800" spc="-1" strike="noStrike">
+          <a:lstStyle/>
+          <a:p>
+            <a:endParaRPr lang="it-IT" sz="2800" b="0" strike="noStrike" spc="-1">
               <a:solidFill>
                 <a:srgbClr val="000000"/>
               </a:solidFill>
@@ -2054,11 +2253,12 @@
           </a:prstGeom>
         </p:spPr>
         <p:txBody>
-          <a:bodyPr lIns="0" rIns="0" tIns="0" bIns="0">
+          <a:bodyPr lIns="0" tIns="0" rIns="0" bIns="0">
             <a:normAutofit/>
           </a:bodyPr>
-          <a:p>
-            <a:endParaRPr b="0" lang="it-IT" sz="2800" spc="-1" strike="noStrike">
+          <a:lstStyle/>
+          <a:p>
+            <a:endParaRPr lang="it-IT" sz="2800" b="0" strike="noStrike" spc="-1">
               <a:solidFill>
                 <a:srgbClr val="000000"/>
               </a:solidFill>
@@ -2087,11 +2287,12 @@
           </a:prstGeom>
         </p:spPr>
         <p:txBody>
-          <a:bodyPr lIns="0" rIns="0" tIns="0" bIns="0">
+          <a:bodyPr lIns="0" tIns="0" rIns="0" bIns="0">
             <a:normAutofit/>
           </a:bodyPr>
-          <a:p>
-            <a:endParaRPr b="0" lang="it-IT" sz="2800" spc="-1" strike="noStrike">
+          <a:lstStyle/>
+          <a:p>
+            <a:endParaRPr lang="it-IT" sz="2800" b="0" strike="noStrike" spc="-1">
               <a:solidFill>
                 <a:srgbClr val="000000"/>
               </a:solidFill>
@@ -2102,11 +2303,14 @@
       </p:sp>
     </p:spTree>
   </p:cSld>
+  <p:clrMapOvr>
+    <a:masterClrMapping/>
+  </p:clrMapOvr>
 </p:sldLayout>
 </file>
 
 <file path=ppt/slideLayouts/slideLayout25.xml><?xml version="1.0" encoding="utf-8"?>
-<p:sldLayout xmlns:a="http://schemas.openxmlformats.org/drawingml/2006/main" xmlns:p="http://schemas.openxmlformats.org/presentationml/2006/main" xmlns:r="http://schemas.openxmlformats.org/officeDocument/2006/relationships" xmlns:p14="http://schemas.microsoft.com/office/powerpoint/2010/main" xmlns:p15="http://schemas.microsoft.com/office/powerpoint/2012/main" xmlns:mc="http://schemas.openxmlformats.org/markup-compatibility/2006" type="blank" preserve="1">
+<p:sldLayout xmlns:a="http://schemas.openxmlformats.org/drawingml/2006/main" xmlns:r="http://schemas.openxmlformats.org/officeDocument/2006/relationships" xmlns:p="http://schemas.openxmlformats.org/presentationml/2006/main" type="blank" preserve="1">
   <p:cSld name="Blank Slide">
     <p:spTree>
       <p:nvGrpSpPr>
@@ -2124,11 +2328,14 @@
       </p:grpSpPr>
     </p:spTree>
   </p:cSld>
+  <p:clrMapOvr>
+    <a:masterClrMapping/>
+  </p:clrMapOvr>
 </p:sldLayout>
 </file>
 
 <file path=ppt/slideLayouts/slideLayout26.xml><?xml version="1.0" encoding="utf-8"?>
-<p:sldLayout xmlns:a="http://schemas.openxmlformats.org/drawingml/2006/main" xmlns:p="http://schemas.openxmlformats.org/presentationml/2006/main" xmlns:r="http://schemas.openxmlformats.org/officeDocument/2006/relationships" xmlns:p14="http://schemas.microsoft.com/office/powerpoint/2010/main" xmlns:p15="http://schemas.microsoft.com/office/powerpoint/2012/main" xmlns:mc="http://schemas.openxmlformats.org/markup-compatibility/2006" type="tx" preserve="1">
+<p:sldLayout xmlns:a="http://schemas.openxmlformats.org/drawingml/2006/main" xmlns:r="http://schemas.openxmlformats.org/officeDocument/2006/relationships" xmlns:p="http://schemas.openxmlformats.org/presentationml/2006/main" type="tx" preserve="1">
   <p:cSld name="Title Slide">
     <p:spTree>
       <p:nvGrpSpPr>
@@ -2164,9 +2371,10 @@
           </a:prstGeom>
         </p:spPr>
         <p:txBody>
-          <a:bodyPr lIns="0" rIns="0" tIns="0" bIns="0" anchor="ctr"/>
-          <a:p>
-            <a:endParaRPr b="0" lang="it-IT" sz="1800" spc="-1" strike="noStrike">
+          <a:bodyPr lIns="0" tIns="0" rIns="0" bIns="0" anchor="ctr"/>
+          <a:lstStyle/>
+          <a:p>
+            <a:endParaRPr lang="it-IT" sz="1800" b="0" strike="noStrike" spc="-1">
               <a:solidFill>
                 <a:srgbClr val="000000"/>
               </a:solidFill>
@@ -2195,10 +2403,11 @@
           </a:prstGeom>
         </p:spPr>
         <p:txBody>
-          <a:bodyPr lIns="0" rIns="0" tIns="0" bIns="0" anchor="ctr"/>
+          <a:bodyPr lIns="0" tIns="0" rIns="0" bIns="0" anchor="ctr"/>
+          <a:lstStyle/>
           <a:p>
             <a:pPr algn="ctr"/>
-            <a:endParaRPr b="0" lang="it-IT" sz="3200" spc="-1" strike="noStrike">
+            <a:endParaRPr lang="it-IT" sz="3200" b="0" strike="noStrike" spc="-1">
               <a:latin typeface="Arial"/>
             </a:endParaRPr>
           </a:p>
@@ -2206,11 +2415,14 @@
       </p:sp>
     </p:spTree>
   </p:cSld>
+  <p:clrMapOvr>
+    <a:masterClrMapping/>
+  </p:clrMapOvr>
 </p:sldLayout>
 </file>
 
 <file path=ppt/slideLayouts/slideLayout27.xml><?xml version="1.0" encoding="utf-8"?>
-<p:sldLayout xmlns:a="http://schemas.openxmlformats.org/drawingml/2006/main" xmlns:p="http://schemas.openxmlformats.org/presentationml/2006/main" xmlns:r="http://schemas.openxmlformats.org/officeDocument/2006/relationships" xmlns:p14="http://schemas.microsoft.com/office/powerpoint/2010/main" xmlns:p15="http://schemas.microsoft.com/office/powerpoint/2012/main" xmlns:mc="http://schemas.openxmlformats.org/markup-compatibility/2006" type="obj" preserve="1">
+<p:sldLayout xmlns:a="http://schemas.openxmlformats.org/drawingml/2006/main" xmlns:r="http://schemas.openxmlformats.org/officeDocument/2006/relationships" xmlns:p="http://schemas.openxmlformats.org/presentationml/2006/main" type="obj" preserve="1">
   <p:cSld name="Title, Content">
     <p:spTree>
       <p:nvGrpSpPr>
@@ -2246,9 +2458,10 @@
           </a:prstGeom>
         </p:spPr>
         <p:txBody>
-          <a:bodyPr lIns="0" rIns="0" tIns="0" bIns="0" anchor="ctr"/>
-          <a:p>
-            <a:endParaRPr b="0" lang="it-IT" sz="1800" spc="-1" strike="noStrike">
+          <a:bodyPr lIns="0" tIns="0" rIns="0" bIns="0" anchor="ctr"/>
+          <a:lstStyle/>
+          <a:p>
+            <a:endParaRPr lang="it-IT" sz="1800" b="0" strike="noStrike" spc="-1">
               <a:solidFill>
                 <a:srgbClr val="000000"/>
               </a:solidFill>
@@ -2277,11 +2490,12 @@
           </a:prstGeom>
         </p:spPr>
         <p:txBody>
-          <a:bodyPr lIns="0" rIns="0" tIns="0" bIns="0">
+          <a:bodyPr lIns="0" tIns="0" rIns="0" bIns="0">
             <a:normAutofit/>
           </a:bodyPr>
-          <a:p>
-            <a:endParaRPr b="0" lang="it-IT" sz="2800" spc="-1" strike="noStrike">
+          <a:lstStyle/>
+          <a:p>
+            <a:endParaRPr lang="it-IT" sz="2800" b="0" strike="noStrike" spc="-1">
               <a:solidFill>
                 <a:srgbClr val="000000"/>
               </a:solidFill>
@@ -2292,11 +2506,14 @@
       </p:sp>
     </p:spTree>
   </p:cSld>
+  <p:clrMapOvr>
+    <a:masterClrMapping/>
+  </p:clrMapOvr>
 </p:sldLayout>
 </file>
 
 <file path=ppt/slideLayouts/slideLayout28.xml><?xml version="1.0" encoding="utf-8"?>
-<p:sldLayout xmlns:a="http://schemas.openxmlformats.org/drawingml/2006/main" xmlns:p="http://schemas.openxmlformats.org/presentationml/2006/main" xmlns:r="http://schemas.openxmlformats.org/officeDocument/2006/relationships" xmlns:p14="http://schemas.microsoft.com/office/powerpoint/2010/main" xmlns:p15="http://schemas.microsoft.com/office/powerpoint/2012/main" xmlns:mc="http://schemas.openxmlformats.org/markup-compatibility/2006" type="twoObj" preserve="1">
+<p:sldLayout xmlns:a="http://schemas.openxmlformats.org/drawingml/2006/main" xmlns:r="http://schemas.openxmlformats.org/officeDocument/2006/relationships" xmlns:p="http://schemas.openxmlformats.org/presentationml/2006/main" type="twoObj" preserve="1">
   <p:cSld name="Title, 2 Content">
     <p:spTree>
       <p:nvGrpSpPr>
@@ -2332,9 +2549,10 @@
           </a:prstGeom>
         </p:spPr>
         <p:txBody>
-          <a:bodyPr lIns="0" rIns="0" tIns="0" bIns="0" anchor="ctr"/>
-          <a:p>
-            <a:endParaRPr b="0" lang="it-IT" sz="1800" spc="-1" strike="noStrike">
+          <a:bodyPr lIns="0" tIns="0" rIns="0" bIns="0" anchor="ctr"/>
+          <a:lstStyle/>
+          <a:p>
+            <a:endParaRPr lang="it-IT" sz="1800" b="0" strike="noStrike" spc="-1">
               <a:solidFill>
                 <a:srgbClr val="000000"/>
               </a:solidFill>
@@ -2363,11 +2581,12 @@
           </a:prstGeom>
         </p:spPr>
         <p:txBody>
-          <a:bodyPr lIns="0" rIns="0" tIns="0" bIns="0">
+          <a:bodyPr lIns="0" tIns="0" rIns="0" bIns="0">
             <a:normAutofit/>
           </a:bodyPr>
-          <a:p>
-            <a:endParaRPr b="0" lang="it-IT" sz="2800" spc="-1" strike="noStrike">
+          <a:lstStyle/>
+          <a:p>
+            <a:endParaRPr lang="it-IT" sz="2800" b="0" strike="noStrike" spc="-1">
               <a:solidFill>
                 <a:srgbClr val="000000"/>
               </a:solidFill>
@@ -2396,11 +2615,12 @@
           </a:prstGeom>
         </p:spPr>
         <p:txBody>
-          <a:bodyPr lIns="0" rIns="0" tIns="0" bIns="0">
+          <a:bodyPr lIns="0" tIns="0" rIns="0" bIns="0">
             <a:normAutofit/>
           </a:bodyPr>
-          <a:p>
-            <a:endParaRPr b="0" lang="it-IT" sz="2800" spc="-1" strike="noStrike">
+          <a:lstStyle/>
+          <a:p>
+            <a:endParaRPr lang="it-IT" sz="2800" b="0" strike="noStrike" spc="-1">
               <a:solidFill>
                 <a:srgbClr val="000000"/>
               </a:solidFill>
@@ -2411,11 +2631,14 @@
       </p:sp>
     </p:spTree>
   </p:cSld>
+  <p:clrMapOvr>
+    <a:masterClrMapping/>
+  </p:clrMapOvr>
 </p:sldLayout>
 </file>
 
 <file path=ppt/slideLayouts/slideLayout29.xml><?xml version="1.0" encoding="utf-8"?>
-<p:sldLayout xmlns:a="http://schemas.openxmlformats.org/drawingml/2006/main" xmlns:p="http://schemas.openxmlformats.org/presentationml/2006/main" xmlns:r="http://schemas.openxmlformats.org/officeDocument/2006/relationships" xmlns:p14="http://schemas.microsoft.com/office/powerpoint/2010/main" xmlns:p15="http://schemas.microsoft.com/office/powerpoint/2012/main" xmlns:mc="http://schemas.openxmlformats.org/markup-compatibility/2006" type="titleOnly" preserve="1">
+<p:sldLayout xmlns:a="http://schemas.openxmlformats.org/drawingml/2006/main" xmlns:r="http://schemas.openxmlformats.org/officeDocument/2006/relationships" xmlns:p="http://schemas.openxmlformats.org/presentationml/2006/main" type="titleOnly" preserve="1">
   <p:cSld name="Title Only">
     <p:spTree>
       <p:nvGrpSpPr>
@@ -2451,9 +2674,10 @@
           </a:prstGeom>
         </p:spPr>
         <p:txBody>
-          <a:bodyPr lIns="0" rIns="0" tIns="0" bIns="0" anchor="ctr"/>
-          <a:p>
-            <a:endParaRPr b="0" lang="it-IT" sz="1800" spc="-1" strike="noStrike">
+          <a:bodyPr lIns="0" tIns="0" rIns="0" bIns="0" anchor="ctr"/>
+          <a:lstStyle/>
+          <a:p>
+            <a:endParaRPr lang="it-IT" sz="1800" b="0" strike="noStrike" spc="-1">
               <a:solidFill>
                 <a:srgbClr val="000000"/>
               </a:solidFill>
@@ -2464,11 +2688,14 @@
       </p:sp>
     </p:spTree>
   </p:cSld>
+  <p:clrMapOvr>
+    <a:masterClrMapping/>
+  </p:clrMapOvr>
 </p:sldLayout>
 </file>
 
 <file path=ppt/slideLayouts/slideLayout3.xml><?xml version="1.0" encoding="utf-8"?>
-<p:sldLayout xmlns:a="http://schemas.openxmlformats.org/drawingml/2006/main" xmlns:p="http://schemas.openxmlformats.org/presentationml/2006/main" xmlns:r="http://schemas.openxmlformats.org/officeDocument/2006/relationships" xmlns:p14="http://schemas.microsoft.com/office/powerpoint/2010/main" xmlns:p15="http://schemas.microsoft.com/office/powerpoint/2012/main" xmlns:mc="http://schemas.openxmlformats.org/markup-compatibility/2006" type="obj" preserve="1">
+<p:sldLayout xmlns:a="http://schemas.openxmlformats.org/drawingml/2006/main" xmlns:r="http://schemas.openxmlformats.org/officeDocument/2006/relationships" xmlns:p="http://schemas.openxmlformats.org/presentationml/2006/main" type="obj" preserve="1">
   <p:cSld name="Title, Content">
     <p:spTree>
       <p:nvGrpSpPr>
@@ -2504,9 +2731,10 @@
           </a:prstGeom>
         </p:spPr>
         <p:txBody>
-          <a:bodyPr lIns="0" rIns="0" tIns="0" bIns="0" anchor="ctr"/>
-          <a:p>
-            <a:endParaRPr b="0" lang="it-IT" sz="1800" spc="-1" strike="noStrike">
+          <a:bodyPr lIns="0" tIns="0" rIns="0" bIns="0" anchor="ctr"/>
+          <a:lstStyle/>
+          <a:p>
+            <a:endParaRPr lang="it-IT" sz="1800" b="0" strike="noStrike" spc="-1">
               <a:solidFill>
                 <a:srgbClr val="000000"/>
               </a:solidFill>
@@ -2535,11 +2763,12 @@
           </a:prstGeom>
         </p:spPr>
         <p:txBody>
-          <a:bodyPr lIns="0" rIns="0" tIns="0" bIns="0">
+          <a:bodyPr lIns="0" tIns="0" rIns="0" bIns="0">
             <a:normAutofit/>
           </a:bodyPr>
-          <a:p>
-            <a:endParaRPr b="0" lang="it-IT" sz="2800" spc="-1" strike="noStrike">
+          <a:lstStyle/>
+          <a:p>
+            <a:endParaRPr lang="it-IT" sz="2800" b="0" strike="noStrike" spc="-1">
               <a:solidFill>
                 <a:srgbClr val="000000"/>
               </a:solidFill>
@@ -2550,11 +2779,14 @@
       </p:sp>
     </p:spTree>
   </p:cSld>
+  <p:clrMapOvr>
+    <a:masterClrMapping/>
+  </p:clrMapOvr>
 </p:sldLayout>
 </file>
 
 <file path=ppt/slideLayouts/slideLayout30.xml><?xml version="1.0" encoding="utf-8"?>
-<p:sldLayout xmlns:a="http://schemas.openxmlformats.org/drawingml/2006/main" xmlns:p="http://schemas.openxmlformats.org/presentationml/2006/main" xmlns:r="http://schemas.openxmlformats.org/officeDocument/2006/relationships" xmlns:p14="http://schemas.microsoft.com/office/powerpoint/2010/main" xmlns:p15="http://schemas.microsoft.com/office/powerpoint/2012/main" xmlns:mc="http://schemas.openxmlformats.org/markup-compatibility/2006" type="objOnly" preserve="1">
+<p:sldLayout xmlns:a="http://schemas.openxmlformats.org/drawingml/2006/main" xmlns:r="http://schemas.openxmlformats.org/officeDocument/2006/relationships" xmlns:p="http://schemas.openxmlformats.org/presentationml/2006/main" type="objOnly" preserve="1">
   <p:cSld name="Centered Text">
     <p:spTree>
       <p:nvGrpSpPr>
@@ -2590,10 +2822,11 @@
           </a:prstGeom>
         </p:spPr>
         <p:txBody>
-          <a:bodyPr lIns="0" rIns="0" tIns="0" bIns="0" anchor="ctr"/>
+          <a:bodyPr lIns="0" tIns="0" rIns="0" bIns="0" anchor="ctr"/>
+          <a:lstStyle/>
           <a:p>
             <a:pPr algn="ctr"/>
-            <a:endParaRPr b="0" lang="it-IT" sz="3200" spc="-1" strike="noStrike">
+            <a:endParaRPr lang="it-IT" sz="3200" b="0" strike="noStrike" spc="-1">
               <a:latin typeface="Arial"/>
             </a:endParaRPr>
           </a:p>
@@ -2601,11 +2834,14 @@
       </p:sp>
     </p:spTree>
   </p:cSld>
+  <p:clrMapOvr>
+    <a:masterClrMapping/>
+  </p:clrMapOvr>
 </p:sldLayout>
 </file>
 
 <file path=ppt/slideLayouts/slideLayout31.xml><?xml version="1.0" encoding="utf-8"?>
-<p:sldLayout xmlns:a="http://schemas.openxmlformats.org/drawingml/2006/main" xmlns:p="http://schemas.openxmlformats.org/presentationml/2006/main" xmlns:r="http://schemas.openxmlformats.org/officeDocument/2006/relationships" xmlns:p14="http://schemas.microsoft.com/office/powerpoint/2010/main" xmlns:p15="http://schemas.microsoft.com/office/powerpoint/2012/main" xmlns:mc="http://schemas.openxmlformats.org/markup-compatibility/2006" type="twoObjAndObj" preserve="1">
+<p:sldLayout xmlns:a="http://schemas.openxmlformats.org/drawingml/2006/main" xmlns:r="http://schemas.openxmlformats.org/officeDocument/2006/relationships" xmlns:p="http://schemas.openxmlformats.org/presentationml/2006/main" type="twoObjAndObj" preserve="1">
   <p:cSld name="Title, 2 Content and Content">
     <p:spTree>
       <p:nvGrpSpPr>
@@ -2641,9 +2877,10 @@
           </a:prstGeom>
         </p:spPr>
         <p:txBody>
-          <a:bodyPr lIns="0" rIns="0" tIns="0" bIns="0" anchor="ctr"/>
-          <a:p>
-            <a:endParaRPr b="0" lang="it-IT" sz="1800" spc="-1" strike="noStrike">
+          <a:bodyPr lIns="0" tIns="0" rIns="0" bIns="0" anchor="ctr"/>
+          <a:lstStyle/>
+          <a:p>
+            <a:endParaRPr lang="it-IT" sz="1800" b="0" strike="noStrike" spc="-1">
               <a:solidFill>
                 <a:srgbClr val="000000"/>
               </a:solidFill>
@@ -2672,11 +2909,12 @@
           </a:prstGeom>
         </p:spPr>
         <p:txBody>
-          <a:bodyPr lIns="0" rIns="0" tIns="0" bIns="0">
+          <a:bodyPr lIns="0" tIns="0" rIns="0" bIns="0">
             <a:normAutofit/>
           </a:bodyPr>
-          <a:p>
-            <a:endParaRPr b="0" lang="it-IT" sz="2800" spc="-1" strike="noStrike">
+          <a:lstStyle/>
+          <a:p>
+            <a:endParaRPr lang="it-IT" sz="2800" b="0" strike="noStrike" spc="-1">
               <a:solidFill>
                 <a:srgbClr val="000000"/>
               </a:solidFill>
@@ -2705,11 +2943,12 @@
           </a:prstGeom>
         </p:spPr>
         <p:txBody>
-          <a:bodyPr lIns="0" rIns="0" tIns="0" bIns="0">
+          <a:bodyPr lIns="0" tIns="0" rIns="0" bIns="0">
             <a:normAutofit/>
           </a:bodyPr>
-          <a:p>
-            <a:endParaRPr b="0" lang="it-IT" sz="2800" spc="-1" strike="noStrike">
+          <a:lstStyle/>
+          <a:p>
+            <a:endParaRPr lang="it-IT" sz="2800" b="0" strike="noStrike" spc="-1">
               <a:solidFill>
                 <a:srgbClr val="000000"/>
               </a:solidFill>
@@ -2738,11 +2977,12 @@
           </a:prstGeom>
         </p:spPr>
         <p:txBody>
-          <a:bodyPr lIns="0" rIns="0" tIns="0" bIns="0">
+          <a:bodyPr lIns="0" tIns="0" rIns="0" bIns="0">
             <a:normAutofit/>
           </a:bodyPr>
-          <a:p>
-            <a:endParaRPr b="0" lang="it-IT" sz="2800" spc="-1" strike="noStrike">
+          <a:lstStyle/>
+          <a:p>
+            <a:endParaRPr lang="it-IT" sz="2800" b="0" strike="noStrike" spc="-1">
               <a:solidFill>
                 <a:srgbClr val="000000"/>
               </a:solidFill>
@@ -2753,11 +2993,14 @@
       </p:sp>
     </p:spTree>
   </p:cSld>
+  <p:clrMapOvr>
+    <a:masterClrMapping/>
+  </p:clrMapOvr>
 </p:sldLayout>
 </file>
 
 <file path=ppt/slideLayouts/slideLayout32.xml><?xml version="1.0" encoding="utf-8"?>
-<p:sldLayout xmlns:a="http://schemas.openxmlformats.org/drawingml/2006/main" xmlns:p="http://schemas.openxmlformats.org/presentationml/2006/main" xmlns:r="http://schemas.openxmlformats.org/officeDocument/2006/relationships" xmlns:p14="http://schemas.microsoft.com/office/powerpoint/2010/main" xmlns:p15="http://schemas.microsoft.com/office/powerpoint/2012/main" xmlns:mc="http://schemas.openxmlformats.org/markup-compatibility/2006" type="objAndTwoObj" preserve="1">
+<p:sldLayout xmlns:a="http://schemas.openxmlformats.org/drawingml/2006/main" xmlns:r="http://schemas.openxmlformats.org/officeDocument/2006/relationships" xmlns:p="http://schemas.openxmlformats.org/presentationml/2006/main" type="objAndTwoObj" preserve="1">
   <p:cSld name="Title Content and 2 Content">
     <p:spTree>
       <p:nvGrpSpPr>
@@ -2793,9 +3036,10 @@
           </a:prstGeom>
         </p:spPr>
         <p:txBody>
-          <a:bodyPr lIns="0" rIns="0" tIns="0" bIns="0" anchor="ctr"/>
-          <a:p>
-            <a:endParaRPr b="0" lang="it-IT" sz="1800" spc="-1" strike="noStrike">
+          <a:bodyPr lIns="0" tIns="0" rIns="0" bIns="0" anchor="ctr"/>
+          <a:lstStyle/>
+          <a:p>
+            <a:endParaRPr lang="it-IT" sz="1800" b="0" strike="noStrike" spc="-1">
               <a:solidFill>
                 <a:srgbClr val="000000"/>
               </a:solidFill>
@@ -2824,11 +3068,12 @@
           </a:prstGeom>
         </p:spPr>
         <p:txBody>
-          <a:bodyPr lIns="0" rIns="0" tIns="0" bIns="0">
+          <a:bodyPr lIns="0" tIns="0" rIns="0" bIns="0">
             <a:normAutofit/>
           </a:bodyPr>
-          <a:p>
-            <a:endParaRPr b="0" lang="it-IT" sz="2800" spc="-1" strike="noStrike">
+          <a:lstStyle/>
+          <a:p>
+            <a:endParaRPr lang="it-IT" sz="2800" b="0" strike="noStrike" spc="-1">
               <a:solidFill>
                 <a:srgbClr val="000000"/>
               </a:solidFill>
@@ -2857,11 +3102,12 @@
           </a:prstGeom>
         </p:spPr>
         <p:txBody>
-          <a:bodyPr lIns="0" rIns="0" tIns="0" bIns="0">
+          <a:bodyPr lIns="0" tIns="0" rIns="0" bIns="0">
             <a:normAutofit/>
           </a:bodyPr>
-          <a:p>
-            <a:endParaRPr b="0" lang="it-IT" sz="2800" spc="-1" strike="noStrike">
+          <a:lstStyle/>
+          <a:p>
+            <a:endParaRPr lang="it-IT" sz="2800" b="0" strike="noStrike" spc="-1">
               <a:solidFill>
                 <a:srgbClr val="000000"/>
               </a:solidFill>
@@ -2890,11 +3136,12 @@
           </a:prstGeom>
         </p:spPr>
         <p:txBody>
-          <a:bodyPr lIns="0" rIns="0" tIns="0" bIns="0">
+          <a:bodyPr lIns="0" tIns="0" rIns="0" bIns="0">
             <a:normAutofit/>
           </a:bodyPr>
-          <a:p>
-            <a:endParaRPr b="0" lang="it-IT" sz="2800" spc="-1" strike="noStrike">
+          <a:lstStyle/>
+          <a:p>
+            <a:endParaRPr lang="it-IT" sz="2800" b="0" strike="noStrike" spc="-1">
               <a:solidFill>
                 <a:srgbClr val="000000"/>
               </a:solidFill>
@@ -2905,11 +3152,14 @@
       </p:sp>
     </p:spTree>
   </p:cSld>
+  <p:clrMapOvr>
+    <a:masterClrMapping/>
+  </p:clrMapOvr>
 </p:sldLayout>
 </file>
 
 <file path=ppt/slideLayouts/slideLayout33.xml><?xml version="1.0" encoding="utf-8"?>
-<p:sldLayout xmlns:a="http://schemas.openxmlformats.org/drawingml/2006/main" xmlns:p="http://schemas.openxmlformats.org/presentationml/2006/main" xmlns:r="http://schemas.openxmlformats.org/officeDocument/2006/relationships" xmlns:p14="http://schemas.microsoft.com/office/powerpoint/2010/main" xmlns:p15="http://schemas.microsoft.com/office/powerpoint/2012/main" xmlns:mc="http://schemas.openxmlformats.org/markup-compatibility/2006" type="twoObjOverTx" preserve="1">
+<p:sldLayout xmlns:a="http://schemas.openxmlformats.org/drawingml/2006/main" xmlns:r="http://schemas.openxmlformats.org/officeDocument/2006/relationships" xmlns:p="http://schemas.openxmlformats.org/presentationml/2006/main" type="twoObjOverTx" preserve="1">
   <p:cSld name="Title, 2 Content over Content">
     <p:spTree>
       <p:nvGrpSpPr>
@@ -2945,9 +3195,10 @@
           </a:prstGeom>
         </p:spPr>
         <p:txBody>
-          <a:bodyPr lIns="0" rIns="0" tIns="0" bIns="0" anchor="ctr"/>
-          <a:p>
-            <a:endParaRPr b="0" lang="it-IT" sz="1800" spc="-1" strike="noStrike">
+          <a:bodyPr lIns="0" tIns="0" rIns="0" bIns="0" anchor="ctr"/>
+          <a:lstStyle/>
+          <a:p>
+            <a:endParaRPr lang="it-IT" sz="1800" b="0" strike="noStrike" spc="-1">
               <a:solidFill>
                 <a:srgbClr val="000000"/>
               </a:solidFill>
@@ -2976,11 +3227,12 @@
           </a:prstGeom>
         </p:spPr>
         <p:txBody>
-          <a:bodyPr lIns="0" rIns="0" tIns="0" bIns="0">
+          <a:bodyPr lIns="0" tIns="0" rIns="0" bIns="0">
             <a:normAutofit/>
           </a:bodyPr>
-          <a:p>
-            <a:endParaRPr b="0" lang="it-IT" sz="2800" spc="-1" strike="noStrike">
+          <a:lstStyle/>
+          <a:p>
+            <a:endParaRPr lang="it-IT" sz="2800" b="0" strike="noStrike" spc="-1">
               <a:solidFill>
                 <a:srgbClr val="000000"/>
               </a:solidFill>
@@ -3009,11 +3261,12 @@
           </a:prstGeom>
         </p:spPr>
         <p:txBody>
-          <a:bodyPr lIns="0" rIns="0" tIns="0" bIns="0">
+          <a:bodyPr lIns="0" tIns="0" rIns="0" bIns="0">
             <a:normAutofit/>
           </a:bodyPr>
-          <a:p>
-            <a:endParaRPr b="0" lang="it-IT" sz="2800" spc="-1" strike="noStrike">
+          <a:lstStyle/>
+          <a:p>
+            <a:endParaRPr lang="it-IT" sz="2800" b="0" strike="noStrike" spc="-1">
               <a:solidFill>
                 <a:srgbClr val="000000"/>
               </a:solidFill>
@@ -3042,11 +3295,12 @@
           </a:prstGeom>
         </p:spPr>
         <p:txBody>
-          <a:bodyPr lIns="0" rIns="0" tIns="0" bIns="0">
+          <a:bodyPr lIns="0" tIns="0" rIns="0" bIns="0">
             <a:normAutofit/>
           </a:bodyPr>
-          <a:p>
-            <a:endParaRPr b="0" lang="it-IT" sz="2800" spc="-1" strike="noStrike">
+          <a:lstStyle/>
+          <a:p>
+            <a:endParaRPr lang="it-IT" sz="2800" b="0" strike="noStrike" spc="-1">
               <a:solidFill>
                 <a:srgbClr val="000000"/>
               </a:solidFill>
@@ -3057,11 +3311,14 @@
       </p:sp>
     </p:spTree>
   </p:cSld>
+  <p:clrMapOvr>
+    <a:masterClrMapping/>
+  </p:clrMapOvr>
 </p:sldLayout>
 </file>
 
 <file path=ppt/slideLayouts/slideLayout34.xml><?xml version="1.0" encoding="utf-8"?>
-<p:sldLayout xmlns:a="http://schemas.openxmlformats.org/drawingml/2006/main" xmlns:p="http://schemas.openxmlformats.org/presentationml/2006/main" xmlns:r="http://schemas.openxmlformats.org/officeDocument/2006/relationships" xmlns:p14="http://schemas.microsoft.com/office/powerpoint/2010/main" xmlns:p15="http://schemas.microsoft.com/office/powerpoint/2012/main" xmlns:mc="http://schemas.openxmlformats.org/markup-compatibility/2006" type="objOverTx" preserve="1">
+<p:sldLayout xmlns:a="http://schemas.openxmlformats.org/drawingml/2006/main" xmlns:r="http://schemas.openxmlformats.org/officeDocument/2006/relationships" xmlns:p="http://schemas.openxmlformats.org/presentationml/2006/main" type="objOverTx" preserve="1">
   <p:cSld name="Title, Content over Content">
     <p:spTree>
       <p:nvGrpSpPr>
@@ -3097,9 +3354,10 @@
           </a:prstGeom>
         </p:spPr>
         <p:txBody>
-          <a:bodyPr lIns="0" rIns="0" tIns="0" bIns="0" anchor="ctr"/>
-          <a:p>
-            <a:endParaRPr b="0" lang="it-IT" sz="1800" spc="-1" strike="noStrike">
+          <a:bodyPr lIns="0" tIns="0" rIns="0" bIns="0" anchor="ctr"/>
+          <a:lstStyle/>
+          <a:p>
+            <a:endParaRPr lang="it-IT" sz="1800" b="0" strike="noStrike" spc="-1">
               <a:solidFill>
                 <a:srgbClr val="000000"/>
               </a:solidFill>
@@ -3128,11 +3386,12 @@
           </a:prstGeom>
         </p:spPr>
         <p:txBody>
-          <a:bodyPr lIns="0" rIns="0" tIns="0" bIns="0">
+          <a:bodyPr lIns="0" tIns="0" rIns="0" bIns="0">
             <a:normAutofit/>
           </a:bodyPr>
-          <a:p>
-            <a:endParaRPr b="0" lang="it-IT" sz="2800" spc="-1" strike="noStrike">
+          <a:lstStyle/>
+          <a:p>
+            <a:endParaRPr lang="it-IT" sz="2800" b="0" strike="noStrike" spc="-1">
               <a:solidFill>
                 <a:srgbClr val="000000"/>
               </a:solidFill>
@@ -3161,11 +3420,12 @@
           </a:prstGeom>
         </p:spPr>
         <p:txBody>
-          <a:bodyPr lIns="0" rIns="0" tIns="0" bIns="0">
+          <a:bodyPr lIns="0" tIns="0" rIns="0" bIns="0">
             <a:normAutofit/>
           </a:bodyPr>
-          <a:p>
-            <a:endParaRPr b="0" lang="it-IT" sz="2800" spc="-1" strike="noStrike">
+          <a:lstStyle/>
+          <a:p>
+            <a:endParaRPr lang="it-IT" sz="2800" b="0" strike="noStrike" spc="-1">
               <a:solidFill>
                 <a:srgbClr val="000000"/>
               </a:solidFill>
@@ -3176,11 +3436,14 @@
       </p:sp>
     </p:spTree>
   </p:cSld>
+  <p:clrMapOvr>
+    <a:masterClrMapping/>
+  </p:clrMapOvr>
 </p:sldLayout>
 </file>
 
 <file path=ppt/slideLayouts/slideLayout35.xml><?xml version="1.0" encoding="utf-8"?>
-<p:sldLayout xmlns:a="http://schemas.openxmlformats.org/drawingml/2006/main" xmlns:p="http://schemas.openxmlformats.org/presentationml/2006/main" xmlns:r="http://schemas.openxmlformats.org/officeDocument/2006/relationships" xmlns:p14="http://schemas.microsoft.com/office/powerpoint/2010/main" xmlns:p15="http://schemas.microsoft.com/office/powerpoint/2012/main" xmlns:mc="http://schemas.openxmlformats.org/markup-compatibility/2006" type="fourObj" preserve="1">
+<p:sldLayout xmlns:a="http://schemas.openxmlformats.org/drawingml/2006/main" xmlns:r="http://schemas.openxmlformats.org/officeDocument/2006/relationships" xmlns:p="http://schemas.openxmlformats.org/presentationml/2006/main" type="fourObj" preserve="1">
   <p:cSld name="Title, 4 Content">
     <p:spTree>
       <p:nvGrpSpPr>
@@ -3216,9 +3479,10 @@
           </a:prstGeom>
         </p:spPr>
         <p:txBody>
-          <a:bodyPr lIns="0" rIns="0" tIns="0" bIns="0" anchor="ctr"/>
-          <a:p>
-            <a:endParaRPr b="0" lang="it-IT" sz="1800" spc="-1" strike="noStrike">
+          <a:bodyPr lIns="0" tIns="0" rIns="0" bIns="0" anchor="ctr"/>
+          <a:lstStyle/>
+          <a:p>
+            <a:endParaRPr lang="it-IT" sz="1800" b="0" strike="noStrike" spc="-1">
               <a:solidFill>
                 <a:srgbClr val="000000"/>
               </a:solidFill>
@@ -3247,11 +3511,12 @@
           </a:prstGeom>
         </p:spPr>
         <p:txBody>
-          <a:bodyPr lIns="0" rIns="0" tIns="0" bIns="0">
+          <a:bodyPr lIns="0" tIns="0" rIns="0" bIns="0">
             <a:normAutofit/>
           </a:bodyPr>
-          <a:p>
-            <a:endParaRPr b="0" lang="it-IT" sz="2800" spc="-1" strike="noStrike">
+          <a:lstStyle/>
+          <a:p>
+            <a:endParaRPr lang="it-IT" sz="2800" b="0" strike="noStrike" spc="-1">
               <a:solidFill>
                 <a:srgbClr val="000000"/>
               </a:solidFill>
@@ -3280,11 +3545,12 @@
           </a:prstGeom>
         </p:spPr>
         <p:txBody>
-          <a:bodyPr lIns="0" rIns="0" tIns="0" bIns="0">
+          <a:bodyPr lIns="0" tIns="0" rIns="0" bIns="0">
             <a:normAutofit/>
           </a:bodyPr>
-          <a:p>
-            <a:endParaRPr b="0" lang="it-IT" sz="2800" spc="-1" strike="noStrike">
+          <a:lstStyle/>
+          <a:p>
+            <a:endParaRPr lang="it-IT" sz="2800" b="0" strike="noStrike" spc="-1">
               <a:solidFill>
                 <a:srgbClr val="000000"/>
               </a:solidFill>
@@ -3313,11 +3579,12 @@
           </a:prstGeom>
         </p:spPr>
         <p:txBody>
-          <a:bodyPr lIns="0" rIns="0" tIns="0" bIns="0">
+          <a:bodyPr lIns="0" tIns="0" rIns="0" bIns="0">
             <a:normAutofit/>
           </a:bodyPr>
-          <a:p>
-            <a:endParaRPr b="0" lang="it-IT" sz="2800" spc="-1" strike="noStrike">
+          <a:lstStyle/>
+          <a:p>
+            <a:endParaRPr lang="it-IT" sz="2800" b="0" strike="noStrike" spc="-1">
               <a:solidFill>
                 <a:srgbClr val="000000"/>
               </a:solidFill>
@@ -3346,11 +3613,12 @@
           </a:prstGeom>
         </p:spPr>
         <p:txBody>
-          <a:bodyPr lIns="0" rIns="0" tIns="0" bIns="0">
+          <a:bodyPr lIns="0" tIns="0" rIns="0" bIns="0">
             <a:normAutofit/>
           </a:bodyPr>
-          <a:p>
-            <a:endParaRPr b="0" lang="it-IT" sz="2800" spc="-1" strike="noStrike">
+          <a:lstStyle/>
+          <a:p>
+            <a:endParaRPr lang="it-IT" sz="2800" b="0" strike="noStrike" spc="-1">
               <a:solidFill>
                 <a:srgbClr val="000000"/>
               </a:solidFill>
@@ -3361,11 +3629,14 @@
       </p:sp>
     </p:spTree>
   </p:cSld>
+  <p:clrMapOvr>
+    <a:masterClrMapping/>
+  </p:clrMapOvr>
 </p:sldLayout>
 </file>
 
 <file path=ppt/slideLayouts/slideLayout36.xml><?xml version="1.0" encoding="utf-8"?>
-<p:sldLayout xmlns:a="http://schemas.openxmlformats.org/drawingml/2006/main" xmlns:p="http://schemas.openxmlformats.org/presentationml/2006/main" xmlns:r="http://schemas.openxmlformats.org/officeDocument/2006/relationships" xmlns:p14="http://schemas.microsoft.com/office/powerpoint/2010/main" xmlns:p15="http://schemas.microsoft.com/office/powerpoint/2012/main" xmlns:mc="http://schemas.openxmlformats.org/markup-compatibility/2006" type="blank" preserve="1">
+<p:sldLayout xmlns:a="http://schemas.openxmlformats.org/drawingml/2006/main" xmlns:r="http://schemas.openxmlformats.org/officeDocument/2006/relationships" xmlns:p="http://schemas.openxmlformats.org/presentationml/2006/main" type="blank" preserve="1">
   <p:cSld name="Title, 6 Content">
     <p:spTree>
       <p:nvGrpSpPr>
@@ -3401,9 +3672,10 @@
           </a:prstGeom>
         </p:spPr>
         <p:txBody>
-          <a:bodyPr lIns="0" rIns="0" tIns="0" bIns="0" anchor="ctr"/>
-          <a:p>
-            <a:endParaRPr b="0" lang="it-IT" sz="1800" spc="-1" strike="noStrike">
+          <a:bodyPr lIns="0" tIns="0" rIns="0" bIns="0" anchor="ctr"/>
+          <a:lstStyle/>
+          <a:p>
+            <a:endParaRPr lang="it-IT" sz="1800" b="0" strike="noStrike" spc="-1">
               <a:solidFill>
                 <a:srgbClr val="000000"/>
               </a:solidFill>
@@ -3432,11 +3704,12 @@
           </a:prstGeom>
         </p:spPr>
         <p:txBody>
-          <a:bodyPr lIns="0" rIns="0" tIns="0" bIns="0">
+          <a:bodyPr lIns="0" tIns="0" rIns="0" bIns="0">
             <a:normAutofit/>
           </a:bodyPr>
-          <a:p>
-            <a:endParaRPr b="0" lang="it-IT" sz="2800" spc="-1" strike="noStrike">
+          <a:lstStyle/>
+          <a:p>
+            <a:endParaRPr lang="it-IT" sz="2800" b="0" strike="noStrike" spc="-1">
               <a:solidFill>
                 <a:srgbClr val="000000"/>
               </a:solidFill>
@@ -3465,11 +3738,12 @@
           </a:prstGeom>
         </p:spPr>
         <p:txBody>
-          <a:bodyPr lIns="0" rIns="0" tIns="0" bIns="0">
+          <a:bodyPr lIns="0" tIns="0" rIns="0" bIns="0">
             <a:normAutofit/>
           </a:bodyPr>
-          <a:p>
-            <a:endParaRPr b="0" lang="it-IT" sz="2800" spc="-1" strike="noStrike">
+          <a:lstStyle/>
+          <a:p>
+            <a:endParaRPr lang="it-IT" sz="2800" b="0" strike="noStrike" spc="-1">
               <a:solidFill>
                 <a:srgbClr val="000000"/>
               </a:solidFill>
@@ -3498,11 +3772,12 @@
           </a:prstGeom>
         </p:spPr>
         <p:txBody>
-          <a:bodyPr lIns="0" rIns="0" tIns="0" bIns="0">
+          <a:bodyPr lIns="0" tIns="0" rIns="0" bIns="0">
             <a:normAutofit/>
           </a:bodyPr>
-          <a:p>
-            <a:endParaRPr b="0" lang="it-IT" sz="2800" spc="-1" strike="noStrike">
+          <a:lstStyle/>
+          <a:p>
+            <a:endParaRPr lang="it-IT" sz="2800" b="0" strike="noStrike" spc="-1">
               <a:solidFill>
                 <a:srgbClr val="000000"/>
               </a:solidFill>
@@ -3531,11 +3806,12 @@
           </a:prstGeom>
         </p:spPr>
         <p:txBody>
-          <a:bodyPr lIns="0" rIns="0" tIns="0" bIns="0">
+          <a:bodyPr lIns="0" tIns="0" rIns="0" bIns="0">
             <a:normAutofit/>
           </a:bodyPr>
-          <a:p>
-            <a:endParaRPr b="0" lang="it-IT" sz="2800" spc="-1" strike="noStrike">
+          <a:lstStyle/>
+          <a:p>
+            <a:endParaRPr lang="it-IT" sz="2800" b="0" strike="noStrike" spc="-1">
               <a:solidFill>
                 <a:srgbClr val="000000"/>
               </a:solidFill>
@@ -3564,11 +3840,12 @@
           </a:prstGeom>
         </p:spPr>
         <p:txBody>
-          <a:bodyPr lIns="0" rIns="0" tIns="0" bIns="0">
+          <a:bodyPr lIns="0" tIns="0" rIns="0" bIns="0">
             <a:normAutofit/>
           </a:bodyPr>
-          <a:p>
-            <a:endParaRPr b="0" lang="it-IT" sz="2800" spc="-1" strike="noStrike">
+          <a:lstStyle/>
+          <a:p>
+            <a:endParaRPr lang="it-IT" sz="2800" b="0" strike="noStrike" spc="-1">
               <a:solidFill>
                 <a:srgbClr val="000000"/>
               </a:solidFill>
@@ -3597,11 +3874,12 @@
           </a:prstGeom>
         </p:spPr>
         <p:txBody>
-          <a:bodyPr lIns="0" rIns="0" tIns="0" bIns="0">
+          <a:bodyPr lIns="0" tIns="0" rIns="0" bIns="0">
             <a:normAutofit/>
           </a:bodyPr>
-          <a:p>
-            <a:endParaRPr b="0" lang="it-IT" sz="2800" spc="-1" strike="noStrike">
+          <a:lstStyle/>
+          <a:p>
+            <a:endParaRPr lang="it-IT" sz="2800" b="0" strike="noStrike" spc="-1">
               <a:solidFill>
                 <a:srgbClr val="000000"/>
               </a:solidFill>
@@ -3612,11 +3890,14 @@
       </p:sp>
     </p:spTree>
   </p:cSld>
+  <p:clrMapOvr>
+    <a:masterClrMapping/>
+  </p:clrMapOvr>
 </p:sldLayout>
 </file>
 
 <file path=ppt/slideLayouts/slideLayout4.xml><?xml version="1.0" encoding="utf-8"?>
-<p:sldLayout xmlns:a="http://schemas.openxmlformats.org/drawingml/2006/main" xmlns:p="http://schemas.openxmlformats.org/presentationml/2006/main" xmlns:r="http://schemas.openxmlformats.org/officeDocument/2006/relationships" xmlns:p14="http://schemas.microsoft.com/office/powerpoint/2010/main" xmlns:p15="http://schemas.microsoft.com/office/powerpoint/2012/main" xmlns:mc="http://schemas.openxmlformats.org/markup-compatibility/2006" type="twoObj" preserve="1">
+<p:sldLayout xmlns:a="http://schemas.openxmlformats.org/drawingml/2006/main" xmlns:r="http://schemas.openxmlformats.org/officeDocument/2006/relationships" xmlns:p="http://schemas.openxmlformats.org/presentationml/2006/main" type="twoObj" preserve="1">
   <p:cSld name="Title, 2 Content">
     <p:spTree>
       <p:nvGrpSpPr>
@@ -3652,9 +3933,10 @@
           </a:prstGeom>
         </p:spPr>
         <p:txBody>
-          <a:bodyPr lIns="0" rIns="0" tIns="0" bIns="0" anchor="ctr"/>
-          <a:p>
-            <a:endParaRPr b="0" lang="it-IT" sz="1800" spc="-1" strike="noStrike">
+          <a:bodyPr lIns="0" tIns="0" rIns="0" bIns="0" anchor="ctr"/>
+          <a:lstStyle/>
+          <a:p>
+            <a:endParaRPr lang="it-IT" sz="1800" b="0" strike="noStrike" spc="-1">
               <a:solidFill>
                 <a:srgbClr val="000000"/>
               </a:solidFill>
@@ -3683,11 +3965,12 @@
           </a:prstGeom>
         </p:spPr>
         <p:txBody>
-          <a:bodyPr lIns="0" rIns="0" tIns="0" bIns="0">
+          <a:bodyPr lIns="0" tIns="0" rIns="0" bIns="0">
             <a:normAutofit/>
           </a:bodyPr>
-          <a:p>
-            <a:endParaRPr b="0" lang="it-IT" sz="2800" spc="-1" strike="noStrike">
+          <a:lstStyle/>
+          <a:p>
+            <a:endParaRPr lang="it-IT" sz="2800" b="0" strike="noStrike" spc="-1">
               <a:solidFill>
                 <a:srgbClr val="000000"/>
               </a:solidFill>
@@ -3716,11 +3999,12 @@
           </a:prstGeom>
         </p:spPr>
         <p:txBody>
-          <a:bodyPr lIns="0" rIns="0" tIns="0" bIns="0">
+          <a:bodyPr lIns="0" tIns="0" rIns="0" bIns="0">
             <a:normAutofit/>
           </a:bodyPr>
-          <a:p>
-            <a:endParaRPr b="0" lang="it-IT" sz="2800" spc="-1" strike="noStrike">
+          <a:lstStyle/>
+          <a:p>
+            <a:endParaRPr lang="it-IT" sz="2800" b="0" strike="noStrike" spc="-1">
               <a:solidFill>
                 <a:srgbClr val="000000"/>
               </a:solidFill>
@@ -3731,11 +4015,14 @@
       </p:sp>
     </p:spTree>
   </p:cSld>
+  <p:clrMapOvr>
+    <a:masterClrMapping/>
+  </p:clrMapOvr>
 </p:sldLayout>
 </file>
 
 <file path=ppt/slideLayouts/slideLayout5.xml><?xml version="1.0" encoding="utf-8"?>
-<p:sldLayout xmlns:a="http://schemas.openxmlformats.org/drawingml/2006/main" xmlns:p="http://schemas.openxmlformats.org/presentationml/2006/main" xmlns:r="http://schemas.openxmlformats.org/officeDocument/2006/relationships" xmlns:p14="http://schemas.microsoft.com/office/powerpoint/2010/main" xmlns:p15="http://schemas.microsoft.com/office/powerpoint/2012/main" xmlns:mc="http://schemas.openxmlformats.org/markup-compatibility/2006" type="titleOnly" preserve="1">
+<p:sldLayout xmlns:a="http://schemas.openxmlformats.org/drawingml/2006/main" xmlns:r="http://schemas.openxmlformats.org/officeDocument/2006/relationships" xmlns:p="http://schemas.openxmlformats.org/presentationml/2006/main" type="titleOnly" preserve="1">
   <p:cSld name="Title Only">
     <p:spTree>
       <p:nvGrpSpPr>
@@ -3771,9 +4058,10 @@
           </a:prstGeom>
         </p:spPr>
         <p:txBody>
-          <a:bodyPr lIns="0" rIns="0" tIns="0" bIns="0" anchor="ctr"/>
-          <a:p>
-            <a:endParaRPr b="0" lang="it-IT" sz="1800" spc="-1" strike="noStrike">
+          <a:bodyPr lIns="0" tIns="0" rIns="0" bIns="0" anchor="ctr"/>
+          <a:lstStyle/>
+          <a:p>
+            <a:endParaRPr lang="it-IT" sz="1800" b="0" strike="noStrike" spc="-1">
               <a:solidFill>
                 <a:srgbClr val="000000"/>
               </a:solidFill>
@@ -3784,11 +4072,14 @@
       </p:sp>
     </p:spTree>
   </p:cSld>
+  <p:clrMapOvr>
+    <a:masterClrMapping/>
+  </p:clrMapOvr>
 </p:sldLayout>
 </file>
 
 <file path=ppt/slideLayouts/slideLayout6.xml><?xml version="1.0" encoding="utf-8"?>
-<p:sldLayout xmlns:a="http://schemas.openxmlformats.org/drawingml/2006/main" xmlns:p="http://schemas.openxmlformats.org/presentationml/2006/main" xmlns:r="http://schemas.openxmlformats.org/officeDocument/2006/relationships" xmlns:p14="http://schemas.microsoft.com/office/powerpoint/2010/main" xmlns:p15="http://schemas.microsoft.com/office/powerpoint/2012/main" xmlns:mc="http://schemas.openxmlformats.org/markup-compatibility/2006" type="objOnly" preserve="1">
+<p:sldLayout xmlns:a="http://schemas.openxmlformats.org/drawingml/2006/main" xmlns:r="http://schemas.openxmlformats.org/officeDocument/2006/relationships" xmlns:p="http://schemas.openxmlformats.org/presentationml/2006/main" type="objOnly" preserve="1">
   <p:cSld name="Centered Text">
     <p:spTree>
       <p:nvGrpSpPr>
@@ -3824,10 +4115,11 @@
           </a:prstGeom>
         </p:spPr>
         <p:txBody>
-          <a:bodyPr lIns="0" rIns="0" tIns="0" bIns="0" anchor="ctr"/>
+          <a:bodyPr lIns="0" tIns="0" rIns="0" bIns="0" anchor="ctr"/>
+          <a:lstStyle/>
           <a:p>
             <a:pPr algn="ctr"/>
-            <a:endParaRPr b="0" lang="it-IT" sz="3200" spc="-1" strike="noStrike">
+            <a:endParaRPr lang="it-IT" sz="3200" b="0" strike="noStrike" spc="-1">
               <a:latin typeface="Arial"/>
             </a:endParaRPr>
           </a:p>
@@ -3835,11 +4127,14 @@
       </p:sp>
     </p:spTree>
   </p:cSld>
+  <p:clrMapOvr>
+    <a:masterClrMapping/>
+  </p:clrMapOvr>
 </p:sldLayout>
 </file>
 
 <file path=ppt/slideLayouts/slideLayout7.xml><?xml version="1.0" encoding="utf-8"?>
-<p:sldLayout xmlns:a="http://schemas.openxmlformats.org/drawingml/2006/main" xmlns:p="http://schemas.openxmlformats.org/presentationml/2006/main" xmlns:r="http://schemas.openxmlformats.org/officeDocument/2006/relationships" xmlns:p14="http://schemas.microsoft.com/office/powerpoint/2010/main" xmlns:p15="http://schemas.microsoft.com/office/powerpoint/2012/main" xmlns:mc="http://schemas.openxmlformats.org/markup-compatibility/2006" type="twoObjAndObj" preserve="1">
+<p:sldLayout xmlns:a="http://schemas.openxmlformats.org/drawingml/2006/main" xmlns:r="http://schemas.openxmlformats.org/officeDocument/2006/relationships" xmlns:p="http://schemas.openxmlformats.org/presentationml/2006/main" type="twoObjAndObj" preserve="1">
   <p:cSld name="Title, 2 Content and Content">
     <p:spTree>
       <p:nvGrpSpPr>
@@ -3875,9 +4170,10 @@
           </a:prstGeom>
         </p:spPr>
         <p:txBody>
-          <a:bodyPr lIns="0" rIns="0" tIns="0" bIns="0" anchor="ctr"/>
-          <a:p>
-            <a:endParaRPr b="0" lang="it-IT" sz="1800" spc="-1" strike="noStrike">
+          <a:bodyPr lIns="0" tIns="0" rIns="0" bIns="0" anchor="ctr"/>
+          <a:lstStyle/>
+          <a:p>
+            <a:endParaRPr lang="it-IT" sz="1800" b="0" strike="noStrike" spc="-1">
               <a:solidFill>
                 <a:srgbClr val="000000"/>
               </a:solidFill>
@@ -3906,11 +4202,12 @@
           </a:prstGeom>
         </p:spPr>
         <p:txBody>
-          <a:bodyPr lIns="0" rIns="0" tIns="0" bIns="0">
+          <a:bodyPr lIns="0" tIns="0" rIns="0" bIns="0">
             <a:normAutofit/>
           </a:bodyPr>
-          <a:p>
-            <a:endParaRPr b="0" lang="it-IT" sz="2800" spc="-1" strike="noStrike">
+          <a:lstStyle/>
+          <a:p>
+            <a:endParaRPr lang="it-IT" sz="2800" b="0" strike="noStrike" spc="-1">
               <a:solidFill>
                 <a:srgbClr val="000000"/>
               </a:solidFill>
@@ -3939,11 +4236,12 @@
           </a:prstGeom>
         </p:spPr>
         <p:txBody>
-          <a:bodyPr lIns="0" rIns="0" tIns="0" bIns="0">
+          <a:bodyPr lIns="0" tIns="0" rIns="0" bIns="0">
             <a:normAutofit/>
           </a:bodyPr>
-          <a:p>
-            <a:endParaRPr b="0" lang="it-IT" sz="2800" spc="-1" strike="noStrike">
+          <a:lstStyle/>
+          <a:p>
+            <a:endParaRPr lang="it-IT" sz="2800" b="0" strike="noStrike" spc="-1">
               <a:solidFill>
                 <a:srgbClr val="000000"/>
               </a:solidFill>
@@ -3972,11 +4270,12 @@
           </a:prstGeom>
         </p:spPr>
         <p:txBody>
-          <a:bodyPr lIns="0" rIns="0" tIns="0" bIns="0">
+          <a:bodyPr lIns="0" tIns="0" rIns="0" bIns="0">
             <a:normAutofit/>
           </a:bodyPr>
-          <a:p>
-            <a:endParaRPr b="0" lang="it-IT" sz="2800" spc="-1" strike="noStrike">
+          <a:lstStyle/>
+          <a:p>
+            <a:endParaRPr lang="it-IT" sz="2800" b="0" strike="noStrike" spc="-1">
               <a:solidFill>
                 <a:srgbClr val="000000"/>
               </a:solidFill>
@@ -3987,11 +4286,14 @@
       </p:sp>
     </p:spTree>
   </p:cSld>
+  <p:clrMapOvr>
+    <a:masterClrMapping/>
+  </p:clrMapOvr>
 </p:sldLayout>
 </file>
 
 <file path=ppt/slideLayouts/slideLayout8.xml><?xml version="1.0" encoding="utf-8"?>
-<p:sldLayout xmlns:a="http://schemas.openxmlformats.org/drawingml/2006/main" xmlns:p="http://schemas.openxmlformats.org/presentationml/2006/main" xmlns:r="http://schemas.openxmlformats.org/officeDocument/2006/relationships" xmlns:p14="http://schemas.microsoft.com/office/powerpoint/2010/main" xmlns:p15="http://schemas.microsoft.com/office/powerpoint/2012/main" xmlns:mc="http://schemas.openxmlformats.org/markup-compatibility/2006" type="objAndTwoObj" preserve="1">
+<p:sldLayout xmlns:a="http://schemas.openxmlformats.org/drawingml/2006/main" xmlns:r="http://schemas.openxmlformats.org/officeDocument/2006/relationships" xmlns:p="http://schemas.openxmlformats.org/presentationml/2006/main" type="objAndTwoObj" preserve="1">
   <p:cSld name="Title Content and 2 Content">
     <p:spTree>
       <p:nvGrpSpPr>
@@ -4027,9 +4329,10 @@
           </a:prstGeom>
         </p:spPr>
         <p:txBody>
-          <a:bodyPr lIns="0" rIns="0" tIns="0" bIns="0" anchor="ctr"/>
-          <a:p>
-            <a:endParaRPr b="0" lang="it-IT" sz="1800" spc="-1" strike="noStrike">
+          <a:bodyPr lIns="0" tIns="0" rIns="0" bIns="0" anchor="ctr"/>
+          <a:lstStyle/>
+          <a:p>
+            <a:endParaRPr lang="it-IT" sz="1800" b="0" strike="noStrike" spc="-1">
               <a:solidFill>
                 <a:srgbClr val="000000"/>
               </a:solidFill>
@@ -4058,11 +4361,12 @@
           </a:prstGeom>
         </p:spPr>
         <p:txBody>
-          <a:bodyPr lIns="0" rIns="0" tIns="0" bIns="0">
+          <a:bodyPr lIns="0" tIns="0" rIns="0" bIns="0">
             <a:normAutofit/>
           </a:bodyPr>
-          <a:p>
-            <a:endParaRPr b="0" lang="it-IT" sz="2800" spc="-1" strike="noStrike">
+          <a:lstStyle/>
+          <a:p>
+            <a:endParaRPr lang="it-IT" sz="2800" b="0" strike="noStrike" spc="-1">
               <a:solidFill>
                 <a:srgbClr val="000000"/>
               </a:solidFill>
@@ -4091,11 +4395,12 @@
           </a:prstGeom>
         </p:spPr>
         <p:txBody>
-          <a:bodyPr lIns="0" rIns="0" tIns="0" bIns="0">
+          <a:bodyPr lIns="0" tIns="0" rIns="0" bIns="0">
             <a:normAutofit/>
           </a:bodyPr>
-          <a:p>
-            <a:endParaRPr b="0" lang="it-IT" sz="2800" spc="-1" strike="noStrike">
+          <a:lstStyle/>
+          <a:p>
+            <a:endParaRPr lang="it-IT" sz="2800" b="0" strike="noStrike" spc="-1">
               <a:solidFill>
                 <a:srgbClr val="000000"/>
               </a:solidFill>
@@ -4124,11 +4429,12 @@
           </a:prstGeom>
         </p:spPr>
         <p:txBody>
-          <a:bodyPr lIns="0" rIns="0" tIns="0" bIns="0">
+          <a:bodyPr lIns="0" tIns="0" rIns="0" bIns="0">
             <a:normAutofit/>
           </a:bodyPr>
-          <a:p>
-            <a:endParaRPr b="0" lang="it-IT" sz="2800" spc="-1" strike="noStrike">
+          <a:lstStyle/>
+          <a:p>
+            <a:endParaRPr lang="it-IT" sz="2800" b="0" strike="noStrike" spc="-1">
               <a:solidFill>
                 <a:srgbClr val="000000"/>
               </a:solidFill>
@@ -4139,11 +4445,14 @@
       </p:sp>
     </p:spTree>
   </p:cSld>
+  <p:clrMapOvr>
+    <a:masterClrMapping/>
+  </p:clrMapOvr>
 </p:sldLayout>
 </file>
 
 <file path=ppt/slideLayouts/slideLayout9.xml><?xml version="1.0" encoding="utf-8"?>
-<p:sldLayout xmlns:a="http://schemas.openxmlformats.org/drawingml/2006/main" xmlns:p="http://schemas.openxmlformats.org/presentationml/2006/main" xmlns:r="http://schemas.openxmlformats.org/officeDocument/2006/relationships" xmlns:p14="http://schemas.microsoft.com/office/powerpoint/2010/main" xmlns:p15="http://schemas.microsoft.com/office/powerpoint/2012/main" xmlns:mc="http://schemas.openxmlformats.org/markup-compatibility/2006" type="twoObjOverTx" preserve="1">
+<p:sldLayout xmlns:a="http://schemas.openxmlformats.org/drawingml/2006/main" xmlns:r="http://schemas.openxmlformats.org/officeDocument/2006/relationships" xmlns:p="http://schemas.openxmlformats.org/presentationml/2006/main" type="twoObjOverTx" preserve="1">
   <p:cSld name="Title, 2 Content over Content">
     <p:spTree>
       <p:nvGrpSpPr>
@@ -4179,9 +4488,10 @@
           </a:prstGeom>
         </p:spPr>
         <p:txBody>
-          <a:bodyPr lIns="0" rIns="0" tIns="0" bIns="0" anchor="ctr"/>
-          <a:p>
-            <a:endParaRPr b="0" lang="it-IT" sz="1800" spc="-1" strike="noStrike">
+          <a:bodyPr lIns="0" tIns="0" rIns="0" bIns="0" anchor="ctr"/>
+          <a:lstStyle/>
+          <a:p>
+            <a:endParaRPr lang="it-IT" sz="1800" b="0" strike="noStrike" spc="-1">
               <a:solidFill>
                 <a:srgbClr val="000000"/>
               </a:solidFill>
@@ -4210,11 +4520,12 @@
           </a:prstGeom>
         </p:spPr>
         <p:txBody>
-          <a:bodyPr lIns="0" rIns="0" tIns="0" bIns="0">
+          <a:bodyPr lIns="0" tIns="0" rIns="0" bIns="0">
             <a:normAutofit/>
           </a:bodyPr>
-          <a:p>
-            <a:endParaRPr b="0" lang="it-IT" sz="2800" spc="-1" strike="noStrike">
+          <a:lstStyle/>
+          <a:p>
+            <a:endParaRPr lang="it-IT" sz="2800" b="0" strike="noStrike" spc="-1">
               <a:solidFill>
                 <a:srgbClr val="000000"/>
               </a:solidFill>
@@ -4243,11 +4554,12 @@
           </a:prstGeom>
         </p:spPr>
         <p:txBody>
-          <a:bodyPr lIns="0" rIns="0" tIns="0" bIns="0">
+          <a:bodyPr lIns="0" tIns="0" rIns="0" bIns="0">
             <a:normAutofit/>
           </a:bodyPr>
-          <a:p>
-            <a:endParaRPr b="0" lang="it-IT" sz="2800" spc="-1" strike="noStrike">
+          <a:lstStyle/>
+          <a:p>
+            <a:endParaRPr lang="it-IT" sz="2800" b="0" strike="noStrike" spc="-1">
               <a:solidFill>
                 <a:srgbClr val="000000"/>
               </a:solidFill>
@@ -4276,11 +4588,12 @@
           </a:prstGeom>
         </p:spPr>
         <p:txBody>
-          <a:bodyPr lIns="0" rIns="0" tIns="0" bIns="0">
+          <a:bodyPr lIns="0" tIns="0" rIns="0" bIns="0">
             <a:normAutofit/>
           </a:bodyPr>
-          <a:p>
-            <a:endParaRPr b="0" lang="it-IT" sz="2800" spc="-1" strike="noStrike">
+          <a:lstStyle/>
+          <a:p>
+            <a:endParaRPr lang="it-IT" sz="2800" b="0" strike="noStrike" spc="-1">
               <a:solidFill>
                 <a:srgbClr val="000000"/>
               </a:solidFill>
@@ -4291,17 +4604,21 @@
       </p:sp>
     </p:spTree>
   </p:cSld>
+  <p:clrMapOvr>
+    <a:masterClrMapping/>
+  </p:clrMapOvr>
 </p:sldLayout>
 </file>
 
 <file path=ppt/slideMasters/slideMaster1.xml><?xml version="1.0" encoding="utf-8"?>
-<p:sldMaster xmlns:a="http://schemas.openxmlformats.org/drawingml/2006/main" xmlns:p="http://schemas.openxmlformats.org/presentationml/2006/main" xmlns:r="http://schemas.openxmlformats.org/officeDocument/2006/relationships" xmlns:p14="http://schemas.microsoft.com/office/powerpoint/2010/main" xmlns:p15="http://schemas.microsoft.com/office/powerpoint/2012/main" xmlns:mc="http://schemas.openxmlformats.org/markup-compatibility/2006">
+<p:sldMaster xmlns:a="http://schemas.openxmlformats.org/drawingml/2006/main" xmlns:r="http://schemas.openxmlformats.org/officeDocument/2006/relationships" xmlns:p="http://schemas.openxmlformats.org/presentationml/2006/main">
   <p:cSld>
     <p:bg>
       <p:bgPr>
         <a:solidFill>
-          <a:srgbClr val="ffffff"/>
+          <a:srgbClr val="FFFFFF"/>
         </a:solidFill>
+        <a:effectLst/>
       </p:bgPr>
     </p:bg>
     <p:spTree>
@@ -4320,7 +4637,7 @@
       </p:grpSpPr>
       <p:sp>
         <p:nvSpPr>
-          <p:cNvPr id="0" name="PlaceHolder 1"/>
+          <p:cNvPr id="2" name="PlaceHolder 1"/>
           <p:cNvSpPr>
             <a:spLocks noGrp="1"/>
           </p:cNvSpPr>
@@ -4338,10 +4655,11 @@
           </a:prstGeom>
         </p:spPr>
         <p:txBody>
-          <a:bodyPr lIns="0" rIns="0" tIns="0" bIns="0" anchor="ctr"/>
+          <a:bodyPr lIns="0" tIns="0" rIns="0" bIns="0" anchor="ctr"/>
+          <a:lstStyle/>
           <a:p>
             <a:r>
-              <a:rPr b="0" lang="it-IT" sz="1800" spc="-1" strike="noStrike">
+              <a:rPr lang="it-IT" sz="1800" b="0" strike="noStrike" spc="-1">
                 <a:solidFill>
                   <a:srgbClr val="000000"/>
                 </a:solidFill>
@@ -4349,18 +4667,12 @@
               </a:rPr>
               <a:t>Click to edit the title text format</a:t>
             </a:r>
-            <a:endParaRPr b="0" lang="it-IT" sz="1800" spc="-1" strike="noStrike">
-              <a:solidFill>
-                <a:srgbClr val="000000"/>
-              </a:solidFill>
-              <a:latin typeface="Arial"/>
-            </a:endParaRPr>
-          </a:p>
-        </p:txBody>
-      </p:sp>
-      <p:sp>
-        <p:nvSpPr>
-          <p:cNvPr id="1" name="PlaceHolder 2"/>
+          </a:p>
+        </p:txBody>
+      </p:sp>
+      <p:sp>
+        <p:nvSpPr>
+          <p:cNvPr id="3" name="PlaceHolder 2"/>
           <p:cNvSpPr>
             <a:spLocks noGrp="1"/>
           </p:cNvSpPr>
@@ -4378,9 +4690,10 @@
           </a:prstGeom>
         </p:spPr>
         <p:txBody>
-          <a:bodyPr lIns="0" rIns="0" tIns="0" bIns="0">
+          <a:bodyPr lIns="0" tIns="0" rIns="0" bIns="0">
             <a:normAutofit/>
           </a:bodyPr>
+          <a:lstStyle/>
           <a:p>
             <a:pPr marL="432000" indent="-324000">
               <a:spcBef>
@@ -4394,7 +4707,7 @@
               <a:buChar char=""/>
             </a:pPr>
             <a:r>
-              <a:rPr b="0" lang="it-IT" sz="2800" spc="-1" strike="noStrike">
+              <a:rPr lang="it-IT" sz="2800" b="0" strike="noStrike" spc="-1">
                 <a:solidFill>
                   <a:srgbClr val="000000"/>
                 </a:solidFill>
@@ -4402,15 +4715,9 @@
               </a:rPr>
               <a:t>Click to edit the outline text format</a:t>
             </a:r>
-            <a:endParaRPr b="0" lang="it-IT" sz="2800" spc="-1" strike="noStrike">
-              <a:solidFill>
-                <a:srgbClr val="000000"/>
-              </a:solidFill>
-              <a:latin typeface="Arial"/>
-            </a:endParaRPr>
-          </a:p>
-          <a:p>
-            <a:pPr lvl="1" marL="864000" indent="-324000">
+          </a:p>
+          <a:p>
+            <a:pPr marL="864000" lvl="1" indent="-324000">
               <a:spcBef>
                 <a:spcPts val="1134"/>
               </a:spcBef>
@@ -4422,7 +4729,7 @@
               <a:buChar char=""/>
             </a:pPr>
             <a:r>
-              <a:rPr b="0" lang="it-IT" sz="2000" spc="-1" strike="noStrike">
+              <a:rPr lang="it-IT" sz="2000" b="0" strike="noStrike" spc="-1">
                 <a:solidFill>
                   <a:srgbClr val="000000"/>
                 </a:solidFill>
@@ -4430,15 +4737,9 @@
               </a:rPr>
               <a:t>Second Outline Level</a:t>
             </a:r>
-            <a:endParaRPr b="0" lang="it-IT" sz="2000" spc="-1" strike="noStrike">
-              <a:solidFill>
-                <a:srgbClr val="000000"/>
-              </a:solidFill>
-              <a:latin typeface="Arial"/>
-            </a:endParaRPr>
-          </a:p>
-          <a:p>
-            <a:pPr lvl="2" marL="1296000" indent="-288000">
+          </a:p>
+          <a:p>
+            <a:pPr marL="1296000" lvl="2" indent="-288000">
               <a:spcBef>
                 <a:spcPts val="850"/>
               </a:spcBef>
@@ -4450,7 +4751,7 @@
               <a:buChar char=""/>
             </a:pPr>
             <a:r>
-              <a:rPr b="0" lang="it-IT" sz="1800" spc="-1" strike="noStrike">
+              <a:rPr lang="it-IT" sz="1800" b="0" strike="noStrike" spc="-1">
                 <a:solidFill>
                   <a:srgbClr val="000000"/>
                 </a:solidFill>
@@ -4458,15 +4759,9 @@
               </a:rPr>
               <a:t>Third Outline Level</a:t>
             </a:r>
-            <a:endParaRPr b="0" lang="it-IT" sz="1800" spc="-1" strike="noStrike">
-              <a:solidFill>
-                <a:srgbClr val="000000"/>
-              </a:solidFill>
-              <a:latin typeface="Arial"/>
-            </a:endParaRPr>
-          </a:p>
-          <a:p>
-            <a:pPr lvl="3" marL="1728000" indent="-216000">
+          </a:p>
+          <a:p>
+            <a:pPr marL="1728000" lvl="3" indent="-216000">
               <a:spcBef>
                 <a:spcPts val="567"/>
               </a:spcBef>
@@ -4478,7 +4773,7 @@
               <a:buChar char=""/>
             </a:pPr>
             <a:r>
-              <a:rPr b="0" lang="it-IT" sz="1800" spc="-1" strike="noStrike">
+              <a:rPr lang="it-IT" sz="1800" b="0" strike="noStrike" spc="-1">
                 <a:solidFill>
                   <a:srgbClr val="000000"/>
                 </a:solidFill>
@@ -4486,15 +4781,9 @@
               </a:rPr>
               <a:t>Fourth Outline Level</a:t>
             </a:r>
-            <a:endParaRPr b="0" lang="it-IT" sz="1800" spc="-1" strike="noStrike">
-              <a:solidFill>
-                <a:srgbClr val="000000"/>
-              </a:solidFill>
-              <a:latin typeface="Arial"/>
-            </a:endParaRPr>
-          </a:p>
-          <a:p>
-            <a:pPr lvl="4" marL="2160000" indent="-216000">
+          </a:p>
+          <a:p>
+            <a:pPr marL="2160000" lvl="4" indent="-216000">
               <a:spcBef>
                 <a:spcPts val="283"/>
               </a:spcBef>
@@ -4506,7 +4795,7 @@
               <a:buChar char=""/>
             </a:pPr>
             <a:r>
-              <a:rPr b="0" lang="it-IT" sz="2000" spc="-1" strike="noStrike">
+              <a:rPr lang="it-IT" sz="2000" b="0" strike="noStrike" spc="-1">
                 <a:solidFill>
                   <a:srgbClr val="000000"/>
                 </a:solidFill>
@@ -4514,15 +4803,9 @@
               </a:rPr>
               <a:t>Fifth Outline Level</a:t>
             </a:r>
-            <a:endParaRPr b="0" lang="it-IT" sz="2000" spc="-1" strike="noStrike">
-              <a:solidFill>
-                <a:srgbClr val="000000"/>
-              </a:solidFill>
-              <a:latin typeface="Arial"/>
-            </a:endParaRPr>
-          </a:p>
-          <a:p>
-            <a:pPr lvl="5" marL="2592000" indent="-216000">
+          </a:p>
+          <a:p>
+            <a:pPr marL="2592000" lvl="5" indent="-216000">
               <a:spcBef>
                 <a:spcPts val="283"/>
               </a:spcBef>
@@ -4534,7 +4817,7 @@
               <a:buChar char=""/>
             </a:pPr>
             <a:r>
-              <a:rPr b="0" lang="it-IT" sz="2000" spc="-1" strike="noStrike">
+              <a:rPr lang="it-IT" sz="2000" b="0" strike="noStrike" spc="-1">
                 <a:solidFill>
                   <a:srgbClr val="000000"/>
                 </a:solidFill>
@@ -4542,15 +4825,9 @@
               </a:rPr>
               <a:t>Sixth Outline Level</a:t>
             </a:r>
-            <a:endParaRPr b="0" lang="it-IT" sz="2000" spc="-1" strike="noStrike">
-              <a:solidFill>
-                <a:srgbClr val="000000"/>
-              </a:solidFill>
-              <a:latin typeface="Arial"/>
-            </a:endParaRPr>
-          </a:p>
-          <a:p>
-            <a:pPr lvl="6" marL="3024000" indent="-216000">
+          </a:p>
+          <a:p>
+            <a:pPr marL="3024000" lvl="6" indent="-216000">
               <a:spcBef>
                 <a:spcPts val="283"/>
               </a:spcBef>
@@ -4562,7 +4839,7 @@
               <a:buChar char=""/>
             </a:pPr>
             <a:r>
-              <a:rPr b="0" lang="it-IT" sz="2000" spc="-1" strike="noStrike">
+              <a:rPr lang="it-IT" sz="2000" b="0" strike="noStrike" spc="-1">
                 <a:solidFill>
                   <a:srgbClr val="000000"/>
                 </a:solidFill>
@@ -4570,43 +4847,318 @@
               </a:rPr>
               <a:t>Seventh Outline Level</a:t>
             </a:r>
-            <a:endParaRPr b="0" lang="it-IT" sz="2000" spc="-1" strike="noStrike">
-              <a:solidFill>
-                <a:srgbClr val="000000"/>
-              </a:solidFill>
-              <a:latin typeface="Arial"/>
-            </a:endParaRPr>
           </a:p>
         </p:txBody>
       </p:sp>
     </p:spTree>
   </p:cSld>
-  <p:clrMap bg1="lt1" bg2="lt2" tx1="dk1" tx2="dk2" accent1="accent1" accent2="accent2" accent3="accent3" accent4="accent4" accent5="accent5" accent6="accent6" hlink="hlink" folHlink="folHlink"/>
+  <p:clrMap bg1="lt1" tx1="dk1" bg2="lt2" tx2="dk2" accent1="accent1" accent2="accent2" accent3="accent3" accent4="accent4" accent5="accent5" accent6="accent6" hlink="hlink" folHlink="folHlink"/>
   <p:sldLayoutIdLst>
-    <p:sldLayoutId id="2147483649" r:id="rId2"/>
-    <p:sldLayoutId id="2147483650" r:id="rId3"/>
-    <p:sldLayoutId id="2147483651" r:id="rId4"/>
-    <p:sldLayoutId id="2147483652" r:id="rId5"/>
-    <p:sldLayoutId id="2147483653" r:id="rId6"/>
-    <p:sldLayoutId id="2147483654" r:id="rId7"/>
-    <p:sldLayoutId id="2147483655" r:id="rId8"/>
-    <p:sldLayoutId id="2147483656" r:id="rId9"/>
-    <p:sldLayoutId id="2147483657" r:id="rId10"/>
-    <p:sldLayoutId id="2147483658" r:id="rId11"/>
-    <p:sldLayoutId id="2147483659" r:id="rId12"/>
-    <p:sldLayoutId id="2147483660" r:id="rId13"/>
+    <p:sldLayoutId id="2147483649" r:id="rId1"/>
+    <p:sldLayoutId id="2147483650" r:id="rId2"/>
+    <p:sldLayoutId id="2147483651" r:id="rId3"/>
+    <p:sldLayoutId id="2147483652" r:id="rId4"/>
+    <p:sldLayoutId id="2147483653" r:id="rId5"/>
+    <p:sldLayoutId id="2147483654" r:id="rId6"/>
+    <p:sldLayoutId id="2147483655" r:id="rId7"/>
+    <p:sldLayoutId id="2147483656" r:id="rId8"/>
+    <p:sldLayoutId id="2147483657" r:id="rId9"/>
+    <p:sldLayoutId id="2147483658" r:id="rId10"/>
+    <p:sldLayoutId id="2147483659" r:id="rId11"/>
+    <p:sldLayoutId id="2147483660" r:id="rId12"/>
   </p:sldLayoutIdLst>
+  <p:txStyles>
+    <p:titleStyle>
+      <a:lvl1pPr algn="l" defTabSz="914400" rtl="0" eaLnBrk="1" latinLnBrk="0" hangingPunct="1">
+        <a:lnSpc>
+          <a:spcPct val="90000"/>
+        </a:lnSpc>
+        <a:spcBef>
+          <a:spcPct val="0"/>
+        </a:spcBef>
+        <a:buNone/>
+        <a:defRPr sz="4400" kern="1200">
+          <a:solidFill>
+            <a:schemeClr val="tx1"/>
+          </a:solidFill>
+          <a:latin typeface="+mj-lt"/>
+          <a:ea typeface="+mj-ea"/>
+          <a:cs typeface="+mj-cs"/>
+        </a:defRPr>
+      </a:lvl1pPr>
+    </p:titleStyle>
+    <p:bodyStyle>
+      <a:lvl1pPr marL="228600" indent="-228600" algn="l" defTabSz="914400" rtl="0" eaLnBrk="1" latinLnBrk="0" hangingPunct="1">
+        <a:lnSpc>
+          <a:spcPct val="90000"/>
+        </a:lnSpc>
+        <a:spcBef>
+          <a:spcPts val="1000"/>
+        </a:spcBef>
+        <a:buFont typeface="Arial" panose="020B0604020202020204" pitchFamily="34" charset="0"/>
+        <a:buChar char="•"/>
+        <a:defRPr sz="2800" kern="1200">
+          <a:solidFill>
+            <a:schemeClr val="tx1"/>
+          </a:solidFill>
+          <a:latin typeface="+mn-lt"/>
+          <a:ea typeface="+mn-ea"/>
+          <a:cs typeface="+mn-cs"/>
+        </a:defRPr>
+      </a:lvl1pPr>
+      <a:lvl2pPr marL="685800" indent="-228600" algn="l" defTabSz="914400" rtl="0" eaLnBrk="1" latinLnBrk="0" hangingPunct="1">
+        <a:lnSpc>
+          <a:spcPct val="90000"/>
+        </a:lnSpc>
+        <a:spcBef>
+          <a:spcPts val="500"/>
+        </a:spcBef>
+        <a:buFont typeface="Arial" panose="020B0604020202020204" pitchFamily="34" charset="0"/>
+        <a:buChar char="•"/>
+        <a:defRPr sz="2400" kern="1200">
+          <a:solidFill>
+            <a:schemeClr val="tx1"/>
+          </a:solidFill>
+          <a:latin typeface="+mn-lt"/>
+          <a:ea typeface="+mn-ea"/>
+          <a:cs typeface="+mn-cs"/>
+        </a:defRPr>
+      </a:lvl2pPr>
+      <a:lvl3pPr marL="1143000" indent="-228600" algn="l" defTabSz="914400" rtl="0" eaLnBrk="1" latinLnBrk="0" hangingPunct="1">
+        <a:lnSpc>
+          <a:spcPct val="90000"/>
+        </a:lnSpc>
+        <a:spcBef>
+          <a:spcPts val="500"/>
+        </a:spcBef>
+        <a:buFont typeface="Arial" panose="020B0604020202020204" pitchFamily="34" charset="0"/>
+        <a:buChar char="•"/>
+        <a:defRPr sz="2000" kern="1200">
+          <a:solidFill>
+            <a:schemeClr val="tx1"/>
+          </a:solidFill>
+          <a:latin typeface="+mn-lt"/>
+          <a:ea typeface="+mn-ea"/>
+          <a:cs typeface="+mn-cs"/>
+        </a:defRPr>
+      </a:lvl3pPr>
+      <a:lvl4pPr marL="1600200" indent="-228600" algn="l" defTabSz="914400" rtl="0" eaLnBrk="1" latinLnBrk="0" hangingPunct="1">
+        <a:lnSpc>
+          <a:spcPct val="90000"/>
+        </a:lnSpc>
+        <a:spcBef>
+          <a:spcPts val="500"/>
+        </a:spcBef>
+        <a:buFont typeface="Arial" panose="020B0604020202020204" pitchFamily="34" charset="0"/>
+        <a:buChar char="•"/>
+        <a:defRPr sz="1800" kern="1200">
+          <a:solidFill>
+            <a:schemeClr val="tx1"/>
+          </a:solidFill>
+          <a:latin typeface="+mn-lt"/>
+          <a:ea typeface="+mn-ea"/>
+          <a:cs typeface="+mn-cs"/>
+        </a:defRPr>
+      </a:lvl4pPr>
+      <a:lvl5pPr marL="2057400" indent="-228600" algn="l" defTabSz="914400" rtl="0" eaLnBrk="1" latinLnBrk="0" hangingPunct="1">
+        <a:lnSpc>
+          <a:spcPct val="90000"/>
+        </a:lnSpc>
+        <a:spcBef>
+          <a:spcPts val="500"/>
+        </a:spcBef>
+        <a:buFont typeface="Arial" panose="020B0604020202020204" pitchFamily="34" charset="0"/>
+        <a:buChar char="•"/>
+        <a:defRPr sz="1800" kern="1200">
+          <a:solidFill>
+            <a:schemeClr val="tx1"/>
+          </a:solidFill>
+          <a:latin typeface="+mn-lt"/>
+          <a:ea typeface="+mn-ea"/>
+          <a:cs typeface="+mn-cs"/>
+        </a:defRPr>
+      </a:lvl5pPr>
+      <a:lvl6pPr marL="2514600" indent="-228600" algn="l" defTabSz="914400" rtl="0" eaLnBrk="1" latinLnBrk="0" hangingPunct="1">
+        <a:lnSpc>
+          <a:spcPct val="90000"/>
+        </a:lnSpc>
+        <a:spcBef>
+          <a:spcPts val="500"/>
+        </a:spcBef>
+        <a:buFont typeface="Arial" panose="020B0604020202020204" pitchFamily="34" charset="0"/>
+        <a:buChar char="•"/>
+        <a:defRPr sz="1800" kern="1200">
+          <a:solidFill>
+            <a:schemeClr val="tx1"/>
+          </a:solidFill>
+          <a:latin typeface="+mn-lt"/>
+          <a:ea typeface="+mn-ea"/>
+          <a:cs typeface="+mn-cs"/>
+        </a:defRPr>
+      </a:lvl6pPr>
+      <a:lvl7pPr marL="2971800" indent="-228600" algn="l" defTabSz="914400" rtl="0" eaLnBrk="1" latinLnBrk="0" hangingPunct="1">
+        <a:lnSpc>
+          <a:spcPct val="90000"/>
+        </a:lnSpc>
+        <a:spcBef>
+          <a:spcPts val="500"/>
+        </a:spcBef>
+        <a:buFont typeface="Arial" panose="020B0604020202020204" pitchFamily="34" charset="0"/>
+        <a:buChar char="•"/>
+        <a:defRPr sz="1800" kern="1200">
+          <a:solidFill>
+            <a:schemeClr val="tx1"/>
+          </a:solidFill>
+          <a:latin typeface="+mn-lt"/>
+          <a:ea typeface="+mn-ea"/>
+          <a:cs typeface="+mn-cs"/>
+        </a:defRPr>
+      </a:lvl7pPr>
+      <a:lvl8pPr marL="3429000" indent="-228600" algn="l" defTabSz="914400" rtl="0" eaLnBrk="1" latinLnBrk="0" hangingPunct="1">
+        <a:lnSpc>
+          <a:spcPct val="90000"/>
+        </a:lnSpc>
+        <a:spcBef>
+          <a:spcPts val="500"/>
+        </a:spcBef>
+        <a:buFont typeface="Arial" panose="020B0604020202020204" pitchFamily="34" charset="0"/>
+        <a:buChar char="•"/>
+        <a:defRPr sz="1800" kern="1200">
+          <a:solidFill>
+            <a:schemeClr val="tx1"/>
+          </a:solidFill>
+          <a:latin typeface="+mn-lt"/>
+          <a:ea typeface="+mn-ea"/>
+          <a:cs typeface="+mn-cs"/>
+        </a:defRPr>
+      </a:lvl8pPr>
+      <a:lvl9pPr marL="3886200" indent="-228600" algn="l" defTabSz="914400" rtl="0" eaLnBrk="1" latinLnBrk="0" hangingPunct="1">
+        <a:lnSpc>
+          <a:spcPct val="90000"/>
+        </a:lnSpc>
+        <a:spcBef>
+          <a:spcPts val="500"/>
+        </a:spcBef>
+        <a:buFont typeface="Arial" panose="020B0604020202020204" pitchFamily="34" charset="0"/>
+        <a:buChar char="•"/>
+        <a:defRPr sz="1800" kern="1200">
+          <a:solidFill>
+            <a:schemeClr val="tx1"/>
+          </a:solidFill>
+          <a:latin typeface="+mn-lt"/>
+          <a:ea typeface="+mn-ea"/>
+          <a:cs typeface="+mn-cs"/>
+        </a:defRPr>
+      </a:lvl9pPr>
+    </p:bodyStyle>
+    <p:otherStyle>
+      <a:defPPr>
+        <a:defRPr lang="it-IT"/>
+      </a:defPPr>
+      <a:lvl1pPr marL="0" algn="l" defTabSz="914400" rtl="0" eaLnBrk="1" latinLnBrk="0" hangingPunct="1">
+        <a:defRPr sz="1800" kern="1200">
+          <a:solidFill>
+            <a:schemeClr val="tx1"/>
+          </a:solidFill>
+          <a:latin typeface="+mn-lt"/>
+          <a:ea typeface="+mn-ea"/>
+          <a:cs typeface="+mn-cs"/>
+        </a:defRPr>
+      </a:lvl1pPr>
+      <a:lvl2pPr marL="457200" algn="l" defTabSz="914400" rtl="0" eaLnBrk="1" latinLnBrk="0" hangingPunct="1">
+        <a:defRPr sz="1800" kern="1200">
+          <a:solidFill>
+            <a:schemeClr val="tx1"/>
+          </a:solidFill>
+          <a:latin typeface="+mn-lt"/>
+          <a:ea typeface="+mn-ea"/>
+          <a:cs typeface="+mn-cs"/>
+        </a:defRPr>
+      </a:lvl2pPr>
+      <a:lvl3pPr marL="914400" algn="l" defTabSz="914400" rtl="0" eaLnBrk="1" latinLnBrk="0" hangingPunct="1">
+        <a:defRPr sz="1800" kern="1200">
+          <a:solidFill>
+            <a:schemeClr val="tx1"/>
+          </a:solidFill>
+          <a:latin typeface="+mn-lt"/>
+          <a:ea typeface="+mn-ea"/>
+          <a:cs typeface="+mn-cs"/>
+        </a:defRPr>
+      </a:lvl3pPr>
+      <a:lvl4pPr marL="1371600" algn="l" defTabSz="914400" rtl="0" eaLnBrk="1" latinLnBrk="0" hangingPunct="1">
+        <a:defRPr sz="1800" kern="1200">
+          <a:solidFill>
+            <a:schemeClr val="tx1"/>
+          </a:solidFill>
+          <a:latin typeface="+mn-lt"/>
+          <a:ea typeface="+mn-ea"/>
+          <a:cs typeface="+mn-cs"/>
+        </a:defRPr>
+      </a:lvl4pPr>
+      <a:lvl5pPr marL="1828800" algn="l" defTabSz="914400" rtl="0" eaLnBrk="1" latinLnBrk="0" hangingPunct="1">
+        <a:defRPr sz="1800" kern="1200">
+          <a:solidFill>
+            <a:schemeClr val="tx1"/>
+          </a:solidFill>
+          <a:latin typeface="+mn-lt"/>
+          <a:ea typeface="+mn-ea"/>
+          <a:cs typeface="+mn-cs"/>
+        </a:defRPr>
+      </a:lvl5pPr>
+      <a:lvl6pPr marL="2286000" algn="l" defTabSz="914400" rtl="0" eaLnBrk="1" latinLnBrk="0" hangingPunct="1">
+        <a:defRPr sz="1800" kern="1200">
+          <a:solidFill>
+            <a:schemeClr val="tx1"/>
+          </a:solidFill>
+          <a:latin typeface="+mn-lt"/>
+          <a:ea typeface="+mn-ea"/>
+          <a:cs typeface="+mn-cs"/>
+        </a:defRPr>
+      </a:lvl6pPr>
+      <a:lvl7pPr marL="2743200" algn="l" defTabSz="914400" rtl="0" eaLnBrk="1" latinLnBrk="0" hangingPunct="1">
+        <a:defRPr sz="1800" kern="1200">
+          <a:solidFill>
+            <a:schemeClr val="tx1"/>
+          </a:solidFill>
+          <a:latin typeface="+mn-lt"/>
+          <a:ea typeface="+mn-ea"/>
+          <a:cs typeface="+mn-cs"/>
+        </a:defRPr>
+      </a:lvl7pPr>
+      <a:lvl8pPr marL="3200400" algn="l" defTabSz="914400" rtl="0" eaLnBrk="1" latinLnBrk="0" hangingPunct="1">
+        <a:defRPr sz="1800" kern="1200">
+          <a:solidFill>
+            <a:schemeClr val="tx1"/>
+          </a:solidFill>
+          <a:latin typeface="+mn-lt"/>
+          <a:ea typeface="+mn-ea"/>
+          <a:cs typeface="+mn-cs"/>
+        </a:defRPr>
+      </a:lvl8pPr>
+      <a:lvl9pPr marL="3657600" algn="l" defTabSz="914400" rtl="0" eaLnBrk="1" latinLnBrk="0" hangingPunct="1">
+        <a:defRPr sz="1800" kern="1200">
+          <a:solidFill>
+            <a:schemeClr val="tx1"/>
+          </a:solidFill>
+          <a:latin typeface="+mn-lt"/>
+          <a:ea typeface="+mn-ea"/>
+          <a:cs typeface="+mn-cs"/>
+        </a:defRPr>
+      </a:lvl9pPr>
+    </p:otherStyle>
+  </p:txStyles>
 </p:sldMaster>
 </file>
 
 <file path=ppt/slideMasters/slideMaster2.xml><?xml version="1.0" encoding="utf-8"?>
-<p:sldMaster xmlns:a="http://schemas.openxmlformats.org/drawingml/2006/main" xmlns:p="http://schemas.openxmlformats.org/presentationml/2006/main" xmlns:r="http://schemas.openxmlformats.org/officeDocument/2006/relationships" xmlns:p14="http://schemas.microsoft.com/office/powerpoint/2010/main" xmlns:p15="http://schemas.microsoft.com/office/powerpoint/2012/main" xmlns:mc="http://schemas.openxmlformats.org/markup-compatibility/2006">
+<p:sldMaster xmlns:a="http://schemas.openxmlformats.org/drawingml/2006/main" xmlns:r="http://schemas.openxmlformats.org/officeDocument/2006/relationships" xmlns:p="http://schemas.openxmlformats.org/presentationml/2006/main">
   <p:cSld>
     <p:bg>
       <p:bgPr>
         <a:solidFill>
-          <a:srgbClr val="ffffff"/>
+          <a:srgbClr val="FFFFFF"/>
         </a:solidFill>
+        <a:effectLst/>
       </p:bgPr>
     </p:bg>
     <p:spTree>
@@ -4643,10 +5195,11 @@
           </a:prstGeom>
         </p:spPr>
         <p:txBody>
-          <a:bodyPr lIns="0" rIns="0" tIns="0" bIns="0" anchor="ctr"/>
+          <a:bodyPr lIns="0" tIns="0" rIns="0" bIns="0" anchor="ctr"/>
+          <a:lstStyle/>
           <a:p>
             <a:r>
-              <a:rPr b="0" lang="it-IT" sz="4400" spc="-1" strike="noStrike">
+              <a:rPr lang="it-IT" sz="4400" b="0" strike="noStrike" spc="-1">
                 <a:solidFill>
                   <a:srgbClr val="000000"/>
                 </a:solidFill>
@@ -4654,12 +5207,6 @@
               </a:rPr>
               <a:t>Click to edit the title text format</a:t>
             </a:r>
-            <a:endParaRPr b="0" lang="it-IT" sz="4400" spc="-1" strike="noStrike">
-              <a:solidFill>
-                <a:srgbClr val="000000"/>
-              </a:solidFill>
-              <a:latin typeface="Arial"/>
-            </a:endParaRPr>
           </a:p>
         </p:txBody>
       </p:sp>
@@ -4683,9 +5230,10 @@
           </a:prstGeom>
         </p:spPr>
         <p:txBody>
-          <a:bodyPr lIns="0" rIns="0" tIns="0" bIns="0" anchor="ctr">
+          <a:bodyPr lIns="0" tIns="0" rIns="0" bIns="0" anchor="ctr">
             <a:normAutofit/>
           </a:bodyPr>
+          <a:lstStyle/>
           <a:p>
             <a:pPr marL="432000" indent="-324000">
               <a:spcBef>
@@ -4699,7 +5247,7 @@
               <a:buChar char=""/>
             </a:pPr>
             <a:r>
-              <a:rPr b="0" lang="it-IT" sz="2800" spc="-1" strike="noStrike">
+              <a:rPr lang="it-IT" sz="2800" b="0" strike="noStrike" spc="-1">
                 <a:solidFill>
                   <a:srgbClr val="000000"/>
                 </a:solidFill>
@@ -4707,15 +5255,9 @@
               </a:rPr>
               <a:t>Click to edit the outline text format</a:t>
             </a:r>
-            <a:endParaRPr b="0" lang="it-IT" sz="2800" spc="-1" strike="noStrike">
-              <a:solidFill>
-                <a:srgbClr val="000000"/>
-              </a:solidFill>
-              <a:latin typeface="Arial"/>
-            </a:endParaRPr>
-          </a:p>
-          <a:p>
-            <a:pPr lvl="1" marL="864000" indent="-324000">
+          </a:p>
+          <a:p>
+            <a:pPr marL="864000" lvl="1" indent="-324000">
               <a:spcBef>
                 <a:spcPts val="1134"/>
               </a:spcBef>
@@ -4727,7 +5269,7 @@
               <a:buChar char=""/>
             </a:pPr>
             <a:r>
-              <a:rPr b="0" lang="it-IT" sz="2800" spc="-1" strike="noStrike">
+              <a:rPr lang="it-IT" sz="2800" b="0" strike="noStrike" spc="-1">
                 <a:solidFill>
                   <a:srgbClr val="000000"/>
                 </a:solidFill>
@@ -4735,15 +5277,9 @@
               </a:rPr>
               <a:t>Second Outline Level</a:t>
             </a:r>
-            <a:endParaRPr b="0" lang="it-IT" sz="2800" spc="-1" strike="noStrike">
-              <a:solidFill>
-                <a:srgbClr val="000000"/>
-              </a:solidFill>
-              <a:latin typeface="Arial"/>
-            </a:endParaRPr>
-          </a:p>
-          <a:p>
-            <a:pPr lvl="2" marL="1296000" indent="-288000">
+          </a:p>
+          <a:p>
+            <a:pPr marL="1296000" lvl="2" indent="-288000">
               <a:spcBef>
                 <a:spcPts val="850"/>
               </a:spcBef>
@@ -4755,7 +5291,7 @@
               <a:buChar char=""/>
             </a:pPr>
             <a:r>
-              <a:rPr b="0" lang="it-IT" sz="2800" spc="-1" strike="noStrike">
+              <a:rPr lang="it-IT" sz="2800" b="0" strike="noStrike" spc="-1">
                 <a:solidFill>
                   <a:srgbClr val="000000"/>
                 </a:solidFill>
@@ -4763,15 +5299,9 @@
               </a:rPr>
               <a:t>Third Outline Level</a:t>
             </a:r>
-            <a:endParaRPr b="0" lang="it-IT" sz="2800" spc="-1" strike="noStrike">
-              <a:solidFill>
-                <a:srgbClr val="000000"/>
-              </a:solidFill>
-              <a:latin typeface="Arial"/>
-            </a:endParaRPr>
-          </a:p>
-          <a:p>
-            <a:pPr lvl="3" marL="1728000" indent="-216000">
+          </a:p>
+          <a:p>
+            <a:pPr marL="1728000" lvl="3" indent="-216000">
               <a:spcBef>
                 <a:spcPts val="567"/>
               </a:spcBef>
@@ -4783,7 +5313,7 @@
               <a:buChar char=""/>
             </a:pPr>
             <a:r>
-              <a:rPr b="0" lang="it-IT" sz="2800" spc="-1" strike="noStrike">
+              <a:rPr lang="it-IT" sz="2800" b="0" strike="noStrike" spc="-1">
                 <a:solidFill>
                   <a:srgbClr val="000000"/>
                 </a:solidFill>
@@ -4791,15 +5321,9 @@
               </a:rPr>
               <a:t>Fourth Outline Level</a:t>
             </a:r>
-            <a:endParaRPr b="0" lang="it-IT" sz="2800" spc="-1" strike="noStrike">
-              <a:solidFill>
-                <a:srgbClr val="000000"/>
-              </a:solidFill>
-              <a:latin typeface="Arial"/>
-            </a:endParaRPr>
-          </a:p>
-          <a:p>
-            <a:pPr lvl="4" marL="2160000" indent="-216000">
+          </a:p>
+          <a:p>
+            <a:pPr marL="2160000" lvl="4" indent="-216000">
               <a:spcBef>
                 <a:spcPts val="283"/>
               </a:spcBef>
@@ -4811,7 +5335,7 @@
               <a:buChar char=""/>
             </a:pPr>
             <a:r>
-              <a:rPr b="0" lang="it-IT" sz="2800" spc="-1" strike="noStrike">
+              <a:rPr lang="it-IT" sz="2800" b="0" strike="noStrike" spc="-1">
                 <a:solidFill>
                   <a:srgbClr val="000000"/>
                 </a:solidFill>
@@ -4819,15 +5343,9 @@
               </a:rPr>
               <a:t>Fifth Outline Level</a:t>
             </a:r>
-            <a:endParaRPr b="0" lang="it-IT" sz="2800" spc="-1" strike="noStrike">
-              <a:solidFill>
-                <a:srgbClr val="000000"/>
-              </a:solidFill>
-              <a:latin typeface="Arial"/>
-            </a:endParaRPr>
-          </a:p>
-          <a:p>
-            <a:pPr lvl="5" marL="2592000" indent="-216000">
+          </a:p>
+          <a:p>
+            <a:pPr marL="2592000" lvl="5" indent="-216000">
               <a:spcBef>
                 <a:spcPts val="283"/>
               </a:spcBef>
@@ -4839,7 +5357,7 @@
               <a:buChar char=""/>
             </a:pPr>
             <a:r>
-              <a:rPr b="0" lang="it-IT" sz="2800" spc="-1" strike="noStrike">
+              <a:rPr lang="it-IT" sz="2800" b="0" strike="noStrike" spc="-1">
                 <a:solidFill>
                   <a:srgbClr val="000000"/>
                 </a:solidFill>
@@ -4847,15 +5365,9 @@
               </a:rPr>
               <a:t>Sixth Outline Level</a:t>
             </a:r>
-            <a:endParaRPr b="0" lang="it-IT" sz="2800" spc="-1" strike="noStrike">
-              <a:solidFill>
-                <a:srgbClr val="000000"/>
-              </a:solidFill>
-              <a:latin typeface="Arial"/>
-            </a:endParaRPr>
-          </a:p>
-          <a:p>
-            <a:pPr lvl="6" marL="3024000" indent="-216000">
+          </a:p>
+          <a:p>
+            <a:pPr marL="3024000" lvl="6" indent="-216000">
               <a:spcBef>
                 <a:spcPts val="283"/>
               </a:spcBef>
@@ -4867,7 +5379,7 @@
               <a:buChar char=""/>
             </a:pPr>
             <a:r>
-              <a:rPr b="0" lang="it-IT" sz="2800" spc="-1" strike="noStrike">
+              <a:rPr lang="it-IT" sz="2800" b="0" strike="noStrike" spc="-1">
                 <a:solidFill>
                   <a:srgbClr val="000000"/>
                 </a:solidFill>
@@ -4875,43 +5387,318 @@
               </a:rPr>
               <a:t>Seventh Outline Level</a:t>
             </a:r>
-            <a:endParaRPr b="0" lang="it-IT" sz="2800" spc="-1" strike="noStrike">
-              <a:solidFill>
-                <a:srgbClr val="000000"/>
-              </a:solidFill>
-              <a:latin typeface="Arial"/>
-            </a:endParaRPr>
           </a:p>
         </p:txBody>
       </p:sp>
     </p:spTree>
   </p:cSld>
-  <p:clrMap bg1="lt1" bg2="lt2" tx1="dk1" tx2="dk2" accent1="accent1" accent2="accent2" accent3="accent3" accent4="accent4" accent5="accent5" accent6="accent6" hlink="hlink" folHlink="folHlink"/>
+  <p:clrMap bg1="lt1" tx1="dk1" bg2="lt2" tx2="dk2" accent1="accent1" accent2="accent2" accent3="accent3" accent4="accent4" accent5="accent5" accent6="accent6" hlink="hlink" folHlink="folHlink"/>
   <p:sldLayoutIdLst>
-    <p:sldLayoutId id="2147483662" r:id="rId2"/>
-    <p:sldLayoutId id="2147483663" r:id="rId3"/>
-    <p:sldLayoutId id="2147483664" r:id="rId4"/>
-    <p:sldLayoutId id="2147483665" r:id="rId5"/>
-    <p:sldLayoutId id="2147483666" r:id="rId6"/>
-    <p:sldLayoutId id="2147483667" r:id="rId7"/>
-    <p:sldLayoutId id="2147483668" r:id="rId8"/>
-    <p:sldLayoutId id="2147483669" r:id="rId9"/>
-    <p:sldLayoutId id="2147483670" r:id="rId10"/>
-    <p:sldLayoutId id="2147483671" r:id="rId11"/>
-    <p:sldLayoutId id="2147483672" r:id="rId12"/>
-    <p:sldLayoutId id="2147483673" r:id="rId13"/>
+    <p:sldLayoutId id="2147483662" r:id="rId1"/>
+    <p:sldLayoutId id="2147483663" r:id="rId2"/>
+    <p:sldLayoutId id="2147483664" r:id="rId3"/>
+    <p:sldLayoutId id="2147483665" r:id="rId4"/>
+    <p:sldLayoutId id="2147483666" r:id="rId5"/>
+    <p:sldLayoutId id="2147483667" r:id="rId6"/>
+    <p:sldLayoutId id="2147483668" r:id="rId7"/>
+    <p:sldLayoutId id="2147483669" r:id="rId8"/>
+    <p:sldLayoutId id="2147483670" r:id="rId9"/>
+    <p:sldLayoutId id="2147483671" r:id="rId10"/>
+    <p:sldLayoutId id="2147483672" r:id="rId11"/>
+    <p:sldLayoutId id="2147483673" r:id="rId12"/>
   </p:sldLayoutIdLst>
+  <p:txStyles>
+    <p:titleStyle>
+      <a:lvl1pPr algn="l" defTabSz="914400" rtl="0" eaLnBrk="1" latinLnBrk="0" hangingPunct="1">
+        <a:lnSpc>
+          <a:spcPct val="90000"/>
+        </a:lnSpc>
+        <a:spcBef>
+          <a:spcPct val="0"/>
+        </a:spcBef>
+        <a:buNone/>
+        <a:defRPr sz="4400" kern="1200">
+          <a:solidFill>
+            <a:schemeClr val="tx1"/>
+          </a:solidFill>
+          <a:latin typeface="+mj-lt"/>
+          <a:ea typeface="+mj-ea"/>
+          <a:cs typeface="+mj-cs"/>
+        </a:defRPr>
+      </a:lvl1pPr>
+    </p:titleStyle>
+    <p:bodyStyle>
+      <a:lvl1pPr marL="228600" indent="-228600" algn="l" defTabSz="914400" rtl="0" eaLnBrk="1" latinLnBrk="0" hangingPunct="1">
+        <a:lnSpc>
+          <a:spcPct val="90000"/>
+        </a:lnSpc>
+        <a:spcBef>
+          <a:spcPts val="1000"/>
+        </a:spcBef>
+        <a:buFont typeface="Arial" panose="020B0604020202020204" pitchFamily="34" charset="0"/>
+        <a:buChar char="•"/>
+        <a:defRPr sz="2800" kern="1200">
+          <a:solidFill>
+            <a:schemeClr val="tx1"/>
+          </a:solidFill>
+          <a:latin typeface="+mn-lt"/>
+          <a:ea typeface="+mn-ea"/>
+          <a:cs typeface="+mn-cs"/>
+        </a:defRPr>
+      </a:lvl1pPr>
+      <a:lvl2pPr marL="685800" indent="-228600" algn="l" defTabSz="914400" rtl="0" eaLnBrk="1" latinLnBrk="0" hangingPunct="1">
+        <a:lnSpc>
+          <a:spcPct val="90000"/>
+        </a:lnSpc>
+        <a:spcBef>
+          <a:spcPts val="500"/>
+        </a:spcBef>
+        <a:buFont typeface="Arial" panose="020B0604020202020204" pitchFamily="34" charset="0"/>
+        <a:buChar char="•"/>
+        <a:defRPr sz="2400" kern="1200">
+          <a:solidFill>
+            <a:schemeClr val="tx1"/>
+          </a:solidFill>
+          <a:latin typeface="+mn-lt"/>
+          <a:ea typeface="+mn-ea"/>
+          <a:cs typeface="+mn-cs"/>
+        </a:defRPr>
+      </a:lvl2pPr>
+      <a:lvl3pPr marL="1143000" indent="-228600" algn="l" defTabSz="914400" rtl="0" eaLnBrk="1" latinLnBrk="0" hangingPunct="1">
+        <a:lnSpc>
+          <a:spcPct val="90000"/>
+        </a:lnSpc>
+        <a:spcBef>
+          <a:spcPts val="500"/>
+        </a:spcBef>
+        <a:buFont typeface="Arial" panose="020B0604020202020204" pitchFamily="34" charset="0"/>
+        <a:buChar char="•"/>
+        <a:defRPr sz="2000" kern="1200">
+          <a:solidFill>
+            <a:schemeClr val="tx1"/>
+          </a:solidFill>
+          <a:latin typeface="+mn-lt"/>
+          <a:ea typeface="+mn-ea"/>
+          <a:cs typeface="+mn-cs"/>
+        </a:defRPr>
+      </a:lvl3pPr>
+      <a:lvl4pPr marL="1600200" indent="-228600" algn="l" defTabSz="914400" rtl="0" eaLnBrk="1" latinLnBrk="0" hangingPunct="1">
+        <a:lnSpc>
+          <a:spcPct val="90000"/>
+        </a:lnSpc>
+        <a:spcBef>
+          <a:spcPts val="500"/>
+        </a:spcBef>
+        <a:buFont typeface="Arial" panose="020B0604020202020204" pitchFamily="34" charset="0"/>
+        <a:buChar char="•"/>
+        <a:defRPr sz="1800" kern="1200">
+          <a:solidFill>
+            <a:schemeClr val="tx1"/>
+          </a:solidFill>
+          <a:latin typeface="+mn-lt"/>
+          <a:ea typeface="+mn-ea"/>
+          <a:cs typeface="+mn-cs"/>
+        </a:defRPr>
+      </a:lvl4pPr>
+      <a:lvl5pPr marL="2057400" indent="-228600" algn="l" defTabSz="914400" rtl="0" eaLnBrk="1" latinLnBrk="0" hangingPunct="1">
+        <a:lnSpc>
+          <a:spcPct val="90000"/>
+        </a:lnSpc>
+        <a:spcBef>
+          <a:spcPts val="500"/>
+        </a:spcBef>
+        <a:buFont typeface="Arial" panose="020B0604020202020204" pitchFamily="34" charset="0"/>
+        <a:buChar char="•"/>
+        <a:defRPr sz="1800" kern="1200">
+          <a:solidFill>
+            <a:schemeClr val="tx1"/>
+          </a:solidFill>
+          <a:latin typeface="+mn-lt"/>
+          <a:ea typeface="+mn-ea"/>
+          <a:cs typeface="+mn-cs"/>
+        </a:defRPr>
+      </a:lvl5pPr>
+      <a:lvl6pPr marL="2514600" indent="-228600" algn="l" defTabSz="914400" rtl="0" eaLnBrk="1" latinLnBrk="0" hangingPunct="1">
+        <a:lnSpc>
+          <a:spcPct val="90000"/>
+        </a:lnSpc>
+        <a:spcBef>
+          <a:spcPts val="500"/>
+        </a:spcBef>
+        <a:buFont typeface="Arial" panose="020B0604020202020204" pitchFamily="34" charset="0"/>
+        <a:buChar char="•"/>
+        <a:defRPr sz="1800" kern="1200">
+          <a:solidFill>
+            <a:schemeClr val="tx1"/>
+          </a:solidFill>
+          <a:latin typeface="+mn-lt"/>
+          <a:ea typeface="+mn-ea"/>
+          <a:cs typeface="+mn-cs"/>
+        </a:defRPr>
+      </a:lvl6pPr>
+      <a:lvl7pPr marL="2971800" indent="-228600" algn="l" defTabSz="914400" rtl="0" eaLnBrk="1" latinLnBrk="0" hangingPunct="1">
+        <a:lnSpc>
+          <a:spcPct val="90000"/>
+        </a:lnSpc>
+        <a:spcBef>
+          <a:spcPts val="500"/>
+        </a:spcBef>
+        <a:buFont typeface="Arial" panose="020B0604020202020204" pitchFamily="34" charset="0"/>
+        <a:buChar char="•"/>
+        <a:defRPr sz="1800" kern="1200">
+          <a:solidFill>
+            <a:schemeClr val="tx1"/>
+          </a:solidFill>
+          <a:latin typeface="+mn-lt"/>
+          <a:ea typeface="+mn-ea"/>
+          <a:cs typeface="+mn-cs"/>
+        </a:defRPr>
+      </a:lvl7pPr>
+      <a:lvl8pPr marL="3429000" indent="-228600" algn="l" defTabSz="914400" rtl="0" eaLnBrk="1" latinLnBrk="0" hangingPunct="1">
+        <a:lnSpc>
+          <a:spcPct val="90000"/>
+        </a:lnSpc>
+        <a:spcBef>
+          <a:spcPts val="500"/>
+        </a:spcBef>
+        <a:buFont typeface="Arial" panose="020B0604020202020204" pitchFamily="34" charset="0"/>
+        <a:buChar char="•"/>
+        <a:defRPr sz="1800" kern="1200">
+          <a:solidFill>
+            <a:schemeClr val="tx1"/>
+          </a:solidFill>
+          <a:latin typeface="+mn-lt"/>
+          <a:ea typeface="+mn-ea"/>
+          <a:cs typeface="+mn-cs"/>
+        </a:defRPr>
+      </a:lvl8pPr>
+      <a:lvl9pPr marL="3886200" indent="-228600" algn="l" defTabSz="914400" rtl="0" eaLnBrk="1" latinLnBrk="0" hangingPunct="1">
+        <a:lnSpc>
+          <a:spcPct val="90000"/>
+        </a:lnSpc>
+        <a:spcBef>
+          <a:spcPts val="500"/>
+        </a:spcBef>
+        <a:buFont typeface="Arial" panose="020B0604020202020204" pitchFamily="34" charset="0"/>
+        <a:buChar char="•"/>
+        <a:defRPr sz="1800" kern="1200">
+          <a:solidFill>
+            <a:schemeClr val="tx1"/>
+          </a:solidFill>
+          <a:latin typeface="+mn-lt"/>
+          <a:ea typeface="+mn-ea"/>
+          <a:cs typeface="+mn-cs"/>
+        </a:defRPr>
+      </a:lvl9pPr>
+    </p:bodyStyle>
+    <p:otherStyle>
+      <a:defPPr>
+        <a:defRPr lang="it-IT"/>
+      </a:defPPr>
+      <a:lvl1pPr marL="0" algn="l" defTabSz="914400" rtl="0" eaLnBrk="1" latinLnBrk="0" hangingPunct="1">
+        <a:defRPr sz="1800" kern="1200">
+          <a:solidFill>
+            <a:schemeClr val="tx1"/>
+          </a:solidFill>
+          <a:latin typeface="+mn-lt"/>
+          <a:ea typeface="+mn-ea"/>
+          <a:cs typeface="+mn-cs"/>
+        </a:defRPr>
+      </a:lvl1pPr>
+      <a:lvl2pPr marL="457200" algn="l" defTabSz="914400" rtl="0" eaLnBrk="1" latinLnBrk="0" hangingPunct="1">
+        <a:defRPr sz="1800" kern="1200">
+          <a:solidFill>
+            <a:schemeClr val="tx1"/>
+          </a:solidFill>
+          <a:latin typeface="+mn-lt"/>
+          <a:ea typeface="+mn-ea"/>
+          <a:cs typeface="+mn-cs"/>
+        </a:defRPr>
+      </a:lvl2pPr>
+      <a:lvl3pPr marL="914400" algn="l" defTabSz="914400" rtl="0" eaLnBrk="1" latinLnBrk="0" hangingPunct="1">
+        <a:defRPr sz="1800" kern="1200">
+          <a:solidFill>
+            <a:schemeClr val="tx1"/>
+          </a:solidFill>
+          <a:latin typeface="+mn-lt"/>
+          <a:ea typeface="+mn-ea"/>
+          <a:cs typeface="+mn-cs"/>
+        </a:defRPr>
+      </a:lvl3pPr>
+      <a:lvl4pPr marL="1371600" algn="l" defTabSz="914400" rtl="0" eaLnBrk="1" latinLnBrk="0" hangingPunct="1">
+        <a:defRPr sz="1800" kern="1200">
+          <a:solidFill>
+            <a:schemeClr val="tx1"/>
+          </a:solidFill>
+          <a:latin typeface="+mn-lt"/>
+          <a:ea typeface="+mn-ea"/>
+          <a:cs typeface="+mn-cs"/>
+        </a:defRPr>
+      </a:lvl4pPr>
+      <a:lvl5pPr marL="1828800" algn="l" defTabSz="914400" rtl="0" eaLnBrk="1" latinLnBrk="0" hangingPunct="1">
+        <a:defRPr sz="1800" kern="1200">
+          <a:solidFill>
+            <a:schemeClr val="tx1"/>
+          </a:solidFill>
+          <a:latin typeface="+mn-lt"/>
+          <a:ea typeface="+mn-ea"/>
+          <a:cs typeface="+mn-cs"/>
+        </a:defRPr>
+      </a:lvl5pPr>
+      <a:lvl6pPr marL="2286000" algn="l" defTabSz="914400" rtl="0" eaLnBrk="1" latinLnBrk="0" hangingPunct="1">
+        <a:defRPr sz="1800" kern="1200">
+          <a:solidFill>
+            <a:schemeClr val="tx1"/>
+          </a:solidFill>
+          <a:latin typeface="+mn-lt"/>
+          <a:ea typeface="+mn-ea"/>
+          <a:cs typeface="+mn-cs"/>
+        </a:defRPr>
+      </a:lvl6pPr>
+      <a:lvl7pPr marL="2743200" algn="l" defTabSz="914400" rtl="0" eaLnBrk="1" latinLnBrk="0" hangingPunct="1">
+        <a:defRPr sz="1800" kern="1200">
+          <a:solidFill>
+            <a:schemeClr val="tx1"/>
+          </a:solidFill>
+          <a:latin typeface="+mn-lt"/>
+          <a:ea typeface="+mn-ea"/>
+          <a:cs typeface="+mn-cs"/>
+        </a:defRPr>
+      </a:lvl7pPr>
+      <a:lvl8pPr marL="3200400" algn="l" defTabSz="914400" rtl="0" eaLnBrk="1" latinLnBrk="0" hangingPunct="1">
+        <a:defRPr sz="1800" kern="1200">
+          <a:solidFill>
+            <a:schemeClr val="tx1"/>
+          </a:solidFill>
+          <a:latin typeface="+mn-lt"/>
+          <a:ea typeface="+mn-ea"/>
+          <a:cs typeface="+mn-cs"/>
+        </a:defRPr>
+      </a:lvl8pPr>
+      <a:lvl9pPr marL="3657600" algn="l" defTabSz="914400" rtl="0" eaLnBrk="1" latinLnBrk="0" hangingPunct="1">
+        <a:defRPr sz="1800" kern="1200">
+          <a:solidFill>
+            <a:schemeClr val="tx1"/>
+          </a:solidFill>
+          <a:latin typeface="+mn-lt"/>
+          <a:ea typeface="+mn-ea"/>
+          <a:cs typeface="+mn-cs"/>
+        </a:defRPr>
+      </a:lvl9pPr>
+    </p:otherStyle>
+  </p:txStyles>
 </p:sldMaster>
 </file>
 
 <file path=ppt/slideMasters/slideMaster3.xml><?xml version="1.0" encoding="utf-8"?>
-<p:sldMaster xmlns:a="http://schemas.openxmlformats.org/drawingml/2006/main" xmlns:p="http://schemas.openxmlformats.org/presentationml/2006/main" xmlns:r="http://schemas.openxmlformats.org/officeDocument/2006/relationships" xmlns:p14="http://schemas.microsoft.com/office/powerpoint/2010/main" xmlns:p15="http://schemas.microsoft.com/office/powerpoint/2012/main" xmlns:mc="http://schemas.openxmlformats.org/markup-compatibility/2006">
+<p:sldMaster xmlns:a="http://schemas.openxmlformats.org/drawingml/2006/main" xmlns:r="http://schemas.openxmlformats.org/officeDocument/2006/relationships" xmlns:p="http://schemas.openxmlformats.org/presentationml/2006/main">
   <p:cSld>
     <p:bg>
       <p:bgPr>
         <a:solidFill>
-          <a:srgbClr val="ffffff"/>
+          <a:srgbClr val="FFFFFF"/>
         </a:solidFill>
+        <a:effectLst/>
       </p:bgPr>
     </p:bg>
     <p:spTree>
@@ -4948,10 +5735,11 @@
           </a:prstGeom>
         </p:spPr>
         <p:txBody>
-          <a:bodyPr lIns="0" rIns="0" tIns="0" bIns="0" anchor="ctr"/>
+          <a:bodyPr lIns="0" tIns="0" rIns="0" bIns="0" anchor="ctr"/>
+          <a:lstStyle/>
           <a:p>
             <a:r>
-              <a:rPr b="0" lang="it-IT" sz="4400" spc="-1" strike="noStrike">
+              <a:rPr lang="it-IT" sz="4400" b="0" strike="noStrike" spc="-1">
                 <a:solidFill>
                   <a:srgbClr val="000000"/>
                 </a:solidFill>
@@ -4959,12 +5747,6 @@
               </a:rPr>
               <a:t>Click to edit the title text format</a:t>
             </a:r>
-            <a:endParaRPr b="0" lang="it-IT" sz="4400" spc="-1" strike="noStrike">
-              <a:solidFill>
-                <a:srgbClr val="000000"/>
-              </a:solidFill>
-              <a:latin typeface="Arial"/>
-            </a:endParaRPr>
           </a:p>
         </p:txBody>
       </p:sp>
@@ -4988,9 +5770,10 @@
           </a:prstGeom>
         </p:spPr>
         <p:txBody>
-          <a:bodyPr lIns="0" rIns="0" tIns="0" bIns="0">
+          <a:bodyPr lIns="0" tIns="0" rIns="0" bIns="0">
             <a:normAutofit/>
           </a:bodyPr>
+          <a:lstStyle/>
           <a:p>
             <a:pPr marL="432000" indent="-324000">
               <a:spcBef>
@@ -5004,7 +5787,7 @@
               <a:buChar char=""/>
             </a:pPr>
             <a:r>
-              <a:rPr b="0" lang="it-IT" sz="2800" spc="-1" strike="noStrike">
+              <a:rPr lang="it-IT" sz="2800" b="0" strike="noStrike" spc="-1">
                 <a:solidFill>
                   <a:srgbClr val="000000"/>
                 </a:solidFill>
@@ -5012,15 +5795,9 @@
               </a:rPr>
               <a:t>Click to edit the outline text format</a:t>
             </a:r>
-            <a:endParaRPr b="0" lang="it-IT" sz="2800" spc="-1" strike="noStrike">
-              <a:solidFill>
-                <a:srgbClr val="000000"/>
-              </a:solidFill>
-              <a:latin typeface="Arial"/>
-            </a:endParaRPr>
-          </a:p>
-          <a:p>
-            <a:pPr lvl="1" marL="864000" indent="-324000">
+          </a:p>
+          <a:p>
+            <a:pPr marL="864000" lvl="1" indent="-324000">
               <a:spcBef>
                 <a:spcPts val="1134"/>
               </a:spcBef>
@@ -5032,7 +5809,7 @@
               <a:buChar char=""/>
             </a:pPr>
             <a:r>
-              <a:rPr b="0" lang="it-IT" sz="2000" spc="-1" strike="noStrike">
+              <a:rPr lang="it-IT" sz="2000" b="0" strike="noStrike" spc="-1">
                 <a:solidFill>
                   <a:srgbClr val="000000"/>
                 </a:solidFill>
@@ -5040,15 +5817,9 @@
               </a:rPr>
               <a:t>Second Outline Level</a:t>
             </a:r>
-            <a:endParaRPr b="0" lang="it-IT" sz="2000" spc="-1" strike="noStrike">
-              <a:solidFill>
-                <a:srgbClr val="000000"/>
-              </a:solidFill>
-              <a:latin typeface="Arial"/>
-            </a:endParaRPr>
-          </a:p>
-          <a:p>
-            <a:pPr lvl="2" marL="1296000" indent="-288000">
+          </a:p>
+          <a:p>
+            <a:pPr marL="1296000" lvl="2" indent="-288000">
               <a:spcBef>
                 <a:spcPts val="850"/>
               </a:spcBef>
@@ -5060,7 +5831,7 @@
               <a:buChar char=""/>
             </a:pPr>
             <a:r>
-              <a:rPr b="0" lang="it-IT" sz="1800" spc="-1" strike="noStrike">
+              <a:rPr lang="it-IT" sz="1800" b="0" strike="noStrike" spc="-1">
                 <a:solidFill>
                   <a:srgbClr val="000000"/>
                 </a:solidFill>
@@ -5068,15 +5839,9 @@
               </a:rPr>
               <a:t>Third Outline Level</a:t>
             </a:r>
-            <a:endParaRPr b="0" lang="it-IT" sz="1800" spc="-1" strike="noStrike">
-              <a:solidFill>
-                <a:srgbClr val="000000"/>
-              </a:solidFill>
-              <a:latin typeface="Arial"/>
-            </a:endParaRPr>
-          </a:p>
-          <a:p>
-            <a:pPr lvl="3" marL="1728000" indent="-216000">
+          </a:p>
+          <a:p>
+            <a:pPr marL="1728000" lvl="3" indent="-216000">
               <a:spcBef>
                 <a:spcPts val="567"/>
               </a:spcBef>
@@ -5088,7 +5853,7 @@
               <a:buChar char=""/>
             </a:pPr>
             <a:r>
-              <a:rPr b="0" lang="it-IT" sz="1800" spc="-1" strike="noStrike">
+              <a:rPr lang="it-IT" sz="1800" b="0" strike="noStrike" spc="-1">
                 <a:solidFill>
                   <a:srgbClr val="000000"/>
                 </a:solidFill>
@@ -5096,15 +5861,9 @@
               </a:rPr>
               <a:t>Fourth Outline Level</a:t>
             </a:r>
-            <a:endParaRPr b="0" lang="it-IT" sz="1800" spc="-1" strike="noStrike">
-              <a:solidFill>
-                <a:srgbClr val="000000"/>
-              </a:solidFill>
-              <a:latin typeface="Arial"/>
-            </a:endParaRPr>
-          </a:p>
-          <a:p>
-            <a:pPr lvl="4" marL="2160000" indent="-216000">
+          </a:p>
+          <a:p>
+            <a:pPr marL="2160000" lvl="4" indent="-216000">
               <a:spcBef>
                 <a:spcPts val="283"/>
               </a:spcBef>
@@ -5116,7 +5875,7 @@
               <a:buChar char=""/>
             </a:pPr>
             <a:r>
-              <a:rPr b="0" lang="it-IT" sz="2000" spc="-1" strike="noStrike">
+              <a:rPr lang="it-IT" sz="2000" b="0" strike="noStrike" spc="-1">
                 <a:solidFill>
                   <a:srgbClr val="000000"/>
                 </a:solidFill>
@@ -5124,15 +5883,9 @@
               </a:rPr>
               <a:t>Fifth Outline Level</a:t>
             </a:r>
-            <a:endParaRPr b="0" lang="it-IT" sz="2000" spc="-1" strike="noStrike">
-              <a:solidFill>
-                <a:srgbClr val="000000"/>
-              </a:solidFill>
-              <a:latin typeface="Arial"/>
-            </a:endParaRPr>
-          </a:p>
-          <a:p>
-            <a:pPr lvl="5" marL="2592000" indent="-216000">
+          </a:p>
+          <a:p>
+            <a:pPr marL="2592000" lvl="5" indent="-216000">
               <a:spcBef>
                 <a:spcPts val="283"/>
               </a:spcBef>
@@ -5144,7 +5897,7 @@
               <a:buChar char=""/>
             </a:pPr>
             <a:r>
-              <a:rPr b="0" lang="it-IT" sz="2000" spc="-1" strike="noStrike">
+              <a:rPr lang="it-IT" sz="2000" b="0" strike="noStrike" spc="-1">
                 <a:solidFill>
                   <a:srgbClr val="000000"/>
                 </a:solidFill>
@@ -5152,15 +5905,9 @@
               </a:rPr>
               <a:t>Sixth Outline Level</a:t>
             </a:r>
-            <a:endParaRPr b="0" lang="it-IT" sz="2000" spc="-1" strike="noStrike">
-              <a:solidFill>
-                <a:srgbClr val="000000"/>
-              </a:solidFill>
-              <a:latin typeface="Arial"/>
-            </a:endParaRPr>
-          </a:p>
-          <a:p>
-            <a:pPr lvl="6" marL="3024000" indent="-216000">
+          </a:p>
+          <a:p>
+            <a:pPr marL="3024000" lvl="6" indent="-216000">
               <a:spcBef>
                 <a:spcPts val="283"/>
               </a:spcBef>
@@ -5172,7 +5919,7 @@
               <a:buChar char=""/>
             </a:pPr>
             <a:r>
-              <a:rPr b="0" lang="it-IT" sz="2000" spc="-1" strike="noStrike">
+              <a:rPr lang="it-IT" sz="2000" b="0" strike="noStrike" spc="-1">
                 <a:solidFill>
                   <a:srgbClr val="000000"/>
                 </a:solidFill>
@@ -5180,37 +5927,311 @@
               </a:rPr>
               <a:t>Seventh Outline Level</a:t>
             </a:r>
-            <a:endParaRPr b="0" lang="it-IT" sz="2000" spc="-1" strike="noStrike">
-              <a:solidFill>
-                <a:srgbClr val="000000"/>
-              </a:solidFill>
-              <a:latin typeface="Arial"/>
-            </a:endParaRPr>
           </a:p>
         </p:txBody>
       </p:sp>
     </p:spTree>
   </p:cSld>
-  <p:clrMap bg1="lt1" bg2="lt2" tx1="dk1" tx2="dk2" accent1="accent1" accent2="accent2" accent3="accent3" accent4="accent4" accent5="accent5" accent6="accent6" hlink="hlink" folHlink="folHlink"/>
+  <p:clrMap bg1="lt1" tx1="dk1" bg2="lt2" tx2="dk2" accent1="accent1" accent2="accent2" accent3="accent3" accent4="accent4" accent5="accent5" accent6="accent6" hlink="hlink" folHlink="folHlink"/>
   <p:sldLayoutIdLst>
-    <p:sldLayoutId id="2147483675" r:id="rId2"/>
-    <p:sldLayoutId id="2147483676" r:id="rId3"/>
-    <p:sldLayoutId id="2147483677" r:id="rId4"/>
-    <p:sldLayoutId id="2147483678" r:id="rId5"/>
-    <p:sldLayoutId id="2147483679" r:id="rId6"/>
-    <p:sldLayoutId id="2147483680" r:id="rId7"/>
-    <p:sldLayoutId id="2147483681" r:id="rId8"/>
-    <p:sldLayoutId id="2147483682" r:id="rId9"/>
-    <p:sldLayoutId id="2147483683" r:id="rId10"/>
-    <p:sldLayoutId id="2147483684" r:id="rId11"/>
-    <p:sldLayoutId id="2147483685" r:id="rId12"/>
-    <p:sldLayoutId id="2147483686" r:id="rId13"/>
+    <p:sldLayoutId id="2147483675" r:id="rId1"/>
+    <p:sldLayoutId id="2147483676" r:id="rId2"/>
+    <p:sldLayoutId id="2147483677" r:id="rId3"/>
+    <p:sldLayoutId id="2147483678" r:id="rId4"/>
+    <p:sldLayoutId id="2147483679" r:id="rId5"/>
+    <p:sldLayoutId id="2147483680" r:id="rId6"/>
+    <p:sldLayoutId id="2147483681" r:id="rId7"/>
+    <p:sldLayoutId id="2147483682" r:id="rId8"/>
+    <p:sldLayoutId id="2147483683" r:id="rId9"/>
+    <p:sldLayoutId id="2147483684" r:id="rId10"/>
+    <p:sldLayoutId id="2147483685" r:id="rId11"/>
+    <p:sldLayoutId id="2147483686" r:id="rId12"/>
   </p:sldLayoutIdLst>
+  <p:txStyles>
+    <p:titleStyle>
+      <a:lvl1pPr algn="l" defTabSz="914400" rtl="0" eaLnBrk="1" latinLnBrk="0" hangingPunct="1">
+        <a:lnSpc>
+          <a:spcPct val="90000"/>
+        </a:lnSpc>
+        <a:spcBef>
+          <a:spcPct val="0"/>
+        </a:spcBef>
+        <a:buNone/>
+        <a:defRPr sz="4400" kern="1200">
+          <a:solidFill>
+            <a:schemeClr val="tx1"/>
+          </a:solidFill>
+          <a:latin typeface="+mj-lt"/>
+          <a:ea typeface="+mj-ea"/>
+          <a:cs typeface="+mj-cs"/>
+        </a:defRPr>
+      </a:lvl1pPr>
+    </p:titleStyle>
+    <p:bodyStyle>
+      <a:lvl1pPr marL="228600" indent="-228600" algn="l" defTabSz="914400" rtl="0" eaLnBrk="1" latinLnBrk="0" hangingPunct="1">
+        <a:lnSpc>
+          <a:spcPct val="90000"/>
+        </a:lnSpc>
+        <a:spcBef>
+          <a:spcPts val="1000"/>
+        </a:spcBef>
+        <a:buFont typeface="Arial" panose="020B0604020202020204" pitchFamily="34" charset="0"/>
+        <a:buChar char="•"/>
+        <a:defRPr sz="2800" kern="1200">
+          <a:solidFill>
+            <a:schemeClr val="tx1"/>
+          </a:solidFill>
+          <a:latin typeface="+mn-lt"/>
+          <a:ea typeface="+mn-ea"/>
+          <a:cs typeface="+mn-cs"/>
+        </a:defRPr>
+      </a:lvl1pPr>
+      <a:lvl2pPr marL="685800" indent="-228600" algn="l" defTabSz="914400" rtl="0" eaLnBrk="1" latinLnBrk="0" hangingPunct="1">
+        <a:lnSpc>
+          <a:spcPct val="90000"/>
+        </a:lnSpc>
+        <a:spcBef>
+          <a:spcPts val="500"/>
+        </a:spcBef>
+        <a:buFont typeface="Arial" panose="020B0604020202020204" pitchFamily="34" charset="0"/>
+        <a:buChar char="•"/>
+        <a:defRPr sz="2400" kern="1200">
+          <a:solidFill>
+            <a:schemeClr val="tx1"/>
+          </a:solidFill>
+          <a:latin typeface="+mn-lt"/>
+          <a:ea typeface="+mn-ea"/>
+          <a:cs typeface="+mn-cs"/>
+        </a:defRPr>
+      </a:lvl2pPr>
+      <a:lvl3pPr marL="1143000" indent="-228600" algn="l" defTabSz="914400" rtl="0" eaLnBrk="1" latinLnBrk="0" hangingPunct="1">
+        <a:lnSpc>
+          <a:spcPct val="90000"/>
+        </a:lnSpc>
+        <a:spcBef>
+          <a:spcPts val="500"/>
+        </a:spcBef>
+        <a:buFont typeface="Arial" panose="020B0604020202020204" pitchFamily="34" charset="0"/>
+        <a:buChar char="•"/>
+        <a:defRPr sz="2000" kern="1200">
+          <a:solidFill>
+            <a:schemeClr val="tx1"/>
+          </a:solidFill>
+          <a:latin typeface="+mn-lt"/>
+          <a:ea typeface="+mn-ea"/>
+          <a:cs typeface="+mn-cs"/>
+        </a:defRPr>
+      </a:lvl3pPr>
+      <a:lvl4pPr marL="1600200" indent="-228600" algn="l" defTabSz="914400" rtl="0" eaLnBrk="1" latinLnBrk="0" hangingPunct="1">
+        <a:lnSpc>
+          <a:spcPct val="90000"/>
+        </a:lnSpc>
+        <a:spcBef>
+          <a:spcPts val="500"/>
+        </a:spcBef>
+        <a:buFont typeface="Arial" panose="020B0604020202020204" pitchFamily="34" charset="0"/>
+        <a:buChar char="•"/>
+        <a:defRPr sz="1800" kern="1200">
+          <a:solidFill>
+            <a:schemeClr val="tx1"/>
+          </a:solidFill>
+          <a:latin typeface="+mn-lt"/>
+          <a:ea typeface="+mn-ea"/>
+          <a:cs typeface="+mn-cs"/>
+        </a:defRPr>
+      </a:lvl4pPr>
+      <a:lvl5pPr marL="2057400" indent="-228600" algn="l" defTabSz="914400" rtl="0" eaLnBrk="1" latinLnBrk="0" hangingPunct="1">
+        <a:lnSpc>
+          <a:spcPct val="90000"/>
+        </a:lnSpc>
+        <a:spcBef>
+          <a:spcPts val="500"/>
+        </a:spcBef>
+        <a:buFont typeface="Arial" panose="020B0604020202020204" pitchFamily="34" charset="0"/>
+        <a:buChar char="•"/>
+        <a:defRPr sz="1800" kern="1200">
+          <a:solidFill>
+            <a:schemeClr val="tx1"/>
+          </a:solidFill>
+          <a:latin typeface="+mn-lt"/>
+          <a:ea typeface="+mn-ea"/>
+          <a:cs typeface="+mn-cs"/>
+        </a:defRPr>
+      </a:lvl5pPr>
+      <a:lvl6pPr marL="2514600" indent="-228600" algn="l" defTabSz="914400" rtl="0" eaLnBrk="1" latinLnBrk="0" hangingPunct="1">
+        <a:lnSpc>
+          <a:spcPct val="90000"/>
+        </a:lnSpc>
+        <a:spcBef>
+          <a:spcPts val="500"/>
+        </a:spcBef>
+        <a:buFont typeface="Arial" panose="020B0604020202020204" pitchFamily="34" charset="0"/>
+        <a:buChar char="•"/>
+        <a:defRPr sz="1800" kern="1200">
+          <a:solidFill>
+            <a:schemeClr val="tx1"/>
+          </a:solidFill>
+          <a:latin typeface="+mn-lt"/>
+          <a:ea typeface="+mn-ea"/>
+          <a:cs typeface="+mn-cs"/>
+        </a:defRPr>
+      </a:lvl6pPr>
+      <a:lvl7pPr marL="2971800" indent="-228600" algn="l" defTabSz="914400" rtl="0" eaLnBrk="1" latinLnBrk="0" hangingPunct="1">
+        <a:lnSpc>
+          <a:spcPct val="90000"/>
+        </a:lnSpc>
+        <a:spcBef>
+          <a:spcPts val="500"/>
+        </a:spcBef>
+        <a:buFont typeface="Arial" panose="020B0604020202020204" pitchFamily="34" charset="0"/>
+        <a:buChar char="•"/>
+        <a:defRPr sz="1800" kern="1200">
+          <a:solidFill>
+            <a:schemeClr val="tx1"/>
+          </a:solidFill>
+          <a:latin typeface="+mn-lt"/>
+          <a:ea typeface="+mn-ea"/>
+          <a:cs typeface="+mn-cs"/>
+        </a:defRPr>
+      </a:lvl7pPr>
+      <a:lvl8pPr marL="3429000" indent="-228600" algn="l" defTabSz="914400" rtl="0" eaLnBrk="1" latinLnBrk="0" hangingPunct="1">
+        <a:lnSpc>
+          <a:spcPct val="90000"/>
+        </a:lnSpc>
+        <a:spcBef>
+          <a:spcPts val="500"/>
+        </a:spcBef>
+        <a:buFont typeface="Arial" panose="020B0604020202020204" pitchFamily="34" charset="0"/>
+        <a:buChar char="•"/>
+        <a:defRPr sz="1800" kern="1200">
+          <a:solidFill>
+            <a:schemeClr val="tx1"/>
+          </a:solidFill>
+          <a:latin typeface="+mn-lt"/>
+          <a:ea typeface="+mn-ea"/>
+          <a:cs typeface="+mn-cs"/>
+        </a:defRPr>
+      </a:lvl8pPr>
+      <a:lvl9pPr marL="3886200" indent="-228600" algn="l" defTabSz="914400" rtl="0" eaLnBrk="1" latinLnBrk="0" hangingPunct="1">
+        <a:lnSpc>
+          <a:spcPct val="90000"/>
+        </a:lnSpc>
+        <a:spcBef>
+          <a:spcPts val="500"/>
+        </a:spcBef>
+        <a:buFont typeface="Arial" panose="020B0604020202020204" pitchFamily="34" charset="0"/>
+        <a:buChar char="•"/>
+        <a:defRPr sz="1800" kern="1200">
+          <a:solidFill>
+            <a:schemeClr val="tx1"/>
+          </a:solidFill>
+          <a:latin typeface="+mn-lt"/>
+          <a:ea typeface="+mn-ea"/>
+          <a:cs typeface="+mn-cs"/>
+        </a:defRPr>
+      </a:lvl9pPr>
+    </p:bodyStyle>
+    <p:otherStyle>
+      <a:defPPr>
+        <a:defRPr lang="it-IT"/>
+      </a:defPPr>
+      <a:lvl1pPr marL="0" algn="l" defTabSz="914400" rtl="0" eaLnBrk="1" latinLnBrk="0" hangingPunct="1">
+        <a:defRPr sz="1800" kern="1200">
+          <a:solidFill>
+            <a:schemeClr val="tx1"/>
+          </a:solidFill>
+          <a:latin typeface="+mn-lt"/>
+          <a:ea typeface="+mn-ea"/>
+          <a:cs typeface="+mn-cs"/>
+        </a:defRPr>
+      </a:lvl1pPr>
+      <a:lvl2pPr marL="457200" algn="l" defTabSz="914400" rtl="0" eaLnBrk="1" latinLnBrk="0" hangingPunct="1">
+        <a:defRPr sz="1800" kern="1200">
+          <a:solidFill>
+            <a:schemeClr val="tx1"/>
+          </a:solidFill>
+          <a:latin typeface="+mn-lt"/>
+          <a:ea typeface="+mn-ea"/>
+          <a:cs typeface="+mn-cs"/>
+        </a:defRPr>
+      </a:lvl2pPr>
+      <a:lvl3pPr marL="914400" algn="l" defTabSz="914400" rtl="0" eaLnBrk="1" latinLnBrk="0" hangingPunct="1">
+        <a:defRPr sz="1800" kern="1200">
+          <a:solidFill>
+            <a:schemeClr val="tx1"/>
+          </a:solidFill>
+          <a:latin typeface="+mn-lt"/>
+          <a:ea typeface="+mn-ea"/>
+          <a:cs typeface="+mn-cs"/>
+        </a:defRPr>
+      </a:lvl3pPr>
+      <a:lvl4pPr marL="1371600" algn="l" defTabSz="914400" rtl="0" eaLnBrk="1" latinLnBrk="0" hangingPunct="1">
+        <a:defRPr sz="1800" kern="1200">
+          <a:solidFill>
+            <a:schemeClr val="tx1"/>
+          </a:solidFill>
+          <a:latin typeface="+mn-lt"/>
+          <a:ea typeface="+mn-ea"/>
+          <a:cs typeface="+mn-cs"/>
+        </a:defRPr>
+      </a:lvl4pPr>
+      <a:lvl5pPr marL="1828800" algn="l" defTabSz="914400" rtl="0" eaLnBrk="1" latinLnBrk="0" hangingPunct="1">
+        <a:defRPr sz="1800" kern="1200">
+          <a:solidFill>
+            <a:schemeClr val="tx1"/>
+          </a:solidFill>
+          <a:latin typeface="+mn-lt"/>
+          <a:ea typeface="+mn-ea"/>
+          <a:cs typeface="+mn-cs"/>
+        </a:defRPr>
+      </a:lvl5pPr>
+      <a:lvl6pPr marL="2286000" algn="l" defTabSz="914400" rtl="0" eaLnBrk="1" latinLnBrk="0" hangingPunct="1">
+        <a:defRPr sz="1800" kern="1200">
+          <a:solidFill>
+            <a:schemeClr val="tx1"/>
+          </a:solidFill>
+          <a:latin typeface="+mn-lt"/>
+          <a:ea typeface="+mn-ea"/>
+          <a:cs typeface="+mn-cs"/>
+        </a:defRPr>
+      </a:lvl6pPr>
+      <a:lvl7pPr marL="2743200" algn="l" defTabSz="914400" rtl="0" eaLnBrk="1" latinLnBrk="0" hangingPunct="1">
+        <a:defRPr sz="1800" kern="1200">
+          <a:solidFill>
+            <a:schemeClr val="tx1"/>
+          </a:solidFill>
+          <a:latin typeface="+mn-lt"/>
+          <a:ea typeface="+mn-ea"/>
+          <a:cs typeface="+mn-cs"/>
+        </a:defRPr>
+      </a:lvl7pPr>
+      <a:lvl8pPr marL="3200400" algn="l" defTabSz="914400" rtl="0" eaLnBrk="1" latinLnBrk="0" hangingPunct="1">
+        <a:defRPr sz="1800" kern="1200">
+          <a:solidFill>
+            <a:schemeClr val="tx1"/>
+          </a:solidFill>
+          <a:latin typeface="+mn-lt"/>
+          <a:ea typeface="+mn-ea"/>
+          <a:cs typeface="+mn-cs"/>
+        </a:defRPr>
+      </a:lvl8pPr>
+      <a:lvl9pPr marL="3657600" algn="l" defTabSz="914400" rtl="0" eaLnBrk="1" latinLnBrk="0" hangingPunct="1">
+        <a:defRPr sz="1800" kern="1200">
+          <a:solidFill>
+            <a:schemeClr val="tx1"/>
+          </a:solidFill>
+          <a:latin typeface="+mn-lt"/>
+          <a:ea typeface="+mn-ea"/>
+          <a:cs typeface="+mn-cs"/>
+        </a:defRPr>
+      </a:lvl9pPr>
+    </p:otherStyle>
+  </p:txStyles>
 </p:sldMaster>
 </file>
 
 <file path=ppt/slides/slide1.xml><?xml version="1.0" encoding="utf-8"?>
-<p:sld xmlns:a="http://schemas.openxmlformats.org/drawingml/2006/main" xmlns:p="http://schemas.openxmlformats.org/presentationml/2006/main" xmlns:r="http://schemas.openxmlformats.org/officeDocument/2006/relationships" xmlns:p14="http://schemas.microsoft.com/office/powerpoint/2010/main" xmlns:p15="http://schemas.microsoft.com/office/powerpoint/2012/main" xmlns:mc="http://schemas.openxmlformats.org/markup-compatibility/2006">
+<p:sld xmlns:a="http://schemas.openxmlformats.org/drawingml/2006/main" xmlns:r="http://schemas.openxmlformats.org/officeDocument/2006/relationships" xmlns:p="http://schemas.openxmlformats.org/presentationml/2006/main">
   <p:cSld>
     <p:spTree>
       <p:nvGrpSpPr>
@@ -5241,7 +6262,7 @@
             <a:avLst/>
           </a:prstGeom>
           <a:blipFill rotWithShape="0">
-            <a:blip r:embed="rId1"/>
+            <a:blip r:embed="rId2"/>
             <a:tile/>
           </a:blipFill>
           <a:ln w="12600">
@@ -5249,9 +6270,15 @@
           </a:ln>
         </p:spPr>
         <p:style>
-          <a:lnRef idx="0"/>
-          <a:fillRef idx="0"/>
-          <a:effectRef idx="0"/>
+          <a:lnRef idx="0">
+            <a:scrgbClr r="0" g="0" b="0"/>
+          </a:lnRef>
+          <a:fillRef idx="0">
+            <a:scrgbClr r="0" g="0" b="0"/>
+          </a:fillRef>
+          <a:effectRef idx="0">
+            <a:scrgbClr r="0" g="0" b="0"/>
+          </a:effectRef>
           <a:fontRef idx="minor"/>
         </p:style>
       </p:sp>
@@ -5275,13 +6302,20 @@
           </a:ln>
         </p:spPr>
         <p:style>
-          <a:lnRef idx="0"/>
-          <a:fillRef idx="0"/>
-          <a:effectRef idx="0"/>
+          <a:lnRef idx="0">
+            <a:scrgbClr r="0" g="0" b="0"/>
+          </a:lnRef>
+          <a:fillRef idx="0">
+            <a:scrgbClr r="0" g="0" b="0"/>
+          </a:fillRef>
+          <a:effectRef idx="0">
+            <a:scrgbClr r="0" g="0" b="0"/>
+          </a:effectRef>
           <a:fontRef idx="minor"/>
         </p:style>
         <p:txBody>
-          <a:bodyPr lIns="50760" rIns="50760" tIns="50760" bIns="50760" anchor="b"/>
+          <a:bodyPr lIns="50760" tIns="50760" rIns="50760" bIns="50760" anchor="b"/>
+          <a:lstStyle/>
           <a:p>
             <a:pPr algn="ctr">
               <a:lnSpc>
@@ -5289,16 +6323,16 @@
               </a:lnSpc>
             </a:pPr>
             <a:r>
-              <a:rPr b="0" lang="it-IT" sz="5000" spc="-1" strike="noStrike">
+              <a:rPr lang="it-IT" sz="5000" b="0" strike="noStrike" spc="-1">
                 <a:solidFill>
-                  <a:srgbClr val="ffffff"/>
+                  <a:srgbClr val="FFFFFF"/>
                 </a:solidFill>
                 <a:latin typeface="Helvetica Neue"/>
                 <a:ea typeface="DejaVu Sans"/>
               </a:rPr>
               <a:t>ESERCIZI ASSEGNATI 11-03-2022</a:t>
             </a:r>
-            <a:endParaRPr b="0" lang="it-IT" sz="5000" spc="-1" strike="noStrike">
+            <a:endParaRPr lang="it-IT" sz="5000" b="0" strike="noStrike" spc="-1">
               <a:latin typeface="Arial"/>
             </a:endParaRPr>
           </a:p>
@@ -5324,13 +6358,20 @@
           </a:ln>
         </p:spPr>
         <p:style>
-          <a:lnRef idx="0"/>
-          <a:fillRef idx="0"/>
-          <a:effectRef idx="0"/>
+          <a:lnRef idx="0">
+            <a:scrgbClr r="0" g="0" b="0"/>
+          </a:lnRef>
+          <a:fillRef idx="0">
+            <a:scrgbClr r="0" g="0" b="0"/>
+          </a:fillRef>
+          <a:effectRef idx="0">
+            <a:scrgbClr r="0" g="0" b="0"/>
+          </a:effectRef>
           <a:fontRef idx="minor"/>
         </p:style>
         <p:txBody>
-          <a:bodyPr lIns="50760" rIns="50760" tIns="50760" bIns="50760"/>
+          <a:bodyPr lIns="50760" tIns="50760" rIns="50760" bIns="50760"/>
+          <a:lstStyle/>
           <a:p>
             <a:pPr>
               <a:lnSpc>
@@ -5338,9 +6379,9 @@
               </a:lnSpc>
             </a:pPr>
             <a:r>
-              <a:rPr b="1" lang="it-IT" sz="1800" spc="-1" strike="noStrike">
+              <a:rPr lang="it-IT" sz="1800" b="1" strike="noStrike" spc="-1">
                 <a:solidFill>
-                  <a:srgbClr val="ffffff"/>
+                  <a:srgbClr val="FFFFFF"/>
                 </a:solidFill>
                 <a:latin typeface="Century Gothic"/>
                 <a:ea typeface="Century Gothic"/>
@@ -5349,16 +6390,16 @@
             </a:r>
             <a:br/>
             <a:r>
-              <a:rPr b="0" lang="it-IT" sz="1000" spc="-1" strike="noStrike">
+              <a:rPr lang="it-IT" sz="1000" b="0" strike="noStrike" spc="-1">
                 <a:solidFill>
-                  <a:srgbClr val="ffffff"/>
+                  <a:srgbClr val="FFFFFF"/>
                 </a:solidFill>
                 <a:latin typeface="Century Gothic"/>
                 <a:ea typeface="Century Gothic"/>
               </a:rPr>
               <a:t>SGQS modulo rev 01 09/09/2019</a:t>
             </a:r>
-            <a:endParaRPr b="0" lang="it-IT" sz="1000" spc="-1" strike="noStrike">
+            <a:endParaRPr lang="it-IT" sz="1000" b="0" strike="noStrike" spc="-1">
               <a:latin typeface="Arial"/>
             </a:endParaRPr>
           </a:p>
@@ -5368,7 +6409,7 @@
                 <a:spcPct val="100000"/>
               </a:lnSpc>
             </a:pPr>
-            <a:endParaRPr b="0" lang="it-IT" sz="1000" spc="-1" strike="noStrike">
+            <a:endParaRPr lang="it-IT" sz="1000" b="0" strike="noStrike" spc="-1">
               <a:latin typeface="Arial"/>
             </a:endParaRPr>
           </a:p>
@@ -5378,7 +6419,7 @@
                 <a:spcPct val="100000"/>
               </a:lnSpc>
             </a:pPr>
-            <a:endParaRPr b="0" lang="it-IT" sz="1000" spc="-1" strike="noStrike">
+            <a:endParaRPr lang="it-IT" sz="1000" b="0" strike="noStrike" spc="-1">
               <a:latin typeface="Arial"/>
             </a:endParaRPr>
           </a:p>
@@ -5388,7 +6429,7 @@
                 <a:spcPct val="100000"/>
               </a:lnSpc>
             </a:pPr>
-            <a:endParaRPr b="0" lang="it-IT" sz="1000" spc="-1" strike="noStrike">
+            <a:endParaRPr lang="it-IT" sz="1000" b="0" strike="noStrike" spc="-1">
               <a:latin typeface="Arial"/>
             </a:endParaRPr>
           </a:p>
@@ -5398,7 +6439,7 @@
                 <a:spcPct val="100000"/>
               </a:lnSpc>
             </a:pPr>
-            <a:endParaRPr b="0" lang="it-IT" sz="1000" spc="-1" strike="noStrike">
+            <a:endParaRPr lang="it-IT" sz="1000" b="0" strike="noStrike" spc="-1">
               <a:latin typeface="Arial"/>
             </a:endParaRPr>
           </a:p>
@@ -5408,7 +6449,7 @@
                 <a:spcPct val="100000"/>
               </a:lnSpc>
             </a:pPr>
-            <a:endParaRPr b="0" lang="it-IT" sz="1000" spc="-1" strike="noStrike">
+            <a:endParaRPr lang="it-IT" sz="1000" b="0" strike="noStrike" spc="-1">
               <a:latin typeface="Arial"/>
             </a:endParaRPr>
           </a:p>
@@ -5418,7 +6459,7 @@
                 <a:spcPct val="100000"/>
               </a:lnSpc>
             </a:pPr>
-            <a:endParaRPr b="0" lang="it-IT" sz="1000" spc="-1" strike="noStrike">
+            <a:endParaRPr lang="it-IT" sz="1000" b="0" strike="noStrike" spc="-1">
               <a:latin typeface="Arial"/>
             </a:endParaRPr>
           </a:p>
@@ -5428,7 +6469,7 @@
                 <a:spcPct val="100000"/>
               </a:lnSpc>
             </a:pPr>
-            <a:endParaRPr b="0" lang="it-IT" sz="1000" spc="-1" strike="noStrike">
+            <a:endParaRPr lang="it-IT" sz="1000" b="0" strike="noStrike" spc="-1">
               <a:latin typeface="Arial"/>
             </a:endParaRPr>
           </a:p>
@@ -5438,7 +6479,7 @@
                 <a:spcPct val="100000"/>
               </a:lnSpc>
             </a:pPr>
-            <a:endParaRPr b="0" lang="it-IT" sz="1000" spc="-1" strike="noStrike">
+            <a:endParaRPr lang="it-IT" sz="1000" b="0" strike="noStrike" spc="-1">
               <a:latin typeface="Arial"/>
             </a:endParaRPr>
           </a:p>
@@ -5448,7 +6489,7 @@
                 <a:spcPct val="100000"/>
               </a:lnSpc>
             </a:pPr>
-            <a:endParaRPr b="0" lang="it-IT" sz="1000" spc="-1" strike="noStrike">
+            <a:endParaRPr lang="it-IT" sz="1000" b="0" strike="noStrike" spc="-1">
               <a:latin typeface="Arial"/>
             </a:endParaRPr>
           </a:p>
@@ -5456,30 +6497,7 @@
       </p:sp>
       <p:pic>
         <p:nvPicPr>
-          <p:cNvPr id="117" name="Immagine 5" descr=""/>
-          <p:cNvPicPr/>
-          <p:nvPr/>
-        </p:nvPicPr>
-        <p:blipFill>
-          <a:blip r:embed="rId2"/>
-          <a:stretch/>
-        </p:blipFill>
-        <p:spPr>
-          <a:xfrm>
-            <a:off x="430200" y="0"/>
-            <a:ext cx="12216600" cy="1258920"/>
-          </a:xfrm>
-          <a:prstGeom prst="rect">
-            <a:avLst/>
-          </a:prstGeom>
-          <a:ln>
-            <a:noFill/>
-          </a:ln>
-        </p:spPr>
-      </p:pic>
-      <p:pic>
-        <p:nvPicPr>
-          <p:cNvPr id="118" name="Immagine 42" descr=""/>
+          <p:cNvPr id="117" name="Immagine 5"/>
           <p:cNvPicPr/>
           <p:nvPr/>
         </p:nvPicPr>
@@ -5489,8 +6507,8 @@
         </p:blipFill>
         <p:spPr>
           <a:xfrm>
-            <a:off x="360" y="8650800"/>
-            <a:ext cx="13003920" cy="1102320"/>
+            <a:off x="430200" y="0"/>
+            <a:ext cx="12216600" cy="1258920"/>
           </a:xfrm>
           <a:prstGeom prst="rect">
             <a:avLst/>
@@ -5500,8 +6518,34 @@
           </a:ln>
         </p:spPr>
       </p:pic>
+      <p:pic>
+        <p:nvPicPr>
+          <p:cNvPr id="118" name="Immagine 42"/>
+          <p:cNvPicPr/>
+          <p:nvPr/>
+        </p:nvPicPr>
+        <p:blipFill>
+          <a:blip r:embed="rId4"/>
+          <a:stretch/>
+        </p:blipFill>
+        <p:spPr>
+          <a:xfrm>
+            <a:off x="360" y="8650800"/>
+            <a:ext cx="13003920" cy="1102320"/>
+          </a:xfrm>
+          <a:prstGeom prst="rect">
+            <a:avLst/>
+          </a:prstGeom>
+          <a:ln>
+            <a:noFill/>
+          </a:ln>
+        </p:spPr>
+      </p:pic>
     </p:spTree>
   </p:cSld>
+  <p:clrMapOvr>
+    <a:masterClrMapping/>
+  </p:clrMapOvr>
   <p:timing>
     <p:tnLst>
       <p:par>
@@ -5510,14 +6554,14 @@
             <p:seq>
               <p:cTn id="2" dur="indefinite" nodeType="mainSeq"/>
               <p:prevCondLst>
-                <p:cond delay="0" evt="onPrev">
+                <p:cond evt="onPrev" delay="0">
                   <p:tgtEl>
                     <p:sldTgt/>
                   </p:tgtEl>
                 </p:cond>
               </p:prevCondLst>
               <p:nextCondLst>
-                <p:cond delay="0" evt="onNext">
+                <p:cond evt="onNext" delay="0">
                   <p:tgtEl>
                     <p:sldTgt/>
                   </p:tgtEl>
@@ -5533,7 +6577,7 @@
 </file>
 
 <file path=ppt/slides/slide2.xml><?xml version="1.0" encoding="utf-8"?>
-<p:sld xmlns:a="http://schemas.openxmlformats.org/drawingml/2006/main" xmlns:p="http://schemas.openxmlformats.org/presentationml/2006/main" xmlns:r="http://schemas.openxmlformats.org/officeDocument/2006/relationships" xmlns:p14="http://schemas.microsoft.com/office/powerpoint/2010/main" xmlns:p15="http://schemas.microsoft.com/office/powerpoint/2012/main" xmlns:mc="http://schemas.openxmlformats.org/markup-compatibility/2006">
+<p:sld xmlns:a="http://schemas.openxmlformats.org/drawingml/2006/main" xmlns:r="http://schemas.openxmlformats.org/officeDocument/2006/relationships" xmlns:p="http://schemas.openxmlformats.org/presentationml/2006/main">
   <p:cSld>
     <p:spTree>
       <p:nvGrpSpPr>
@@ -5551,30 +6595,7 @@
       </p:grpSpPr>
       <p:pic>
         <p:nvPicPr>
-          <p:cNvPr id="119" name="Immagine 5" descr=""/>
-          <p:cNvPicPr/>
-          <p:nvPr/>
-        </p:nvPicPr>
-        <p:blipFill>
-          <a:blip r:embed="rId1"/>
-          <a:stretch/>
-        </p:blipFill>
-        <p:spPr>
-          <a:xfrm>
-            <a:off x="430200" y="0"/>
-            <a:ext cx="12216600" cy="1258920"/>
-          </a:xfrm>
-          <a:prstGeom prst="rect">
-            <a:avLst/>
-          </a:prstGeom>
-          <a:ln>
-            <a:noFill/>
-          </a:ln>
-        </p:spPr>
-      </p:pic>
-      <p:pic>
-        <p:nvPicPr>
-          <p:cNvPr id="120" name="Immagine 46" descr=""/>
+          <p:cNvPr id="119" name="Immagine 5"/>
           <p:cNvPicPr/>
           <p:nvPr/>
         </p:nvPicPr>
@@ -5584,6 +6605,29 @@
         </p:blipFill>
         <p:spPr>
           <a:xfrm>
+            <a:off x="430200" y="0"/>
+            <a:ext cx="12216600" cy="1258920"/>
+          </a:xfrm>
+          <a:prstGeom prst="rect">
+            <a:avLst/>
+          </a:prstGeom>
+          <a:ln>
+            <a:noFill/>
+          </a:ln>
+        </p:spPr>
+      </p:pic>
+      <p:pic>
+        <p:nvPicPr>
+          <p:cNvPr id="120" name="Immagine 46"/>
+          <p:cNvPicPr/>
+          <p:nvPr/>
+        </p:nvPicPr>
+        <p:blipFill>
+          <a:blip r:embed="rId3"/>
+          <a:stretch/>
+        </p:blipFill>
+        <p:spPr>
+          <a:xfrm>
             <a:off x="360" y="8640000"/>
             <a:ext cx="13003920" cy="1102320"/>
           </a:xfrm>
@@ -5615,7 +6659,8 @@
           </a:ln>
         </p:spPr>
         <p:txBody>
-          <a:bodyPr lIns="0" rIns="0" tIns="0" bIns="0" anchor="ctr"/>
+          <a:bodyPr lIns="0" tIns="0" rIns="0" bIns="0" anchor="ctr"/>
+          <a:lstStyle/>
           <a:p>
             <a:pPr algn="ctr">
               <a:lnSpc>
@@ -5623,7 +6668,7 @@
               </a:lnSpc>
             </a:pPr>
             <a:r>
-              <a:rPr b="0" lang="it-IT" sz="4400" spc="-1" strike="noStrike">
+              <a:rPr lang="it-IT" sz="4400" b="0" strike="noStrike" spc="-1">
                 <a:solidFill>
                   <a:srgbClr val="000000"/>
                 </a:solidFill>
@@ -5632,7 +6677,7 @@
               </a:rPr>
               <a:t>PICCOLA PRECISAZIONE</a:t>
             </a:r>
-            <a:endParaRPr b="0" lang="it-IT" sz="4400" spc="-1" strike="noStrike">
+            <a:endParaRPr lang="it-IT" sz="4400" b="0" strike="noStrike" spc="-1">
               <a:solidFill>
                 <a:srgbClr val="000000"/>
               </a:solidFill>
@@ -5661,7 +6706,8 @@
           </a:ln>
         </p:spPr>
         <p:txBody>
-          <a:bodyPr lIns="0" rIns="0" tIns="0" bIns="0" anchor="ctr"/>
+          <a:bodyPr lIns="0" tIns="0" rIns="0" bIns="0" anchor="ctr"/>
+          <a:lstStyle/>
           <a:p>
             <a:pPr marL="228600" indent="-228240">
               <a:lnSpc>
@@ -5677,7 +6723,7 @@
               <a:buChar char="•"/>
             </a:pPr>
             <a:r>
-              <a:rPr b="0" lang="it-IT" sz="2800" spc="-1" strike="noStrike">
+              <a:rPr lang="it-IT" sz="2800" b="0" strike="noStrike" spc="-1">
                 <a:solidFill>
                   <a:srgbClr val="000000"/>
                 </a:solidFill>
@@ -5686,7 +6732,7 @@
               </a:rPr>
               <a:t>Quando si svolgono gli esercizi di laboratorio i fogli JAVA, devono essere opportunamente commentati, inserendo l’autore,  la data e la consegna dell’esercizio (veder esempio slide successiva)</a:t>
             </a:r>
-            <a:endParaRPr b="0" lang="it-IT" sz="2800" spc="-1" strike="noStrike">
+            <a:endParaRPr lang="it-IT" sz="2800" b="0" strike="noStrike" spc="-1">
               <a:solidFill>
                 <a:srgbClr val="000000"/>
               </a:solidFill>
@@ -5697,22 +6743,25 @@
       </p:sp>
     </p:spTree>
   </p:cSld>
+  <p:clrMapOvr>
+    <a:masterClrMapping/>
+  </p:clrMapOvr>
   <p:timing>
     <p:tnLst>
       <p:par>
-        <p:cTn id="3" dur="indefinite" restart="never" nodeType="tmRoot">
+        <p:cTn id="1" dur="indefinite" restart="never" nodeType="tmRoot">
           <p:childTnLst>
             <p:seq>
-              <p:cTn id="4" dur="indefinite" nodeType="mainSeq"/>
+              <p:cTn id="2" dur="indefinite" nodeType="mainSeq"/>
               <p:prevCondLst>
-                <p:cond delay="0" evt="onPrev">
+                <p:cond evt="onPrev" delay="0">
                   <p:tgtEl>
                     <p:sldTgt/>
                   </p:tgtEl>
                 </p:cond>
               </p:prevCondLst>
               <p:nextCondLst>
-                <p:cond delay="0" evt="onNext">
+                <p:cond evt="onNext" delay="0">
                   <p:tgtEl>
                     <p:sldTgt/>
                   </p:tgtEl>
@@ -5728,7 +6777,7 @@
 </file>
 
 <file path=ppt/slides/slide3.xml><?xml version="1.0" encoding="utf-8"?>
-<p:sld xmlns:a="http://schemas.openxmlformats.org/drawingml/2006/main" xmlns:p="http://schemas.openxmlformats.org/presentationml/2006/main" xmlns:r="http://schemas.openxmlformats.org/officeDocument/2006/relationships" xmlns:p14="http://schemas.microsoft.com/office/powerpoint/2010/main" xmlns:p15="http://schemas.microsoft.com/office/powerpoint/2012/main" xmlns:mc="http://schemas.openxmlformats.org/markup-compatibility/2006">
+<p:sld xmlns:a="http://schemas.openxmlformats.org/drawingml/2006/main" xmlns:r="http://schemas.openxmlformats.org/officeDocument/2006/relationships" xmlns:p="http://schemas.openxmlformats.org/presentationml/2006/main">
   <p:cSld>
     <p:spTree>
       <p:nvGrpSpPr>
@@ -5746,30 +6795,7 @@
       </p:grpSpPr>
       <p:pic>
         <p:nvPicPr>
-          <p:cNvPr id="123" name="Immagine 5" descr=""/>
-          <p:cNvPicPr/>
-          <p:nvPr/>
-        </p:nvPicPr>
-        <p:blipFill>
-          <a:blip r:embed="rId1"/>
-          <a:stretch/>
-        </p:blipFill>
-        <p:spPr>
-          <a:xfrm>
-            <a:off x="430200" y="0"/>
-            <a:ext cx="12216600" cy="1258920"/>
-          </a:xfrm>
-          <a:prstGeom prst="rect">
-            <a:avLst/>
-          </a:prstGeom>
-          <a:ln>
-            <a:noFill/>
-          </a:ln>
-        </p:spPr>
-      </p:pic>
-      <p:pic>
-        <p:nvPicPr>
-          <p:cNvPr id="124" name="Immagine 46" descr=""/>
+          <p:cNvPr id="123" name="Immagine 5"/>
           <p:cNvPicPr/>
           <p:nvPr/>
         </p:nvPicPr>
@@ -5779,6 +6805,29 @@
         </p:blipFill>
         <p:spPr>
           <a:xfrm>
+            <a:off x="430200" y="0"/>
+            <a:ext cx="12216600" cy="1258920"/>
+          </a:xfrm>
+          <a:prstGeom prst="rect">
+            <a:avLst/>
+          </a:prstGeom>
+          <a:ln>
+            <a:noFill/>
+          </a:ln>
+        </p:spPr>
+      </p:pic>
+      <p:pic>
+        <p:nvPicPr>
+          <p:cNvPr id="124" name="Immagine 46"/>
+          <p:cNvPicPr/>
+          <p:nvPr/>
+        </p:nvPicPr>
+        <p:blipFill>
+          <a:blip r:embed="rId3"/>
+          <a:stretch/>
+        </p:blipFill>
+        <p:spPr>
+          <a:xfrm>
             <a:off x="360" y="8640000"/>
             <a:ext cx="13003920" cy="1102320"/>
           </a:xfrm>
@@ -5810,7 +6859,8 @@
           </a:ln>
         </p:spPr>
         <p:txBody>
-          <a:bodyPr lIns="0" rIns="0" tIns="0" bIns="0" anchor="ctr"/>
+          <a:bodyPr lIns="0" tIns="0" rIns="0" bIns="0" anchor="ctr"/>
+          <a:lstStyle/>
           <a:p>
             <a:pPr algn="ctr">
               <a:lnSpc>
@@ -5818,7 +6868,7 @@
               </a:lnSpc>
             </a:pPr>
             <a:r>
-              <a:rPr b="0" lang="it-IT" sz="4400" spc="-1" strike="noStrike">
+              <a:rPr lang="it-IT" sz="4400" b="0" strike="noStrike" spc="-1">
                 <a:solidFill>
                   <a:srgbClr val="000000"/>
                 </a:solidFill>
@@ -5827,7 +6877,7 @@
               </a:rPr>
               <a:t>ESEMPIO</a:t>
             </a:r>
-            <a:endParaRPr b="0" lang="it-IT" sz="4400" spc="-1" strike="noStrike">
+            <a:endParaRPr lang="it-IT" sz="4400" b="0" strike="noStrike" spc="-1">
               <a:solidFill>
                 <a:srgbClr val="000000"/>
               </a:solidFill>
@@ -5838,12 +6888,12 @@
       </p:sp>
       <p:pic>
         <p:nvPicPr>
-          <p:cNvPr id="126" name="Immagine 6" descr=""/>
+          <p:cNvPr id="126" name="Immagine 6"/>
           <p:cNvPicPr/>
           <p:nvPr/>
         </p:nvPicPr>
         <p:blipFill>
-          <a:blip r:embed="rId3"/>
+          <a:blip r:embed="rId4"/>
           <a:stretch/>
         </p:blipFill>
         <p:spPr>
@@ -5861,22 +6911,25 @@
       </p:pic>
     </p:spTree>
   </p:cSld>
+  <p:clrMapOvr>
+    <a:masterClrMapping/>
+  </p:clrMapOvr>
   <p:timing>
     <p:tnLst>
       <p:par>
-        <p:cTn id="5" dur="indefinite" restart="never" nodeType="tmRoot">
+        <p:cTn id="1" dur="indefinite" restart="never" nodeType="tmRoot">
           <p:childTnLst>
             <p:seq>
-              <p:cTn id="6" dur="indefinite" nodeType="mainSeq"/>
+              <p:cTn id="2" dur="indefinite" nodeType="mainSeq"/>
               <p:prevCondLst>
-                <p:cond delay="0" evt="onPrev">
+                <p:cond evt="onPrev" delay="0">
                   <p:tgtEl>
                     <p:sldTgt/>
                   </p:tgtEl>
                 </p:cond>
               </p:prevCondLst>
               <p:nextCondLst>
-                <p:cond delay="0" evt="onNext">
+                <p:cond evt="onNext" delay="0">
                   <p:tgtEl>
                     <p:sldTgt/>
                   </p:tgtEl>
@@ -5892,7 +6945,7 @@
 </file>
 
 <file path=ppt/slides/slide4.xml><?xml version="1.0" encoding="utf-8"?>
-<p:sld xmlns:a="http://schemas.openxmlformats.org/drawingml/2006/main" xmlns:p="http://schemas.openxmlformats.org/presentationml/2006/main" xmlns:r="http://schemas.openxmlformats.org/officeDocument/2006/relationships" xmlns:p14="http://schemas.microsoft.com/office/powerpoint/2010/main" xmlns:p15="http://schemas.microsoft.com/office/powerpoint/2012/main" xmlns:mc="http://schemas.openxmlformats.org/markup-compatibility/2006">
+<p:sld xmlns:a="http://schemas.openxmlformats.org/drawingml/2006/main" xmlns:r="http://schemas.openxmlformats.org/officeDocument/2006/relationships" xmlns:p="http://schemas.openxmlformats.org/presentationml/2006/main">
   <p:cSld>
     <p:spTree>
       <p:nvGrpSpPr>
@@ -5910,30 +6963,7 @@
       </p:grpSpPr>
       <p:pic>
         <p:nvPicPr>
-          <p:cNvPr id="127" name="Immagine 5" descr=""/>
-          <p:cNvPicPr/>
-          <p:nvPr/>
-        </p:nvPicPr>
-        <p:blipFill>
-          <a:blip r:embed="rId1"/>
-          <a:stretch/>
-        </p:blipFill>
-        <p:spPr>
-          <a:xfrm>
-            <a:off x="430200" y="0"/>
-            <a:ext cx="12216600" cy="1258920"/>
-          </a:xfrm>
-          <a:prstGeom prst="rect">
-            <a:avLst/>
-          </a:prstGeom>
-          <a:ln>
-            <a:noFill/>
-          </a:ln>
-        </p:spPr>
-      </p:pic>
-      <p:pic>
-        <p:nvPicPr>
-          <p:cNvPr id="128" name="Immagine 46" descr=""/>
+          <p:cNvPr id="127" name="Immagine 5"/>
           <p:cNvPicPr/>
           <p:nvPr/>
         </p:nvPicPr>
@@ -5943,6 +6973,29 @@
         </p:blipFill>
         <p:spPr>
           <a:xfrm>
+            <a:off x="430200" y="0"/>
+            <a:ext cx="12216600" cy="1258920"/>
+          </a:xfrm>
+          <a:prstGeom prst="rect">
+            <a:avLst/>
+          </a:prstGeom>
+          <a:ln>
+            <a:noFill/>
+          </a:ln>
+        </p:spPr>
+      </p:pic>
+      <p:pic>
+        <p:nvPicPr>
+          <p:cNvPr id="128" name="Immagine 46"/>
+          <p:cNvPicPr/>
+          <p:nvPr/>
+        </p:nvPicPr>
+        <p:blipFill>
+          <a:blip r:embed="rId3"/>
+          <a:stretch/>
+        </p:blipFill>
+        <p:spPr>
+          <a:xfrm>
             <a:off x="360" y="8640000"/>
             <a:ext cx="13003920" cy="1102320"/>
           </a:xfrm>
@@ -5974,7 +7027,8 @@
           </a:ln>
         </p:spPr>
         <p:txBody>
-          <a:bodyPr lIns="0" rIns="0" tIns="0" bIns="0" anchor="ctr"/>
+          <a:bodyPr lIns="0" tIns="0" rIns="0" bIns="0" anchor="ctr"/>
+          <a:lstStyle/>
           <a:p>
             <a:pPr algn="ctr">
               <a:lnSpc>
@@ -5982,7 +7036,7 @@
               </a:lnSpc>
             </a:pPr>
             <a:r>
-              <a:rPr b="0" lang="it-IT" sz="4400" spc="-1" strike="noStrike">
+              <a:rPr lang="it-IT" sz="4400" b="0" strike="noStrike" spc="-1">
                 <a:solidFill>
                   <a:srgbClr val="000000"/>
                 </a:solidFill>
@@ -5991,7 +7045,7 @@
               </a:rPr>
               <a:t>PICCOLA PRECISAZIONE pt,2</a:t>
             </a:r>
-            <a:endParaRPr b="0" lang="it-IT" sz="4400" spc="-1" strike="noStrike">
+            <a:endParaRPr lang="it-IT" sz="4400" b="0" strike="noStrike" spc="-1">
               <a:solidFill>
                 <a:srgbClr val="000000"/>
               </a:solidFill>
@@ -6020,7 +7074,8 @@
           </a:ln>
         </p:spPr>
         <p:txBody>
-          <a:bodyPr lIns="0" rIns="0" tIns="0" bIns="0" anchor="ctr"/>
+          <a:bodyPr lIns="0" tIns="0" rIns="0" bIns="0" anchor="ctr"/>
+          <a:lstStyle/>
           <a:p>
             <a:pPr marL="457200" indent="-456840">
               <a:lnSpc>
@@ -6036,7 +7091,7 @@
               <a:buChar char="•"/>
             </a:pPr>
             <a:r>
-              <a:rPr b="0" lang="it-IT" sz="2800" spc="-1" strike="noStrike">
+              <a:rPr lang="it-IT" sz="2800" b="0" strike="noStrike" spc="-1">
                 <a:solidFill>
                   <a:srgbClr val="000000"/>
                 </a:solidFill>
@@ -6045,7 +7100,7 @@
               </a:rPr>
               <a:t>Quando implementiamo una funzione, voglio che le documentiate mediante dei commenti.</a:t>
             </a:r>
-            <a:endParaRPr b="0" lang="it-IT" sz="2800" spc="-1" strike="noStrike">
+            <a:endParaRPr lang="it-IT" sz="2800" b="0" strike="noStrike" spc="-1">
               <a:solidFill>
                 <a:srgbClr val="000000"/>
               </a:solidFill>
@@ -6061,7 +7116,7 @@
                 <a:spcPts val="1001"/>
               </a:spcBef>
             </a:pPr>
-            <a:endParaRPr b="0" lang="it-IT" sz="2800" spc="-1" strike="noStrike">
+            <a:endParaRPr lang="it-IT" sz="2800" b="0" strike="noStrike" spc="-1">
               <a:solidFill>
                 <a:srgbClr val="000000"/>
               </a:solidFill>
@@ -6083,7 +7138,7 @@
               <a:buChar char="•"/>
             </a:pPr>
             <a:r>
-              <a:rPr b="0" lang="it-IT" sz="2800" spc="-1" strike="noStrike">
+              <a:rPr lang="it-IT" sz="2800" b="0" strike="noStrike" spc="-1">
                 <a:solidFill>
                   <a:srgbClr val="000000"/>
                 </a:solidFill>
@@ -6092,39 +7147,39 @@
               </a:rPr>
               <a:t>Es: calcolare una funzione che calcoli il prodotto tra due numeri</a:t>
             </a:r>
-            <a:endParaRPr b="0" lang="it-IT" sz="2800" spc="-1" strike="noStrike">
-              <a:solidFill>
-                <a:srgbClr val="000000"/>
-              </a:solidFill>
-              <a:latin typeface="Arial"/>
-            </a:endParaRPr>
-          </a:p>
-          <a:p>
-            <a:endParaRPr b="0" lang="it-IT" sz="2800" spc="-1" strike="noStrike">
-              <a:solidFill>
-                <a:srgbClr val="000000"/>
-              </a:solidFill>
-              <a:latin typeface="Arial"/>
-            </a:endParaRPr>
-          </a:p>
-          <a:p>
-            <a:endParaRPr b="0" lang="it-IT" sz="2800" spc="-1" strike="noStrike">
-              <a:solidFill>
-                <a:srgbClr val="000000"/>
-              </a:solidFill>
-              <a:latin typeface="Arial"/>
-            </a:endParaRPr>
-          </a:p>
-          <a:p>
-            <a:endParaRPr b="0" lang="it-IT" sz="2800" spc="-1" strike="noStrike">
-              <a:solidFill>
-                <a:srgbClr val="000000"/>
-              </a:solidFill>
-              <a:latin typeface="Arial"/>
-            </a:endParaRPr>
-          </a:p>
-          <a:p>
-            <a:pPr lvl="1" marL="457200" indent="-456840">
+            <a:endParaRPr lang="it-IT" sz="2800" b="0" strike="noStrike" spc="-1">
+              <a:solidFill>
+                <a:srgbClr val="000000"/>
+              </a:solidFill>
+              <a:latin typeface="Arial"/>
+            </a:endParaRPr>
+          </a:p>
+          <a:p>
+            <a:endParaRPr lang="it-IT" sz="2800" b="0" strike="noStrike" spc="-1">
+              <a:solidFill>
+                <a:srgbClr val="000000"/>
+              </a:solidFill>
+              <a:latin typeface="Arial"/>
+            </a:endParaRPr>
+          </a:p>
+          <a:p>
+            <a:endParaRPr lang="it-IT" sz="2800" b="0" strike="noStrike" spc="-1">
+              <a:solidFill>
+                <a:srgbClr val="000000"/>
+              </a:solidFill>
+              <a:latin typeface="Arial"/>
+            </a:endParaRPr>
+          </a:p>
+          <a:p>
+            <a:endParaRPr lang="it-IT" sz="2800" b="0" strike="noStrike" spc="-1">
+              <a:solidFill>
+                <a:srgbClr val="000000"/>
+              </a:solidFill>
+              <a:latin typeface="Arial"/>
+            </a:endParaRPr>
+          </a:p>
+          <a:p>
+            <a:pPr marL="457200" lvl="1" indent="-456840">
               <a:lnSpc>
                 <a:spcPct val="90000"/>
               </a:lnSpc>
@@ -6138,7 +7193,7 @@
               <a:buChar char="•"/>
             </a:pPr>
             <a:r>
-              <a:rPr b="0" lang="it-IT" sz="200" spc="-1" strike="noStrike">
+              <a:rPr lang="it-IT" sz="200" b="0" strike="noStrike" spc="-1">
                 <a:solidFill>
                   <a:srgbClr val="000000"/>
                 </a:solidFill>
@@ -6147,7 +7202,7 @@
               </a:rPr>
               <a:t>d</a:t>
             </a:r>
-            <a:endParaRPr b="0" lang="it-IT" sz="200" spc="-1" strike="noStrike">
+            <a:endParaRPr lang="it-IT" sz="200" b="0" strike="noStrike" spc="-1">
               <a:solidFill>
                 <a:srgbClr val="000000"/>
               </a:solidFill>
@@ -6158,22 +7213,25 @@
       </p:sp>
     </p:spTree>
   </p:cSld>
+  <p:clrMapOvr>
+    <a:masterClrMapping/>
+  </p:clrMapOvr>
   <p:timing>
     <p:tnLst>
       <p:par>
-        <p:cTn id="7" dur="indefinite" restart="never" nodeType="tmRoot">
+        <p:cTn id="1" dur="indefinite" restart="never" nodeType="tmRoot">
           <p:childTnLst>
             <p:seq>
-              <p:cTn id="8" dur="indefinite" nodeType="mainSeq"/>
+              <p:cTn id="2" dur="indefinite" nodeType="mainSeq"/>
               <p:prevCondLst>
-                <p:cond delay="0" evt="onPrev">
+                <p:cond evt="onPrev" delay="0">
                   <p:tgtEl>
                     <p:sldTgt/>
                   </p:tgtEl>
                 </p:cond>
               </p:prevCondLst>
               <p:nextCondLst>
-                <p:cond delay="0" evt="onNext">
+                <p:cond evt="onNext" delay="0">
                   <p:tgtEl>
                     <p:sldTgt/>
                   </p:tgtEl>
@@ -6189,7 +7247,7 @@
 </file>
 
 <file path=ppt/slides/slide5.xml><?xml version="1.0" encoding="utf-8"?>
-<p:sld xmlns:a="http://schemas.openxmlformats.org/drawingml/2006/main" xmlns:p="http://schemas.openxmlformats.org/presentationml/2006/main" xmlns:r="http://schemas.openxmlformats.org/officeDocument/2006/relationships" xmlns:p14="http://schemas.microsoft.com/office/powerpoint/2010/main" xmlns:p15="http://schemas.microsoft.com/office/powerpoint/2012/main" xmlns:mc="http://schemas.openxmlformats.org/markup-compatibility/2006">
+<p:sld xmlns:a="http://schemas.openxmlformats.org/drawingml/2006/main" xmlns:r="http://schemas.openxmlformats.org/officeDocument/2006/relationships" xmlns:p="http://schemas.openxmlformats.org/presentationml/2006/main">
   <p:cSld>
     <p:spTree>
       <p:nvGrpSpPr>
@@ -6207,30 +7265,7 @@
       </p:grpSpPr>
       <p:pic>
         <p:nvPicPr>
-          <p:cNvPr id="131" name="Immagine 5" descr=""/>
-          <p:cNvPicPr/>
-          <p:nvPr/>
-        </p:nvPicPr>
-        <p:blipFill>
-          <a:blip r:embed="rId1"/>
-          <a:stretch/>
-        </p:blipFill>
-        <p:spPr>
-          <a:xfrm>
-            <a:off x="430200" y="0"/>
-            <a:ext cx="12216600" cy="1258920"/>
-          </a:xfrm>
-          <a:prstGeom prst="rect">
-            <a:avLst/>
-          </a:prstGeom>
-          <a:ln>
-            <a:noFill/>
-          </a:ln>
-        </p:spPr>
-      </p:pic>
-      <p:pic>
-        <p:nvPicPr>
-          <p:cNvPr id="132" name="Immagine 46" descr=""/>
+          <p:cNvPr id="131" name="Immagine 5"/>
           <p:cNvPicPr/>
           <p:nvPr/>
         </p:nvPicPr>
@@ -6240,6 +7275,29 @@
         </p:blipFill>
         <p:spPr>
           <a:xfrm>
+            <a:off x="430200" y="0"/>
+            <a:ext cx="12216600" cy="1258920"/>
+          </a:xfrm>
+          <a:prstGeom prst="rect">
+            <a:avLst/>
+          </a:prstGeom>
+          <a:ln>
+            <a:noFill/>
+          </a:ln>
+        </p:spPr>
+      </p:pic>
+      <p:pic>
+        <p:nvPicPr>
+          <p:cNvPr id="132" name="Immagine 46"/>
+          <p:cNvPicPr/>
+          <p:nvPr/>
+        </p:nvPicPr>
+        <p:blipFill>
+          <a:blip r:embed="rId3"/>
+          <a:stretch/>
+        </p:blipFill>
+        <p:spPr>
+          <a:xfrm>
             <a:off x="360" y="8640000"/>
             <a:ext cx="13003920" cy="1102320"/>
           </a:xfrm>
@@ -6271,7 +7329,8 @@
           </a:ln>
         </p:spPr>
         <p:txBody>
-          <a:bodyPr lIns="0" rIns="0" tIns="0" bIns="0" anchor="ctr"/>
+          <a:bodyPr lIns="0" tIns="0" rIns="0" bIns="0" anchor="ctr"/>
+          <a:lstStyle/>
           <a:p>
             <a:pPr algn="ctr">
               <a:lnSpc>
@@ -6279,7 +7338,7 @@
               </a:lnSpc>
             </a:pPr>
             <a:r>
-              <a:rPr b="0" lang="it-IT" sz="4400" spc="-1" strike="noStrike">
+              <a:rPr lang="it-IT" sz="4400" b="0" strike="noStrike" spc="-1">
                 <a:solidFill>
                   <a:srgbClr val="000000"/>
                 </a:solidFill>
@@ -6288,7 +7347,7 @@
               </a:rPr>
               <a:t>ESEMPIO</a:t>
             </a:r>
-            <a:endParaRPr b="0" lang="it-IT" sz="4400" spc="-1" strike="noStrike">
+            <a:endParaRPr lang="it-IT" sz="4400" b="0" strike="noStrike" spc="-1">
               <a:solidFill>
                 <a:srgbClr val="000000"/>
               </a:solidFill>
@@ -6299,12 +7358,12 @@
       </p:sp>
       <p:pic>
         <p:nvPicPr>
-          <p:cNvPr id="134" name="Immagine 3" descr=""/>
+          <p:cNvPr id="134" name="Immagine 3"/>
           <p:cNvPicPr/>
           <p:nvPr/>
         </p:nvPicPr>
         <p:blipFill>
-          <a:blip r:embed="rId3"/>
+          <a:blip r:embed="rId4"/>
           <a:stretch/>
         </p:blipFill>
         <p:spPr>
@@ -6322,22 +7381,25 @@
       </p:pic>
     </p:spTree>
   </p:cSld>
+  <p:clrMapOvr>
+    <a:masterClrMapping/>
+  </p:clrMapOvr>
   <p:timing>
     <p:tnLst>
       <p:par>
-        <p:cTn id="9" dur="indefinite" restart="never" nodeType="tmRoot">
+        <p:cTn id="1" dur="indefinite" restart="never" nodeType="tmRoot">
           <p:childTnLst>
             <p:seq>
-              <p:cTn id="10" dur="indefinite" nodeType="mainSeq"/>
+              <p:cTn id="2" dur="indefinite" nodeType="mainSeq"/>
               <p:prevCondLst>
-                <p:cond delay="0" evt="onPrev">
+                <p:cond evt="onPrev" delay="0">
                   <p:tgtEl>
                     <p:sldTgt/>
                   </p:tgtEl>
                 </p:cond>
               </p:prevCondLst>
               <p:nextCondLst>
-                <p:cond delay="0" evt="onNext">
+                <p:cond evt="onNext" delay="0">
                   <p:tgtEl>
                     <p:sldTgt/>
                   </p:tgtEl>
@@ -6353,7 +7415,7 @@
 </file>
 
 <file path=ppt/slides/slide6.xml><?xml version="1.0" encoding="utf-8"?>
-<p:sld xmlns:a="http://schemas.openxmlformats.org/drawingml/2006/main" xmlns:p="http://schemas.openxmlformats.org/presentationml/2006/main" xmlns:r="http://schemas.openxmlformats.org/officeDocument/2006/relationships" xmlns:p14="http://schemas.microsoft.com/office/powerpoint/2010/main" xmlns:p15="http://schemas.microsoft.com/office/powerpoint/2012/main" xmlns:mc="http://schemas.openxmlformats.org/markup-compatibility/2006">
+<p:sld xmlns:a="http://schemas.openxmlformats.org/drawingml/2006/main" xmlns:r="http://schemas.openxmlformats.org/officeDocument/2006/relationships" xmlns:p="http://schemas.openxmlformats.org/presentationml/2006/main">
   <p:cSld>
     <p:spTree>
       <p:nvGrpSpPr>
@@ -6389,7 +7451,8 @@
           </a:ln>
         </p:spPr>
         <p:txBody>
-          <a:bodyPr lIns="0" rIns="0" tIns="0" bIns="0" anchor="ctr"/>
+          <a:bodyPr lIns="0" tIns="0" rIns="0" bIns="0" anchor="ctr"/>
+          <a:lstStyle/>
           <a:p>
             <a:pPr algn="ctr">
               <a:lnSpc>
@@ -6397,7 +7460,7 @@
               </a:lnSpc>
             </a:pPr>
             <a:r>
-              <a:rPr b="0" lang="it-IT" sz="4400" spc="-1" strike="noStrike">
+              <a:rPr lang="it-IT" sz="4400" b="0" strike="noStrike" spc="-1">
                 <a:solidFill>
                   <a:srgbClr val="000000"/>
                 </a:solidFill>
@@ -6406,7 +7469,7 @@
               </a:rPr>
               <a:t>ESERCIZI PRIMA PARTE</a:t>
             </a:r>
-            <a:endParaRPr b="0" lang="it-IT" sz="4400" spc="-1" strike="noStrike">
+            <a:endParaRPr lang="it-IT" sz="4400" b="0" strike="noStrike" spc="-1">
               <a:solidFill>
                 <a:srgbClr val="000000"/>
               </a:solidFill>
@@ -6435,9 +7498,10 @@
           </a:ln>
         </p:spPr>
         <p:txBody>
-          <a:bodyPr lIns="0" rIns="0" tIns="0" bIns="0" anchor="ctr">
+          <a:bodyPr lIns="0" tIns="0" rIns="0" bIns="0" anchor="ctr">
             <a:normAutofit/>
           </a:bodyPr>
+          <a:lstStyle/>
           <a:p>
             <a:pPr marL="514440" indent="-514080">
               <a:lnSpc>
@@ -6453,7 +7517,7 @@
               <a:buAutoNum type="arabicPeriod"/>
             </a:pPr>
             <a:r>
-              <a:rPr b="0" lang="it-IT" sz="2500" spc="-1" strike="noStrike">
+              <a:rPr lang="it-IT" sz="2500" b="0" strike="noStrike" spc="-1">
                 <a:solidFill>
                   <a:srgbClr val="000000"/>
                 </a:solidFill>
@@ -6462,7 +7526,7 @@
               </a:rPr>
               <a:t>Scrivere un programma (opportunamente commentato) che svolga le funzioni di una calcolatrice, che implementi quindi la funzione di somma, differenza, moltiplicazione, prodotto, divisione. </a:t>
             </a:r>
-            <a:endParaRPr b="0" lang="it-IT" sz="2500" spc="-1" strike="noStrike">
+            <a:endParaRPr lang="it-IT" sz="2500" b="0" strike="noStrike" spc="-1">
               <a:solidFill>
                 <a:srgbClr val="000000"/>
               </a:solidFill>
@@ -6484,7 +7548,7 @@
               <a:buAutoNum type="arabicPeriod"/>
             </a:pPr>
             <a:r>
-              <a:rPr b="0" lang="it-IT" sz="2500" spc="-1" strike="noStrike">
+              <a:rPr lang="it-IT" sz="2500" b="0" strike="noStrike" spc="-1">
                 <a:solidFill>
                   <a:srgbClr val="000000"/>
                 </a:solidFill>
@@ -6494,7 +7558,7 @@
               <a:t>All’esercizio precedente, inserire anche il calcolo delle funzioni trigonometriche, utilizzando i metodi della classe </a:t>
             </a:r>
             <a:r>
-              <a:rPr b="1" lang="it-IT" sz="2500" spc="-1" strike="noStrike">
+              <a:rPr lang="it-IT" sz="2500" b="1" strike="noStrike" spc="-1">
                 <a:solidFill>
                   <a:srgbClr val="000000"/>
                 </a:solidFill>
@@ -6503,7 +7567,7 @@
               </a:rPr>
               <a:t>Math.</a:t>
             </a:r>
-            <a:endParaRPr b="0" lang="it-IT" sz="2500" spc="-1" strike="noStrike">
+            <a:endParaRPr lang="it-IT" sz="2500" b="0" strike="noStrike" spc="-1">
               <a:solidFill>
                 <a:srgbClr val="000000"/>
               </a:solidFill>
@@ -6525,7 +7589,7 @@
               <a:buAutoNum type="arabicPeriod"/>
             </a:pPr>
             <a:r>
-              <a:rPr b="0" lang="it-IT" sz="2500" spc="-1" strike="noStrike">
+              <a:rPr lang="it-IT" sz="2500" b="0" strike="noStrike" spc="-1">
                 <a:solidFill>
                   <a:srgbClr val="000000"/>
                 </a:solidFill>
@@ -6534,7 +7598,7 @@
               </a:rPr>
               <a:t>Partendo dall’esercizio precedente, implementare la calcolatrice usando le funzioni</a:t>
             </a:r>
-            <a:endParaRPr b="0" lang="it-IT" sz="2500" spc="-1" strike="noStrike">
+            <a:endParaRPr lang="it-IT" sz="2500" b="0" strike="noStrike" spc="-1">
               <a:solidFill>
                 <a:srgbClr val="000000"/>
               </a:solidFill>
@@ -6556,7 +7620,7 @@
               <a:buAutoNum type="arabicPeriod"/>
             </a:pPr>
             <a:r>
-              <a:rPr b="0" lang="it-IT" sz="2500" spc="-1" strike="noStrike">
+              <a:rPr lang="it-IT" sz="2500" b="0" strike="noStrike" spc="-1">
                 <a:solidFill>
                   <a:srgbClr val="000000"/>
                 </a:solidFill>
@@ -6565,7 +7629,7 @@
               </a:rPr>
               <a:t>Partendo dall’esercizio 3, aggiungere un pezzo di codice che chieda all’utente se vuole rieseguire un calcolo, premendo la lettera ‘y’, altrimenti termina il programma</a:t>
             </a:r>
-            <a:endParaRPr b="0" lang="it-IT" sz="2500" spc="-1" strike="noStrike">
+            <a:endParaRPr lang="it-IT" sz="2500" b="0" strike="noStrike" spc="-1">
               <a:solidFill>
                 <a:srgbClr val="000000"/>
               </a:solidFill>
@@ -6587,7 +7651,7 @@
               <a:buAutoNum type="arabicPeriod"/>
             </a:pPr>
             <a:r>
-              <a:rPr b="0" lang="it-IT" sz="2500" spc="-1" strike="noStrike">
+              <a:rPr lang="it-IT" sz="2500" b="0" strike="noStrike" spc="-1">
                 <a:solidFill>
                   <a:srgbClr val="000000"/>
                 </a:solidFill>
@@ -6596,7 +7660,7 @@
               </a:rPr>
               <a:t>Implementare un pezzo di codice che permetta di controllare se un numero è divisibile per 2, 3, 4, 5.</a:t>
             </a:r>
-            <a:endParaRPr b="0" lang="it-IT" sz="2500" spc="-1" strike="noStrike">
+            <a:endParaRPr lang="it-IT" sz="2500" b="0" strike="noStrike" spc="-1">
               <a:solidFill>
                 <a:srgbClr val="000000"/>
               </a:solidFill>
@@ -6618,7 +7682,7 @@
               <a:buAutoNum type="arabicPeriod"/>
             </a:pPr>
             <a:r>
-              <a:rPr b="0" lang="it-IT" sz="2500" spc="-1" strike="noStrike">
+              <a:rPr lang="it-IT" sz="2500" b="0" strike="noStrike" spc="-1">
                 <a:solidFill>
                   <a:srgbClr val="000000"/>
                 </a:solidFill>
@@ -6627,7 +7691,7 @@
               </a:rPr>
               <a:t>Sulla riga dell’esercizio 5, implementare una funzione che permetta di vedere se un qualsiasi numero X sia divisibile per un qualsiasi numero y.</a:t>
             </a:r>
-            <a:endParaRPr b="0" lang="it-IT" sz="2500" spc="-1" strike="noStrike">
+            <a:endParaRPr lang="it-IT" sz="2500" b="0" strike="noStrike" spc="-1">
               <a:solidFill>
                 <a:srgbClr val="000000"/>
               </a:solidFill>
@@ -6638,30 +7702,7 @@
       </p:sp>
       <p:pic>
         <p:nvPicPr>
-          <p:cNvPr id="137" name="Immagine 5" descr=""/>
-          <p:cNvPicPr/>
-          <p:nvPr/>
-        </p:nvPicPr>
-        <p:blipFill>
-          <a:blip r:embed="rId1"/>
-          <a:stretch/>
-        </p:blipFill>
-        <p:spPr>
-          <a:xfrm>
-            <a:off x="291960" y="92160"/>
-            <a:ext cx="12216600" cy="1258920"/>
-          </a:xfrm>
-          <a:prstGeom prst="rect">
-            <a:avLst/>
-          </a:prstGeom>
-          <a:ln>
-            <a:noFill/>
-          </a:ln>
-        </p:spPr>
-      </p:pic>
-      <p:pic>
-        <p:nvPicPr>
-          <p:cNvPr id="138" name="Immagine 4" descr=""/>
+          <p:cNvPr id="137" name="Immagine 5"/>
           <p:cNvPicPr/>
           <p:nvPr/>
         </p:nvPicPr>
@@ -6671,8 +7712,8 @@
         </p:blipFill>
         <p:spPr>
           <a:xfrm>
-            <a:off x="360" y="8640000"/>
-            <a:ext cx="13003920" cy="1102320"/>
+            <a:off x="291960" y="92160"/>
+            <a:ext cx="12216600" cy="1258920"/>
           </a:xfrm>
           <a:prstGeom prst="rect">
             <a:avLst/>
@@ -6682,24 +7723,50 @@
           </a:ln>
         </p:spPr>
       </p:pic>
+      <p:pic>
+        <p:nvPicPr>
+          <p:cNvPr id="138" name="Immagine 4"/>
+          <p:cNvPicPr/>
+          <p:nvPr/>
+        </p:nvPicPr>
+        <p:blipFill>
+          <a:blip r:embed="rId3"/>
+          <a:stretch/>
+        </p:blipFill>
+        <p:spPr>
+          <a:xfrm>
+            <a:off x="360" y="8640000"/>
+            <a:ext cx="13003920" cy="1102320"/>
+          </a:xfrm>
+          <a:prstGeom prst="rect">
+            <a:avLst/>
+          </a:prstGeom>
+          <a:ln>
+            <a:noFill/>
+          </a:ln>
+        </p:spPr>
+      </p:pic>
     </p:spTree>
   </p:cSld>
+  <p:clrMapOvr>
+    <a:masterClrMapping/>
+  </p:clrMapOvr>
   <p:timing>
     <p:tnLst>
       <p:par>
-        <p:cTn id="11" dur="indefinite" restart="never" nodeType="tmRoot">
+        <p:cTn id="1" dur="indefinite" restart="never" nodeType="tmRoot">
           <p:childTnLst>
             <p:seq>
-              <p:cTn id="12" dur="indefinite" nodeType="mainSeq"/>
+              <p:cTn id="2" dur="indefinite" nodeType="mainSeq"/>
               <p:prevCondLst>
-                <p:cond delay="0" evt="onPrev">
+                <p:cond evt="onPrev" delay="0">
                   <p:tgtEl>
                     <p:sldTgt/>
                   </p:tgtEl>
                 </p:cond>
               </p:prevCondLst>
               <p:nextCondLst>
-                <p:cond delay="0" evt="onNext">
+                <p:cond evt="onNext" delay="0">
                   <p:tgtEl>
                     <p:sldTgt/>
                   </p:tgtEl>
@@ -6715,7 +7782,7 @@
 </file>
 
 <file path=ppt/slides/slide7.xml><?xml version="1.0" encoding="utf-8"?>
-<p:sld xmlns:a="http://schemas.openxmlformats.org/drawingml/2006/main" xmlns:p="http://schemas.openxmlformats.org/presentationml/2006/main" xmlns:r="http://schemas.openxmlformats.org/officeDocument/2006/relationships" xmlns:p14="http://schemas.microsoft.com/office/powerpoint/2010/main" xmlns:p15="http://schemas.microsoft.com/office/powerpoint/2012/main" xmlns:mc="http://schemas.openxmlformats.org/markup-compatibility/2006">
+<p:sld xmlns:a="http://schemas.openxmlformats.org/drawingml/2006/main" xmlns:r="http://schemas.openxmlformats.org/officeDocument/2006/relationships" xmlns:p="http://schemas.openxmlformats.org/presentationml/2006/main">
   <p:cSld>
     <p:spTree>
       <p:nvGrpSpPr>
@@ -6733,30 +7800,7 @@
       </p:grpSpPr>
       <p:pic>
         <p:nvPicPr>
-          <p:cNvPr id="139" name="Immagine 5" descr=""/>
-          <p:cNvPicPr/>
-          <p:nvPr/>
-        </p:nvPicPr>
-        <p:blipFill>
-          <a:blip r:embed="rId1"/>
-          <a:stretch/>
-        </p:blipFill>
-        <p:spPr>
-          <a:xfrm>
-            <a:off x="291960" y="92160"/>
-            <a:ext cx="12216600" cy="1258920"/>
-          </a:xfrm>
-          <a:prstGeom prst="rect">
-            <a:avLst/>
-          </a:prstGeom>
-          <a:ln>
-            <a:noFill/>
-          </a:ln>
-        </p:spPr>
-      </p:pic>
-      <p:pic>
-        <p:nvPicPr>
-          <p:cNvPr id="140" name="Immagine 4" descr=""/>
+          <p:cNvPr id="139" name="Immagine 5"/>
           <p:cNvPicPr/>
           <p:nvPr/>
         </p:nvPicPr>
@@ -6766,6 +7810,29 @@
         </p:blipFill>
         <p:spPr>
           <a:xfrm>
+            <a:off x="291960" y="92160"/>
+            <a:ext cx="12216600" cy="1258920"/>
+          </a:xfrm>
+          <a:prstGeom prst="rect">
+            <a:avLst/>
+          </a:prstGeom>
+          <a:ln>
+            <a:noFill/>
+          </a:ln>
+        </p:spPr>
+      </p:pic>
+      <p:pic>
+        <p:nvPicPr>
+          <p:cNvPr id="140" name="Immagine 4"/>
+          <p:cNvPicPr/>
+          <p:nvPr/>
+        </p:nvPicPr>
+        <p:blipFill>
+          <a:blip r:embed="rId3"/>
+          <a:stretch/>
+        </p:blipFill>
+        <p:spPr>
+          <a:xfrm>
             <a:off x="360" y="8640000"/>
             <a:ext cx="13003920" cy="1102320"/>
           </a:xfrm>
@@ -6797,7 +7864,8 @@
           </a:ln>
         </p:spPr>
         <p:txBody>
-          <a:bodyPr lIns="0" rIns="0" tIns="0" bIns="0" anchor="ctr"/>
+          <a:bodyPr lIns="0" tIns="0" rIns="0" bIns="0" anchor="ctr"/>
+          <a:lstStyle/>
           <a:p>
             <a:pPr algn="ctr">
               <a:lnSpc>
@@ -6805,7 +7873,7 @@
               </a:lnSpc>
             </a:pPr>
             <a:r>
-              <a:rPr b="0" lang="it-IT" sz="4400" spc="-1" strike="noStrike">
+              <a:rPr lang="it-IT" sz="4400" b="0" strike="noStrike" spc="-1">
                 <a:solidFill>
                   <a:srgbClr val="000000"/>
                 </a:solidFill>
@@ -6814,7 +7882,7 @@
               </a:rPr>
               <a:t>ESERCIZI SUI CICLI ED ARRAY</a:t>
             </a:r>
-            <a:endParaRPr b="0" lang="it-IT" sz="4400" spc="-1" strike="noStrike">
+            <a:endParaRPr lang="it-IT" sz="4400" b="0" strike="noStrike" spc="-1">
               <a:solidFill>
                 <a:srgbClr val="000000"/>
               </a:solidFill>
@@ -6825,22 +7893,25 @@
       </p:sp>
     </p:spTree>
   </p:cSld>
+  <p:clrMapOvr>
+    <a:masterClrMapping/>
+  </p:clrMapOvr>
   <p:timing>
     <p:tnLst>
       <p:par>
-        <p:cTn id="13" dur="indefinite" restart="never" nodeType="tmRoot">
+        <p:cTn id="1" dur="indefinite" restart="never" nodeType="tmRoot">
           <p:childTnLst>
             <p:seq>
-              <p:cTn id="14" dur="indefinite" nodeType="mainSeq"/>
+              <p:cTn id="2" dur="indefinite" nodeType="mainSeq"/>
               <p:prevCondLst>
-                <p:cond delay="0" evt="onPrev">
+                <p:cond evt="onPrev" delay="0">
                   <p:tgtEl>
                     <p:sldTgt/>
                   </p:tgtEl>
                 </p:cond>
               </p:prevCondLst>
               <p:nextCondLst>
-                <p:cond delay="0" evt="onNext">
+                <p:cond evt="onNext" delay="0">
                   <p:tgtEl>
                     <p:sldTgt/>
                   </p:tgtEl>
@@ -6856,7 +7927,7 @@
 </file>
 
 <file path=ppt/slides/slide8.xml><?xml version="1.0" encoding="utf-8"?>
-<p:sld xmlns:a="http://schemas.openxmlformats.org/drawingml/2006/main" xmlns:p="http://schemas.openxmlformats.org/presentationml/2006/main" xmlns:r="http://schemas.openxmlformats.org/officeDocument/2006/relationships" xmlns:p14="http://schemas.microsoft.com/office/powerpoint/2010/main" xmlns:p15="http://schemas.microsoft.com/office/powerpoint/2012/main" xmlns:mc="http://schemas.openxmlformats.org/markup-compatibility/2006">
+<p:sld xmlns:a="http://schemas.openxmlformats.org/drawingml/2006/main" xmlns:r="http://schemas.openxmlformats.org/officeDocument/2006/relationships" xmlns:p="http://schemas.openxmlformats.org/presentationml/2006/main">
   <p:cSld>
     <p:spTree>
       <p:nvGrpSpPr>
@@ -6892,7 +7963,8 @@
           </a:ln>
         </p:spPr>
         <p:txBody>
-          <a:bodyPr lIns="0" rIns="0" tIns="0" bIns="0" anchor="ctr"/>
+          <a:bodyPr lIns="0" tIns="0" rIns="0" bIns="0" anchor="ctr"/>
+          <a:lstStyle/>
           <a:p>
             <a:pPr algn="ctr">
               <a:lnSpc>
@@ -6900,7 +7972,7 @@
               </a:lnSpc>
             </a:pPr>
             <a:r>
-              <a:rPr b="0" lang="it-IT" sz="4400" spc="-1" strike="noStrike">
+              <a:rPr lang="it-IT" sz="4400" b="0" strike="noStrike" spc="-1" dirty="0">
                 <a:solidFill>
                   <a:srgbClr val="000000"/>
                 </a:solidFill>
@@ -6909,7 +7981,7 @@
               </a:rPr>
               <a:t>ESERCIZI SECONDA PARTE</a:t>
             </a:r>
-            <a:endParaRPr b="0" lang="it-IT" sz="4400" spc="-1" strike="noStrike">
+            <a:endParaRPr lang="it-IT" sz="4400" b="0" strike="noStrike" spc="-1" dirty="0">
               <a:solidFill>
                 <a:srgbClr val="000000"/>
               </a:solidFill>
@@ -6926,8 +7998,8 @@
         </p:nvSpPr>
         <p:spPr>
           <a:xfrm>
-            <a:off x="748800" y="3111480"/>
-            <a:ext cx="11099160" cy="5110920"/>
+            <a:off x="748800" y="2602440"/>
+            <a:ext cx="11099160" cy="5619960"/>
           </a:xfrm>
           <a:prstGeom prst="rect">
             <a:avLst/>
@@ -6938,9 +8010,10 @@
           </a:ln>
         </p:spPr>
         <p:txBody>
-          <a:bodyPr lIns="0" rIns="0" tIns="0" bIns="0" anchor="ctr">
-            <a:normAutofit/>
+          <a:bodyPr lIns="0" tIns="0" rIns="0" bIns="0" anchor="ctr">
+            <a:normAutofit fontScale="92500" lnSpcReduction="10000"/>
           </a:bodyPr>
+          <a:lstStyle/>
           <a:p>
             <a:pPr marL="514440" indent="-514080">
               <a:lnSpc>
@@ -6956,7 +8029,7 @@
               <a:buAutoNum type="arabicPeriod"/>
             </a:pPr>
             <a:r>
-              <a:rPr b="0" lang="it-IT" sz="2500" spc="-1" strike="noStrike">
+              <a:rPr lang="it-IT" sz="2500" b="0" strike="noStrike" spc="-1" dirty="0">
                 <a:solidFill>
                   <a:srgbClr val="000000"/>
                 </a:solidFill>
@@ -6965,7 +8038,200 @@
               </a:rPr>
               <a:t>Scrivere un programma che dato in input un numero, scelto dall’utente, lo converta in binario (implementare questo esercizio con tutti e tre i cicli visti fino ad ora).</a:t>
             </a:r>
-            <a:endParaRPr b="0" lang="it-IT" sz="2500" spc="-1" strike="noStrike">
+            <a:endParaRPr lang="it-IT" sz="2500" b="0" strike="noStrike" spc="-1" dirty="0">
+              <a:solidFill>
+                <a:srgbClr val="000000"/>
+              </a:solidFill>
+              <a:latin typeface="Arial"/>
+            </a:endParaRPr>
+          </a:p>
+          <a:p>
+            <a:pPr marL="457200" indent="-457200">
+              <a:lnSpc>
+                <a:spcPct val="90000"/>
+              </a:lnSpc>
+              <a:spcBef>
+                <a:spcPts val="1001"/>
+              </a:spcBef>
+              <a:buFont typeface="+mj-lt"/>
+              <a:buAutoNum type="arabicPeriod"/>
+            </a:pPr>
+            <a:endParaRPr lang="it-IT" sz="2500" b="0" strike="noStrike" spc="-1" dirty="0">
+              <a:solidFill>
+                <a:srgbClr val="000000"/>
+              </a:solidFill>
+              <a:latin typeface="Arial"/>
+            </a:endParaRPr>
+          </a:p>
+          <a:p>
+            <a:pPr marL="514440" indent="-514080">
+              <a:lnSpc>
+                <a:spcPct val="90000"/>
+              </a:lnSpc>
+              <a:spcBef>
+                <a:spcPts val="1001"/>
+              </a:spcBef>
+              <a:buClr>
+                <a:srgbClr val="000000"/>
+              </a:buClr>
+              <a:buFont typeface="Arial"/>
+              <a:buAutoNum type="arabicPeriod"/>
+            </a:pPr>
+            <a:r>
+              <a:rPr lang="it-IT" sz="2500" b="0" strike="noStrike" spc="-1" dirty="0">
+                <a:solidFill>
+                  <a:srgbClr val="000000"/>
+                </a:solidFill>
+                <a:latin typeface="Arial"/>
+                <a:ea typeface="DejaVu Sans"/>
+              </a:rPr>
+              <a:t>Chiedere all’utente in input un numero ed in base a tale, iterare ed eseguire la somma di due numeri’, tenendo il valore della somma, stampando poi il valore della somma corrente ed il risultato finale (implementare questo esercizio con tutti e tre i cicli visti fino ad ora).</a:t>
+            </a:r>
+            <a:endParaRPr lang="it-IT" sz="2500" b="0" strike="noStrike" spc="-1" dirty="0">
+              <a:solidFill>
+                <a:srgbClr val="000000"/>
+              </a:solidFill>
+              <a:latin typeface="Arial"/>
+            </a:endParaRPr>
+          </a:p>
+          <a:p>
+            <a:pPr marL="457200" indent="-457200">
+              <a:lnSpc>
+                <a:spcPct val="90000"/>
+              </a:lnSpc>
+              <a:spcBef>
+                <a:spcPts val="1001"/>
+              </a:spcBef>
+              <a:buFont typeface="+mj-lt"/>
+              <a:buAutoNum type="arabicPeriod"/>
+            </a:pPr>
+            <a:endParaRPr lang="it-IT" sz="2500" b="0" strike="noStrike" spc="-1" dirty="0">
+              <a:solidFill>
+                <a:srgbClr val="000000"/>
+              </a:solidFill>
+              <a:latin typeface="Arial"/>
+            </a:endParaRPr>
+          </a:p>
+          <a:p>
+            <a:pPr marL="457560" indent="-457200">
+              <a:lnSpc>
+                <a:spcPct val="90000"/>
+              </a:lnSpc>
+              <a:spcBef>
+                <a:spcPts val="1001"/>
+              </a:spcBef>
+              <a:buClr>
+                <a:srgbClr val="000000"/>
+              </a:buClr>
+              <a:buFont typeface="+mj-lt"/>
+              <a:buAutoNum type="arabicPeriod"/>
+            </a:pPr>
+            <a:r>
+              <a:rPr lang="it-IT" sz="2500" b="0" strike="noStrike" spc="-1" dirty="0">
+                <a:solidFill>
+                  <a:srgbClr val="000000"/>
+                </a:solidFill>
+                <a:latin typeface="Arial"/>
+                <a:ea typeface="DejaVu Sans"/>
+              </a:rPr>
+              <a:t>Implementare un programma che dato un array, ne esegua la media(scrivendo una funzione opportunamente commentata),</a:t>
+            </a:r>
+            <a:endParaRPr lang="it-IT" sz="2500" b="0" strike="noStrike" spc="-1" dirty="0">
+              <a:solidFill>
+                <a:srgbClr val="000000"/>
+              </a:solidFill>
+              <a:latin typeface="Arial"/>
+            </a:endParaRPr>
+          </a:p>
+          <a:p>
+            <a:pPr marL="457200" indent="-457200">
+              <a:lnSpc>
+                <a:spcPct val="90000"/>
+              </a:lnSpc>
+              <a:spcBef>
+                <a:spcPts val="1001"/>
+              </a:spcBef>
+              <a:buFont typeface="+mj-lt"/>
+              <a:buAutoNum type="arabicPeriod"/>
+            </a:pPr>
+            <a:endParaRPr lang="it-IT" sz="2500" b="0" strike="noStrike" spc="-1" dirty="0">
+              <a:solidFill>
+                <a:srgbClr val="000000"/>
+              </a:solidFill>
+              <a:latin typeface="Arial"/>
+            </a:endParaRPr>
+          </a:p>
+          <a:p>
+            <a:pPr marL="514440" indent="-514080">
+              <a:lnSpc>
+                <a:spcPct val="90000"/>
+              </a:lnSpc>
+              <a:spcBef>
+                <a:spcPts val="1001"/>
+              </a:spcBef>
+              <a:buClr>
+                <a:srgbClr val="000000"/>
+              </a:buClr>
+              <a:buFont typeface="Arial"/>
+              <a:buAutoNum type="arabicPeriod"/>
+            </a:pPr>
+            <a:r>
+              <a:rPr lang="it-IT" sz="2500" b="0" strike="noStrike" spc="-1" dirty="0">
+                <a:solidFill>
+                  <a:srgbClr val="000000"/>
+                </a:solidFill>
+                <a:latin typeface="Arial"/>
+                <a:ea typeface="DejaVu Sans"/>
+              </a:rPr>
+              <a:t>Scrivere un programma, implementando una funzione che esegua l’ordinamento di un array il cui tipo è scelto da voi.</a:t>
+            </a:r>
+          </a:p>
+          <a:p>
+            <a:pPr marL="457560" indent="-457200">
+              <a:lnSpc>
+                <a:spcPct val="90000"/>
+              </a:lnSpc>
+              <a:spcBef>
+                <a:spcPts val="1001"/>
+              </a:spcBef>
+              <a:buClr>
+                <a:srgbClr val="000000"/>
+              </a:buClr>
+              <a:buFont typeface="+mj-lt"/>
+              <a:buAutoNum type="arabicPeriod"/>
+            </a:pPr>
+            <a:endParaRPr lang="it-IT" sz="2500" b="0" strike="noStrike" spc="-1" dirty="0">
+              <a:solidFill>
+                <a:srgbClr val="000000"/>
+              </a:solidFill>
+              <a:latin typeface="Arial"/>
+            </a:endParaRPr>
+          </a:p>
+          <a:p>
+            <a:pPr marL="514440" indent="-514080">
+              <a:lnSpc>
+                <a:spcPct val="90000"/>
+              </a:lnSpc>
+              <a:spcBef>
+                <a:spcPts val="1001"/>
+              </a:spcBef>
+              <a:buClr>
+                <a:srgbClr val="000000"/>
+              </a:buClr>
+              <a:buFont typeface="Arial"/>
+              <a:buAutoNum type="arabicPeriod"/>
+            </a:pPr>
+            <a:r>
+              <a:rPr lang="it-IT" sz="2500" b="0" strike="noStrike" spc="-1" dirty="0">
+                <a:solidFill>
+                  <a:srgbClr val="000000"/>
+                </a:solidFill>
+                <a:latin typeface="Arial"/>
+                <a:ea typeface="DejaVu Sans"/>
+              </a:rPr>
+              <a:t>(BONUS: eseguire l’ordinamento di un array di stringhe)</a:t>
+            </a:r>
+            <a:endParaRPr lang="it-IT" sz="2500" b="0" strike="noStrike" spc="-1" dirty="0">
               <a:solidFill>
                 <a:srgbClr val="000000"/>
               </a:solidFill>
@@ -6981,243 +8247,7 @@
                 <a:spcPts val="1001"/>
               </a:spcBef>
             </a:pPr>
-            <a:endParaRPr b="0" lang="it-IT" sz="2500" spc="-1" strike="noStrike">
-              <a:solidFill>
-                <a:srgbClr val="000000"/>
-              </a:solidFill>
-              <a:latin typeface="Arial"/>
-            </a:endParaRPr>
-          </a:p>
-          <a:p>
-            <a:pPr marL="514440" indent="-514080">
-              <a:lnSpc>
-                <a:spcPct val="90000"/>
-              </a:lnSpc>
-              <a:spcBef>
-                <a:spcPts val="1001"/>
-              </a:spcBef>
-              <a:buClr>
-                <a:srgbClr val="000000"/>
-              </a:buClr>
-              <a:buFont typeface="Arial"/>
-              <a:buAutoNum type="arabicPeriod"/>
-            </a:pPr>
-            <a:r>
-              <a:rPr b="0" lang="it-IT" sz="2500" spc="-1" strike="noStrike">
-                <a:solidFill>
-                  <a:srgbClr val="000000"/>
-                </a:solidFill>
-                <a:latin typeface="Arial"/>
-                <a:ea typeface="DejaVu Sans"/>
-              </a:rPr>
-              <a:t>Chiedere all’utente in input un numero ed in base a tale, iterare ed eseguire la somma di due numeri’, tenendo il valore della somma, stampando poi il valore della somma corrente ed il risultato finale (implementare questo esercizio con tutti e tre i cicli visti fino ad ora).</a:t>
-            </a:r>
-            <a:endParaRPr b="0" lang="it-IT" sz="2500" spc="-1" strike="noStrike">
-              <a:solidFill>
-                <a:srgbClr val="000000"/>
-              </a:solidFill>
-              <a:latin typeface="Arial"/>
-            </a:endParaRPr>
-          </a:p>
-          <a:p>
-            <a:pPr>
-              <a:lnSpc>
-                <a:spcPct val="90000"/>
-              </a:lnSpc>
-              <a:spcBef>
-                <a:spcPts val="1001"/>
-              </a:spcBef>
-            </a:pPr>
-            <a:endParaRPr b="0" lang="it-IT" sz="2500" spc="-1" strike="noStrike">
-              <a:solidFill>
-                <a:srgbClr val="000000"/>
-              </a:solidFill>
-              <a:latin typeface="Arial"/>
-            </a:endParaRPr>
-          </a:p>
-          <a:p>
-            <a:pPr marL="514440" indent="-514080">
-              <a:lnSpc>
-                <a:spcPct val="90000"/>
-              </a:lnSpc>
-              <a:spcBef>
-                <a:spcPts val="1001"/>
-              </a:spcBef>
-              <a:buClr>
-                <a:srgbClr val="000000"/>
-              </a:buClr>
-              <a:buFont typeface="Arial"/>
-              <a:buAutoNum type="arabicPeriod"/>
-            </a:pPr>
-            <a:r>
-              <a:rPr b="0" lang="it-IT" sz="2500" spc="-1" strike="noStrike">
-                <a:solidFill>
-                  <a:srgbClr val="000000"/>
-                </a:solidFill>
-                <a:latin typeface="Arial"/>
-                <a:ea typeface="DejaVu Sans"/>
-              </a:rPr>
-              <a:t>Implementare un programma che dato un array, ne esegua la media(scrivendo una funzione opportunamente commentata),</a:t>
-            </a:r>
-            <a:endParaRPr b="0" lang="it-IT" sz="2500" spc="-1" strike="noStrike">
-              <a:solidFill>
-                <a:srgbClr val="000000"/>
-              </a:solidFill>
-              <a:latin typeface="Arial"/>
-            </a:endParaRPr>
-          </a:p>
-          <a:p>
-            <a:pPr>
-              <a:lnSpc>
-                <a:spcPct val="90000"/>
-              </a:lnSpc>
-              <a:spcBef>
-                <a:spcPts val="1001"/>
-              </a:spcBef>
-            </a:pPr>
-            <a:endParaRPr b="0" lang="it-IT" sz="2500" spc="-1" strike="noStrike">
-              <a:solidFill>
-                <a:srgbClr val="000000"/>
-              </a:solidFill>
-              <a:latin typeface="Arial"/>
-            </a:endParaRPr>
-          </a:p>
-          <a:p>
-            <a:pPr marL="514440" indent="-514080">
-              <a:lnSpc>
-                <a:spcPct val="90000"/>
-              </a:lnSpc>
-              <a:spcBef>
-                <a:spcPts val="1001"/>
-              </a:spcBef>
-              <a:buClr>
-                <a:srgbClr val="000000"/>
-              </a:buClr>
-              <a:buFont typeface="Arial"/>
-              <a:buAutoNum type="arabicPeriod"/>
-            </a:pPr>
-            <a:r>
-              <a:rPr b="0" lang="it-IT" sz="2500" spc="-1" strike="noStrike">
-                <a:solidFill>
-                  <a:srgbClr val="000000"/>
-                </a:solidFill>
-                <a:latin typeface="Arial"/>
-                <a:ea typeface="DejaVu Sans"/>
-              </a:rPr>
-              <a:t>Scrivere un programma, implementando una funzione che esegua l’ordinamento di un array il cui tipo è scelto da voi.</a:t>
-            </a:r>
-            <a:endParaRPr b="0" lang="it-IT" sz="2500" spc="-1" strike="noStrike">
-              <a:solidFill>
-                <a:srgbClr val="000000"/>
-              </a:solidFill>
-              <a:latin typeface="Arial"/>
-            </a:endParaRPr>
-          </a:p>
-          <a:p>
-            <a:pPr marL="514440" indent="-514080">
-              <a:lnSpc>
-                <a:spcPct val="90000"/>
-              </a:lnSpc>
-              <a:spcBef>
-                <a:spcPts val="1001"/>
-              </a:spcBef>
-              <a:buClr>
-                <a:srgbClr val="000000"/>
-              </a:buClr>
-              <a:buFont typeface="Arial"/>
-              <a:buAutoNum type="arabicPeriod"/>
-            </a:pPr>
-            <a:r>
-              <a:rPr b="0" lang="it-IT" sz="2500" spc="-1" strike="noStrike">
-                <a:solidFill>
-                  <a:srgbClr val="000000"/>
-                </a:solidFill>
-                <a:latin typeface="Arial"/>
-                <a:ea typeface="DejaVu Sans"/>
-              </a:rPr>
-              <a:t>(BONUS: eseguire l’ordinamento di un array di stringhe)</a:t>
-            </a:r>
-            <a:endParaRPr b="0" lang="it-IT" sz="2500" spc="-1" strike="noStrike">
-              <a:solidFill>
-                <a:srgbClr val="000000"/>
-              </a:solidFill>
-              <a:latin typeface="Arial"/>
-            </a:endParaRPr>
-          </a:p>
-          <a:p>
-            <a:pPr>
-              <a:lnSpc>
-                <a:spcPct val="90000"/>
-              </a:lnSpc>
-              <a:spcBef>
-                <a:spcPts val="1001"/>
-              </a:spcBef>
-            </a:pPr>
-            <a:endParaRPr b="0" lang="it-IT" sz="2500" spc="-1" strike="noStrike">
-              <a:solidFill>
-                <a:srgbClr val="000000"/>
-              </a:solidFill>
-              <a:latin typeface="Arial"/>
-            </a:endParaRPr>
-          </a:p>
-          <a:p>
-            <a:pPr>
-              <a:lnSpc>
-                <a:spcPct val="90000"/>
-              </a:lnSpc>
-              <a:spcBef>
-                <a:spcPts val="1001"/>
-              </a:spcBef>
-            </a:pPr>
-            <a:endParaRPr b="0" lang="it-IT" sz="2500" spc="-1" strike="noStrike">
-              <a:solidFill>
-                <a:srgbClr val="000000"/>
-              </a:solidFill>
-              <a:latin typeface="Arial"/>
-            </a:endParaRPr>
-          </a:p>
-          <a:p>
-            <a:pPr>
-              <a:lnSpc>
-                <a:spcPct val="90000"/>
-              </a:lnSpc>
-              <a:spcBef>
-                <a:spcPts val="1001"/>
-              </a:spcBef>
-            </a:pPr>
-            <a:endParaRPr b="0" lang="it-IT" sz="2500" spc="-1" strike="noStrike">
-              <a:solidFill>
-                <a:srgbClr val="000000"/>
-              </a:solidFill>
-              <a:latin typeface="Arial"/>
-            </a:endParaRPr>
-          </a:p>
-          <a:p>
-            <a:pPr>
-              <a:lnSpc>
-                <a:spcPct val="90000"/>
-              </a:lnSpc>
-              <a:spcBef>
-                <a:spcPts val="1001"/>
-              </a:spcBef>
-            </a:pPr>
-            <a:endParaRPr b="0" lang="it-IT" sz="2500" spc="-1" strike="noStrike">
-              <a:solidFill>
-                <a:srgbClr val="000000"/>
-              </a:solidFill>
-              <a:latin typeface="Arial"/>
-            </a:endParaRPr>
-          </a:p>
-          <a:p>
-            <a:pPr>
-              <a:lnSpc>
-                <a:spcPct val="90000"/>
-              </a:lnSpc>
-              <a:spcBef>
-                <a:spcPts val="1001"/>
-              </a:spcBef>
-            </a:pPr>
-            <a:endParaRPr b="0" lang="it-IT" sz="2500" spc="-1" strike="noStrike">
+            <a:endParaRPr lang="it-IT" sz="2500" b="0" strike="noStrike" spc="-1" dirty="0">
               <a:solidFill>
                 <a:srgbClr val="000000"/>
               </a:solidFill>
@@ -7228,30 +8258,7 @@
       </p:sp>
       <p:pic>
         <p:nvPicPr>
-          <p:cNvPr id="144" name="Immagine 5" descr=""/>
-          <p:cNvPicPr/>
-          <p:nvPr/>
-        </p:nvPicPr>
-        <p:blipFill>
-          <a:blip r:embed="rId1"/>
-          <a:stretch/>
-        </p:blipFill>
-        <p:spPr>
-          <a:xfrm>
-            <a:off x="291960" y="92160"/>
-            <a:ext cx="12216600" cy="1258920"/>
-          </a:xfrm>
-          <a:prstGeom prst="rect">
-            <a:avLst/>
-          </a:prstGeom>
-          <a:ln>
-            <a:noFill/>
-          </a:ln>
-        </p:spPr>
-      </p:pic>
-      <p:pic>
-        <p:nvPicPr>
-          <p:cNvPr id="145" name="Immagine 4" descr=""/>
+          <p:cNvPr id="144" name="Immagine 5"/>
           <p:cNvPicPr/>
           <p:nvPr/>
         </p:nvPicPr>
@@ -7261,8 +8268,8 @@
         </p:blipFill>
         <p:spPr>
           <a:xfrm>
-            <a:off x="360" y="8640000"/>
-            <a:ext cx="13003920" cy="1102320"/>
+            <a:off x="291960" y="92160"/>
+            <a:ext cx="12216600" cy="1258920"/>
           </a:xfrm>
           <a:prstGeom prst="rect">
             <a:avLst/>
@@ -7272,24 +8279,50 @@
           </a:ln>
         </p:spPr>
       </p:pic>
+      <p:pic>
+        <p:nvPicPr>
+          <p:cNvPr id="145" name="Immagine 4"/>
+          <p:cNvPicPr/>
+          <p:nvPr/>
+        </p:nvPicPr>
+        <p:blipFill>
+          <a:blip r:embed="rId3"/>
+          <a:stretch/>
+        </p:blipFill>
+        <p:spPr>
+          <a:xfrm>
+            <a:off x="360" y="8640000"/>
+            <a:ext cx="13003920" cy="1102320"/>
+          </a:xfrm>
+          <a:prstGeom prst="rect">
+            <a:avLst/>
+          </a:prstGeom>
+          <a:ln>
+            <a:noFill/>
+          </a:ln>
+        </p:spPr>
+      </p:pic>
     </p:spTree>
   </p:cSld>
+  <p:clrMapOvr>
+    <a:masterClrMapping/>
+  </p:clrMapOvr>
   <p:timing>
     <p:tnLst>
       <p:par>
-        <p:cTn id="15" dur="indefinite" restart="never" nodeType="tmRoot">
+        <p:cTn id="1" dur="indefinite" restart="never" nodeType="tmRoot">
           <p:childTnLst>
             <p:seq>
-              <p:cTn id="16" dur="indefinite" nodeType="mainSeq"/>
+              <p:cTn id="2" dur="indefinite" nodeType="mainSeq"/>
               <p:prevCondLst>
-                <p:cond delay="0" evt="onPrev">
+                <p:cond evt="onPrev" delay="0">
                   <p:tgtEl>
                     <p:sldTgt/>
                   </p:tgtEl>
                 </p:cond>
               </p:prevCondLst>
               <p:nextCondLst>
-                <p:cond delay="0" evt="onNext">
+                <p:cond evt="onNext" delay="0">
                   <p:tgtEl>
                     <p:sldTgt/>
                   </p:tgtEl>
@@ -7305,7 +8338,7 @@
 </file>
 
 <file path=ppt/slides/slide9.xml><?xml version="1.0" encoding="utf-8"?>
-<p:sld xmlns:a="http://schemas.openxmlformats.org/drawingml/2006/main" xmlns:p="http://schemas.openxmlformats.org/presentationml/2006/main" xmlns:r="http://schemas.openxmlformats.org/officeDocument/2006/relationships" xmlns:p14="http://schemas.microsoft.com/office/powerpoint/2010/main" xmlns:p15="http://schemas.microsoft.com/office/powerpoint/2012/main" xmlns:mc="http://schemas.openxmlformats.org/markup-compatibility/2006">
+<p:sld xmlns:a="http://schemas.openxmlformats.org/drawingml/2006/main" xmlns:r="http://schemas.openxmlformats.org/officeDocument/2006/relationships" xmlns:p="http://schemas.openxmlformats.org/presentationml/2006/main">
   <p:cSld>
     <p:spTree>
       <p:nvGrpSpPr>
@@ -7341,7 +8374,8 @@
           </a:ln>
         </p:spPr>
         <p:txBody>
-          <a:bodyPr lIns="0" rIns="0" tIns="0" bIns="0" anchor="ctr"/>
+          <a:bodyPr lIns="0" tIns="0" rIns="0" bIns="0" anchor="ctr"/>
+          <a:lstStyle/>
           <a:p>
             <a:pPr algn="ctr">
               <a:lnSpc>
@@ -7349,7 +8383,7 @@
               </a:lnSpc>
             </a:pPr>
             <a:r>
-              <a:rPr b="0" lang="it-IT" sz="4400" spc="-1" strike="noStrike">
+              <a:rPr lang="it-IT" sz="4400" b="0" strike="noStrike" spc="-1">
                 <a:solidFill>
                   <a:srgbClr val="000000"/>
                 </a:solidFill>
@@ -7358,7 +8392,7 @@
               </a:rPr>
               <a:t>ESERCIZI SECONDA PARTE</a:t>
             </a:r>
-            <a:endParaRPr b="0" lang="it-IT" sz="4400" spc="-1" strike="noStrike">
+            <a:endParaRPr lang="it-IT" sz="4400" b="0" strike="noStrike" spc="-1">
               <a:solidFill>
                 <a:srgbClr val="000000"/>
               </a:solidFill>
@@ -7387,9 +8421,10 @@
           </a:ln>
         </p:spPr>
         <p:txBody>
-          <a:bodyPr lIns="0" rIns="0" tIns="0" bIns="0" anchor="ctr">
+          <a:bodyPr lIns="0" tIns="0" rIns="0" bIns="0" anchor="ctr">
             <a:normAutofit/>
           </a:bodyPr>
+          <a:lstStyle/>
           <a:p>
             <a:pPr marL="514440" indent="-514080">
               <a:lnSpc>
@@ -7405,7 +8440,7 @@
               <a:buAutoNum type="arabicPeriod"/>
             </a:pPr>
             <a:r>
-              <a:rPr b="0" lang="it-IT" sz="2500" spc="-1" strike="noStrike">
+              <a:rPr lang="it-IT" sz="2500" b="0" strike="noStrike" spc="-1" dirty="0">
                 <a:solidFill>
                   <a:srgbClr val="000000"/>
                 </a:solidFill>
@@ -7414,7 +8449,7 @@
               </a:rPr>
               <a:t>Scrivere un programma che controlli se vi sono due righe all’interno di un array uguali.</a:t>
             </a:r>
-            <a:endParaRPr b="0" lang="it-IT" sz="2500" spc="-1" strike="noStrike">
+            <a:endParaRPr lang="it-IT" sz="2500" b="0" strike="noStrike" spc="-1" dirty="0">
               <a:solidFill>
                 <a:srgbClr val="000000"/>
               </a:solidFill>
@@ -7436,7 +8471,7 @@
               <a:buAutoNum type="arabicPeriod"/>
             </a:pPr>
             <a:r>
-              <a:rPr b="0" lang="it-IT" sz="2500" spc="-1" strike="noStrike">
+              <a:rPr lang="it-IT" sz="2500" b="0" strike="noStrike" spc="-1" dirty="0">
                 <a:solidFill>
                   <a:srgbClr val="000000"/>
                 </a:solidFill>
@@ -7445,7 +8480,7 @@
               </a:rPr>
               <a:t>Scrivere un programma che controlli se esiste una riga uguale all’interno di un array, identica alla riga di un altro array</a:t>
             </a:r>
-            <a:endParaRPr b="0" lang="it-IT" sz="2500" spc="-1" strike="noStrike">
+            <a:endParaRPr lang="it-IT" sz="2500" b="0" strike="noStrike" spc="-1" dirty="0">
               <a:solidFill>
                 <a:srgbClr val="000000"/>
               </a:solidFill>
@@ -7467,7 +8502,7 @@
               <a:buAutoNum type="arabicPeriod"/>
             </a:pPr>
             <a:r>
-              <a:rPr b="0" lang="it-IT" sz="2500" spc="-1" strike="noStrike">
+              <a:rPr lang="it-IT" sz="2500" b="0" strike="noStrike" spc="-1" dirty="0">
                 <a:solidFill>
                   <a:srgbClr val="000000"/>
                 </a:solidFill>
@@ -7476,7 +8511,7 @@
               </a:rPr>
               <a:t> </a:t>
             </a:r>
-            <a:endParaRPr b="0" lang="it-IT" sz="2500" spc="-1" strike="noStrike">
+            <a:endParaRPr lang="it-IT" sz="2500" b="0" strike="noStrike" spc="-1" dirty="0">
               <a:solidFill>
                 <a:srgbClr val="000000"/>
               </a:solidFill>
@@ -7492,7 +8527,7 @@
                 <a:spcPts val="1001"/>
               </a:spcBef>
             </a:pPr>
-            <a:endParaRPr b="0" lang="it-IT" sz="2500" spc="-1" strike="noStrike">
+            <a:endParaRPr lang="it-IT" sz="2500" b="0" strike="noStrike" spc="-1" dirty="0">
               <a:solidFill>
                 <a:srgbClr val="000000"/>
               </a:solidFill>
@@ -7508,7 +8543,7 @@
                 <a:spcPts val="1001"/>
               </a:spcBef>
             </a:pPr>
-            <a:endParaRPr b="0" lang="it-IT" sz="2500" spc="-1" strike="noStrike">
+            <a:endParaRPr lang="it-IT" sz="2500" b="0" strike="noStrike" spc="-1" dirty="0">
               <a:solidFill>
                 <a:srgbClr val="000000"/>
               </a:solidFill>
@@ -7524,7 +8559,7 @@
                 <a:spcPts val="1001"/>
               </a:spcBef>
             </a:pPr>
-            <a:endParaRPr b="0" lang="it-IT" sz="2500" spc="-1" strike="noStrike">
+            <a:endParaRPr lang="it-IT" sz="2500" b="0" strike="noStrike" spc="-1" dirty="0">
               <a:solidFill>
                 <a:srgbClr val="000000"/>
               </a:solidFill>
@@ -7540,7 +8575,7 @@
                 <a:spcPts val="1001"/>
               </a:spcBef>
             </a:pPr>
-            <a:endParaRPr b="0" lang="it-IT" sz="2500" spc="-1" strike="noStrike">
+            <a:endParaRPr lang="it-IT" sz="2500" b="0" strike="noStrike" spc="-1" dirty="0">
               <a:solidFill>
                 <a:srgbClr val="000000"/>
               </a:solidFill>
@@ -7551,30 +8586,7 @@
       </p:sp>
       <p:pic>
         <p:nvPicPr>
-          <p:cNvPr id="148" name="Immagine 5" descr=""/>
-          <p:cNvPicPr/>
-          <p:nvPr/>
-        </p:nvPicPr>
-        <p:blipFill>
-          <a:blip r:embed="rId1"/>
-          <a:stretch/>
-        </p:blipFill>
-        <p:spPr>
-          <a:xfrm>
-            <a:off x="291960" y="92160"/>
-            <a:ext cx="12216600" cy="1258920"/>
-          </a:xfrm>
-          <a:prstGeom prst="rect">
-            <a:avLst/>
-          </a:prstGeom>
-          <a:ln>
-            <a:noFill/>
-          </a:ln>
-        </p:spPr>
-      </p:pic>
-      <p:pic>
-        <p:nvPicPr>
-          <p:cNvPr id="149" name="Immagine 4" descr=""/>
+          <p:cNvPr id="148" name="Immagine 5"/>
           <p:cNvPicPr/>
           <p:nvPr/>
         </p:nvPicPr>
@@ -7584,8 +8596,8 @@
         </p:blipFill>
         <p:spPr>
           <a:xfrm>
-            <a:off x="360" y="8640000"/>
-            <a:ext cx="13003920" cy="1102320"/>
+            <a:off x="291960" y="92160"/>
+            <a:ext cx="12216600" cy="1258920"/>
           </a:xfrm>
           <a:prstGeom prst="rect">
             <a:avLst/>
@@ -7595,24 +8607,50 @@
           </a:ln>
         </p:spPr>
       </p:pic>
+      <p:pic>
+        <p:nvPicPr>
+          <p:cNvPr id="149" name="Immagine 4"/>
+          <p:cNvPicPr/>
+          <p:nvPr/>
+        </p:nvPicPr>
+        <p:blipFill>
+          <a:blip r:embed="rId3"/>
+          <a:stretch/>
+        </p:blipFill>
+        <p:spPr>
+          <a:xfrm>
+            <a:off x="360" y="8640000"/>
+            <a:ext cx="13003920" cy="1102320"/>
+          </a:xfrm>
+          <a:prstGeom prst="rect">
+            <a:avLst/>
+          </a:prstGeom>
+          <a:ln>
+            <a:noFill/>
+          </a:ln>
+        </p:spPr>
+      </p:pic>
     </p:spTree>
   </p:cSld>
+  <p:clrMapOvr>
+    <a:masterClrMapping/>
+  </p:clrMapOvr>
   <p:timing>
     <p:tnLst>
       <p:par>
-        <p:cTn id="17" dur="indefinite" restart="never" nodeType="tmRoot">
+        <p:cTn id="1" dur="indefinite" restart="never" nodeType="tmRoot">
           <p:childTnLst>
             <p:seq>
-              <p:cTn id="18" dur="indefinite" nodeType="mainSeq"/>
+              <p:cTn id="2" dur="indefinite" nodeType="mainSeq"/>
               <p:prevCondLst>
-                <p:cond delay="0" evt="onPrev">
+                <p:cond evt="onPrev" delay="0">
                   <p:tgtEl>
                     <p:sldTgt/>
                   </p:tgtEl>
                 </p:cond>
               </p:prevCondLst>
               <p:nextCondLst>
-                <p:cond delay="0" evt="onNext">
+                <p:cond evt="onNext" delay="0">
                   <p:tgtEl>
                     <p:sldTgt/>
                   </p:tgtEl>
@@ -7638,34 +8676,34 @@
         <a:sysClr val="window" lastClr="FFFFFF"/>
       </a:lt1>
       <a:dk2>
-        <a:srgbClr val="5e5e5e"/>
+        <a:srgbClr val="5E5E5E"/>
       </a:dk2>
       <a:lt2>
-        <a:srgbClr val="d6d5d5"/>
+        <a:srgbClr val="D6D5D5"/>
       </a:lt2>
       <a:accent1>
-        <a:srgbClr val="00a2ff"/>
+        <a:srgbClr val="00A2FF"/>
       </a:accent1>
       <a:accent2>
-        <a:srgbClr val="16e7cf"/>
+        <a:srgbClr val="16E7CF"/>
       </a:accent2>
       <a:accent3>
-        <a:srgbClr val="ffffff"/>
+        <a:srgbClr val="FFFFFF"/>
       </a:accent3>
       <a:accent4>
         <a:srgbClr val="000000"/>
       </a:accent4>
       <a:accent5>
-        <a:srgbClr val="aaceff"/>
+        <a:srgbClr val="AACEFF"/>
       </a:accent5>
       <a:accent6>
-        <a:srgbClr val="13d1bb"/>
+        <a:srgbClr val="13D1BB"/>
       </a:accent6>
       <a:hlink>
-        <a:srgbClr val="0000ff"/>
+        <a:srgbClr val="0000FF"/>
       </a:hlink>
       <a:folHlink>
-        <a:srgbClr val="ff00ff"/>
+        <a:srgbClr val="FF00FF"/>
       </a:folHlink>
     </a:clrScheme>
     <a:fontScheme name="Office">
@@ -7847,6 +8885,8 @@
       </a:bgFillStyleLst>
     </a:fmtScheme>
   </a:themeElements>
+  <a:objectDefaults/>
+  <a:extraClrSchemeLst/>
 </a:theme>
 </file>
 
@@ -7861,34 +8901,34 @@
         <a:sysClr val="window" lastClr="FFFFFF"/>
       </a:lt1>
       <a:dk2>
-        <a:srgbClr val="5e5e5e"/>
+        <a:srgbClr val="5E5E5E"/>
       </a:dk2>
       <a:lt2>
-        <a:srgbClr val="d6d5d5"/>
+        <a:srgbClr val="D6D5D5"/>
       </a:lt2>
       <a:accent1>
-        <a:srgbClr val="00a2ff"/>
+        <a:srgbClr val="00A2FF"/>
       </a:accent1>
       <a:accent2>
-        <a:srgbClr val="16e7cf"/>
+        <a:srgbClr val="16E7CF"/>
       </a:accent2>
       <a:accent3>
-        <a:srgbClr val="ffffff"/>
+        <a:srgbClr val="FFFFFF"/>
       </a:accent3>
       <a:accent4>
         <a:srgbClr val="000000"/>
       </a:accent4>
       <a:accent5>
-        <a:srgbClr val="aaceff"/>
+        <a:srgbClr val="AACEFF"/>
       </a:accent5>
       <a:accent6>
-        <a:srgbClr val="13d1bb"/>
+        <a:srgbClr val="13D1BB"/>
       </a:accent6>
       <a:hlink>
-        <a:srgbClr val="0000ff"/>
+        <a:srgbClr val="0000FF"/>
       </a:hlink>
       <a:folHlink>
-        <a:srgbClr val="ff00ff"/>
+        <a:srgbClr val="FF00FF"/>
       </a:folHlink>
     </a:clrScheme>
     <a:fontScheme name="Office">
@@ -8070,6 +9110,8 @@
       </a:bgFillStyleLst>
     </a:fmtScheme>
   </a:themeElements>
+  <a:objectDefaults/>
+  <a:extraClrSchemeLst/>
 </a:theme>
 </file>
 
@@ -8084,34 +9126,34 @@
         <a:sysClr val="window" lastClr="FFFFFF"/>
       </a:lt1>
       <a:dk2>
-        <a:srgbClr val="5e5e5e"/>
+        <a:srgbClr val="5E5E5E"/>
       </a:dk2>
       <a:lt2>
-        <a:srgbClr val="d6d5d5"/>
+        <a:srgbClr val="D6D5D5"/>
       </a:lt2>
       <a:accent1>
-        <a:srgbClr val="00a2ff"/>
+        <a:srgbClr val="00A2FF"/>
       </a:accent1>
       <a:accent2>
-        <a:srgbClr val="16e7cf"/>
+        <a:srgbClr val="16E7CF"/>
       </a:accent2>
       <a:accent3>
-        <a:srgbClr val="ffffff"/>
+        <a:srgbClr val="FFFFFF"/>
       </a:accent3>
       <a:accent4>
         <a:srgbClr val="000000"/>
       </a:accent4>
       <a:accent5>
-        <a:srgbClr val="aaceff"/>
+        <a:srgbClr val="AACEFF"/>
       </a:accent5>
       <a:accent6>
-        <a:srgbClr val="13d1bb"/>
+        <a:srgbClr val="13D1BB"/>
       </a:accent6>
       <a:hlink>
-        <a:srgbClr val="0000ff"/>
+        <a:srgbClr val="0000FF"/>
       </a:hlink>
       <a:folHlink>
-        <a:srgbClr val="ff00ff"/>
+        <a:srgbClr val="FF00FF"/>
       </a:folHlink>
     </a:clrScheme>
     <a:fontScheme name="Office">
@@ -8293,5 +9335,7 @@
       </a:bgFillStyleLst>
     </a:fmtScheme>
   </a:themeElements>
+  <a:objectDefaults/>
+  <a:extraClrSchemeLst/>
 </a:theme>
 </file>